--- a/assets/ppt/intro/in3-what-is-a-compiler.pptx
+++ b/assets/ppt/intro/in3-what-is-a-compiler.pptx
@@ -5,38 +5,35 @@
     <p:sldMasterId id="2147483687" r:id="rId1"/>
   </p:sldMasterIdLst>
   <p:notesMasterIdLst>
-    <p:notesMasterId r:id="rId12"/>
+    <p:notesMasterId r:id="rId9"/>
   </p:notesMasterIdLst>
   <p:sldIdLst>
     <p:sldId id="256" r:id="rId2"/>
     <p:sldId id="257" r:id="rId3"/>
-    <p:sldId id="258" r:id="rId4"/>
-    <p:sldId id="269" r:id="rId5"/>
-    <p:sldId id="260" r:id="rId6"/>
-    <p:sldId id="261" r:id="rId7"/>
-    <p:sldId id="262" r:id="rId8"/>
-    <p:sldId id="263" r:id="rId9"/>
-    <p:sldId id="267" r:id="rId10"/>
-    <p:sldId id="268" r:id="rId11"/>
+    <p:sldId id="269" r:id="rId4"/>
+    <p:sldId id="258" r:id="rId5"/>
+    <p:sldId id="263" r:id="rId6"/>
+    <p:sldId id="267" r:id="rId7"/>
+    <p:sldId id="268" r:id="rId8"/>
   </p:sldIdLst>
   <p:sldSz cx="9144000" cy="5143500" type="screen16x9"/>
   <p:notesSz cx="6858000" cy="9144000"/>
   <p:embeddedFontLst>
     <p:embeddedFont>
       <p:font typeface="Calibri" panose="020F0502020204030204" pitchFamily="34" charset="0"/>
-      <p:regular r:id="rId13"/>
-      <p:bold r:id="rId14"/>
-      <p:italic r:id="rId15"/>
-      <p:boldItalic r:id="rId16"/>
+      <p:regular r:id="rId10"/>
+      <p:bold r:id="rId11"/>
+      <p:italic r:id="rId12"/>
+      <p:boldItalic r:id="rId13"/>
     </p:embeddedFont>
     <p:embeddedFont>
       <p:font typeface="Calibri Light" panose="020F0302020204030204" pitchFamily="34" charset="0"/>
-      <p:regular r:id="rId17"/>
-      <p:italic r:id="rId18"/>
+      <p:regular r:id="rId14"/>
+      <p:italic r:id="rId15"/>
     </p:embeddedFont>
     <p:embeddedFont>
       <p:font typeface="Galdeano" panose="02000506070000020004" pitchFamily="2" charset="77"/>
-      <p:regular r:id="rId19"/>
+      <p:regular r:id="rId16"/>
     </p:embeddedFont>
   </p:embeddedFontLst>
   <p:defaultTextStyle>
@@ -1558,6 +1555,249 @@
   <p:cSld>
     <p:spTree>
       <p:nvGrpSpPr>
+        <p:cNvPr id="1" name="Shape 167"/>
+        <p:cNvGrpSpPr/>
+        <p:nvPr/>
+      </p:nvGrpSpPr>
+      <p:grpSpPr>
+        <a:xfrm>
+          <a:off x="0" y="0"/>
+          <a:ext cx="0" cy="0"/>
+          <a:chOff x="0" y="0"/>
+          <a:chExt cx="0" cy="0"/>
+        </a:xfrm>
+      </p:grpSpPr>
+      <p:sp>
+        <p:nvSpPr>
+          <p:cNvPr id="168" name="Shape 168"/>
+          <p:cNvSpPr txBox="1">
+            <a:spLocks noGrp="1"/>
+          </p:cNvSpPr>
+          <p:nvPr>
+            <p:ph type="dt" idx="10"/>
+          </p:nvPr>
+        </p:nvSpPr>
+        <p:spPr>
+          <a:xfrm>
+            <a:off x="3886200" y="0"/>
+            <a:ext cx="2971799" cy="457200"/>
+          </a:xfrm>
+          <a:prstGeom prst="rect">
+            <a:avLst/>
+          </a:prstGeom>
+          <a:noFill/>
+          <a:ln>
+            <a:noFill/>
+          </a:ln>
+        </p:spPr>
+        <p:txBody>
+          <a:bodyPr lIns="91425" tIns="45700" rIns="91425" bIns="45700" anchor="t" anchorCtr="0">
+            <a:noAutofit/>
+          </a:bodyPr>
+          <a:lstStyle/>
+          <a:p>
+            <a:pPr marL="0" marR="0" lvl="0" indent="0" algn="r" rtl="0">
+              <a:spcBef>
+                <a:spcPts val="0"/>
+              </a:spcBef>
+              <a:spcAft>
+                <a:spcPts val="0"/>
+              </a:spcAft>
+              <a:buSzPct val="25000"/>
+              <a:buNone/>
+            </a:pPr>
+            <a:r>
+              <a:rPr lang="en-US" sz="1200">
+                <a:solidFill>
+                  <a:schemeClr val="dk1"/>
+                </a:solidFill>
+                <a:latin typeface="Times New Roman"/>
+                <a:ea typeface="Times New Roman"/>
+                <a:cs typeface="Times New Roman"/>
+                <a:sym typeface="Times New Roman"/>
+              </a:rPr>
+              <a:t>2013-09-05</a:t>
+            </a:r>
+          </a:p>
+        </p:txBody>
+      </p:sp>
+      <p:sp>
+        <p:nvSpPr>
+          <p:cNvPr id="169" name="Shape 169"/>
+          <p:cNvSpPr txBox="1">
+            <a:spLocks noGrp="1"/>
+          </p:cNvSpPr>
+          <p:nvPr>
+            <p:ph type="sldNum" idx="12"/>
+          </p:nvPr>
+        </p:nvSpPr>
+        <p:spPr>
+          <a:xfrm>
+            <a:off x="3886200" y="8686800"/>
+            <a:ext cx="2971799" cy="457200"/>
+          </a:xfrm>
+          <a:prstGeom prst="rect">
+            <a:avLst/>
+          </a:prstGeom>
+          <a:noFill/>
+          <a:ln>
+            <a:noFill/>
+          </a:ln>
+        </p:spPr>
+        <p:txBody>
+          <a:bodyPr lIns="91425" tIns="45700" rIns="91425" bIns="45700" anchor="b" anchorCtr="0">
+            <a:noAutofit/>
+          </a:bodyPr>
+          <a:lstStyle/>
+          <a:p>
+            <a:pPr marL="0" marR="0" lvl="0" indent="0" algn="r" rtl="0">
+              <a:spcBef>
+                <a:spcPts val="0"/>
+              </a:spcBef>
+              <a:spcAft>
+                <a:spcPts val="0"/>
+              </a:spcAft>
+              <a:buSzPct val="25000"/>
+              <a:buNone/>
+            </a:pPr>
+            <a:fld id="{00000000-1234-1234-1234-123412341234}" type="slidenum">
+              <a:rPr lang="en-US" sz="1200">
+                <a:solidFill>
+                  <a:schemeClr val="dk1"/>
+                </a:solidFill>
+                <a:latin typeface="Times New Roman"/>
+                <a:ea typeface="Times New Roman"/>
+                <a:cs typeface="Times New Roman"/>
+                <a:sym typeface="Times New Roman"/>
+              </a:rPr>
+              <a:t>3</a:t>
+            </a:fld>
+            <a:endParaRPr lang="en-US" sz="1200">
+              <a:solidFill>
+                <a:schemeClr val="dk1"/>
+              </a:solidFill>
+              <a:latin typeface="Times New Roman"/>
+              <a:ea typeface="Times New Roman"/>
+              <a:cs typeface="Times New Roman"/>
+              <a:sym typeface="Times New Roman"/>
+            </a:endParaRPr>
+          </a:p>
+        </p:txBody>
+      </p:sp>
+      <p:sp>
+        <p:nvSpPr>
+          <p:cNvPr id="170" name="Shape 170"/>
+          <p:cNvSpPr>
+            <a:spLocks noGrp="1" noRot="1" noChangeAspect="1"/>
+          </p:cNvSpPr>
+          <p:nvPr>
+            <p:ph type="sldImg" idx="2"/>
+          </p:nvPr>
+        </p:nvSpPr>
+        <p:spPr>
+          <a:xfrm>
+            <a:off x="381000" y="685800"/>
+            <a:ext cx="6096000" cy="3429000"/>
+          </a:xfrm>
+          <a:custGeom>
+            <a:avLst/>
+            <a:gdLst/>
+            <a:ahLst/>
+            <a:cxnLst/>
+            <a:rect l="0" t="0" r="0" b="0"/>
+            <a:pathLst>
+              <a:path w="120000" h="120000" extrusionOk="0">
+                <a:moveTo>
+                  <a:pt x="0" y="0"/>
+                </a:moveTo>
+                <a:lnTo>
+                  <a:pt x="120000" y="0"/>
+                </a:lnTo>
+                <a:lnTo>
+                  <a:pt x="120000" y="120000"/>
+                </a:lnTo>
+                <a:lnTo>
+                  <a:pt x="0" y="120000"/>
+                </a:lnTo>
+                <a:close/>
+              </a:path>
+            </a:pathLst>
+          </a:custGeom>
+          <a:noFill/>
+          <a:ln>
+            <a:noFill/>
+          </a:ln>
+        </p:spPr>
+      </p:sp>
+      <p:sp>
+        <p:nvSpPr>
+          <p:cNvPr id="171" name="Shape 171"/>
+          <p:cNvSpPr txBox="1">
+            <a:spLocks noGrp="1"/>
+          </p:cNvSpPr>
+          <p:nvPr>
+            <p:ph type="body" idx="1"/>
+          </p:nvPr>
+        </p:nvSpPr>
+        <p:spPr>
+          <a:xfrm>
+            <a:off x="914400" y="4343400"/>
+            <a:ext cx="5029199" cy="4114800"/>
+          </a:xfrm>
+          <a:prstGeom prst="rect">
+            <a:avLst/>
+          </a:prstGeom>
+          <a:noFill/>
+          <a:ln>
+            <a:noFill/>
+          </a:ln>
+        </p:spPr>
+        <p:txBody>
+          <a:bodyPr lIns="91425" tIns="45700" rIns="91425" bIns="45700" anchor="t" anchorCtr="0">
+            <a:noAutofit/>
+          </a:bodyPr>
+          <a:lstStyle/>
+          <a:p>
+            <a:pPr marL="0" marR="0" lvl="0" indent="0" algn="l" rtl="0">
+              <a:spcBef>
+                <a:spcPts val="0"/>
+              </a:spcBef>
+              <a:spcAft>
+                <a:spcPts val="0"/>
+              </a:spcAft>
+              <a:buSzPct val="25000"/>
+              <a:buNone/>
+            </a:pPr>
+            <a:endParaRPr sz="1200" b="0" i="0" u="none" strike="noStrike" cap="none" dirty="0">
+              <a:solidFill>
+                <a:schemeClr val="dk1"/>
+              </a:solidFill>
+              <a:latin typeface="Times New Roman"/>
+              <a:ea typeface="Times New Roman"/>
+              <a:cs typeface="Times New Roman"/>
+              <a:sym typeface="Times New Roman"/>
+            </a:endParaRPr>
+          </a:p>
+        </p:txBody>
+      </p:sp>
+    </p:spTree>
+    <p:extLst>
+      <p:ext uri="{BB962C8B-B14F-4D97-AF65-F5344CB8AC3E}">
+        <p14:creationId xmlns:p14="http://schemas.microsoft.com/office/powerpoint/2010/main" val="565123728"/>
+      </p:ext>
+    </p:extLst>
+  </p:cSld>
+  <p:clrMapOvr>
+    <a:masterClrMapping/>
+  </p:clrMapOvr>
+</p:notes>
+</file>
+
+<file path=ppt/notesSlides/notesSlide4.xml><?xml version="1.0" encoding="utf-8"?>
+<p:notes xmlns:a="http://schemas.openxmlformats.org/drawingml/2006/main" xmlns:r="http://schemas.openxmlformats.org/officeDocument/2006/relationships" xmlns:p="http://schemas.openxmlformats.org/presentationml/2006/main" showMasterSp="0" showMasterPhAnim="0">
+  <p:cSld>
+    <p:spTree>
+      <p:nvGrpSpPr>
         <p:cNvPr id="1" name="Shape 185"/>
         <p:cNvGrpSpPr/>
         <p:nvPr/>
@@ -1673,7 +1913,7 @@
                 <a:cs typeface="Times New Roman"/>
                 <a:sym typeface="Times New Roman"/>
               </a:rPr>
-              <a:t>3</a:t>
+              <a:t>4</a:t>
             </a:fld>
             <a:endParaRPr lang="en-US" sz="1200">
               <a:solidFill>
@@ -1791,753 +2031,7 @@
 </p:notes>
 </file>
 
-<file path=ppt/notesSlides/notesSlide4.xml><?xml version="1.0" encoding="utf-8"?>
-<p:notes xmlns:a="http://schemas.openxmlformats.org/drawingml/2006/main" xmlns:r="http://schemas.openxmlformats.org/officeDocument/2006/relationships" xmlns:p="http://schemas.openxmlformats.org/presentationml/2006/main" showMasterSp="0" showMasterPhAnim="0">
-  <p:cSld>
-    <p:spTree>
-      <p:nvGrpSpPr>
-        <p:cNvPr id="1" name="Shape 203"/>
-        <p:cNvGrpSpPr/>
-        <p:nvPr/>
-      </p:nvGrpSpPr>
-      <p:grpSpPr>
-        <a:xfrm>
-          <a:off x="0" y="0"/>
-          <a:ext cx="0" cy="0"/>
-          <a:chOff x="0" y="0"/>
-          <a:chExt cx="0" cy="0"/>
-        </a:xfrm>
-      </p:grpSpPr>
-      <p:sp>
-        <p:nvSpPr>
-          <p:cNvPr id="204" name="Shape 204"/>
-          <p:cNvSpPr txBox="1">
-            <a:spLocks noGrp="1"/>
-          </p:cNvSpPr>
-          <p:nvPr>
-            <p:ph type="dt" idx="10"/>
-          </p:nvPr>
-        </p:nvSpPr>
-        <p:spPr>
-          <a:xfrm>
-            <a:off x="3886200" y="0"/>
-            <a:ext cx="2971799" cy="457200"/>
-          </a:xfrm>
-          <a:prstGeom prst="rect">
-            <a:avLst/>
-          </a:prstGeom>
-          <a:noFill/>
-          <a:ln>
-            <a:noFill/>
-          </a:ln>
-        </p:spPr>
-        <p:txBody>
-          <a:bodyPr lIns="91425" tIns="45700" rIns="91425" bIns="45700" anchor="t" anchorCtr="0">
-            <a:noAutofit/>
-          </a:bodyPr>
-          <a:lstStyle/>
-          <a:p>
-            <a:pPr marL="0" marR="0" lvl="0" indent="0" algn="r" rtl="0">
-              <a:spcBef>
-                <a:spcPts val="0"/>
-              </a:spcBef>
-              <a:spcAft>
-                <a:spcPts val="0"/>
-              </a:spcAft>
-              <a:buSzPct val="25000"/>
-              <a:buNone/>
-            </a:pPr>
-            <a:r>
-              <a:rPr lang="en-US" sz="1200">
-                <a:solidFill>
-                  <a:schemeClr val="dk1"/>
-                </a:solidFill>
-                <a:latin typeface="Times New Roman"/>
-                <a:ea typeface="Times New Roman"/>
-                <a:cs typeface="Times New Roman"/>
-                <a:sym typeface="Times New Roman"/>
-              </a:rPr>
-              <a:t>2013-09-05</a:t>
-            </a:r>
-          </a:p>
-        </p:txBody>
-      </p:sp>
-      <p:sp>
-        <p:nvSpPr>
-          <p:cNvPr id="205" name="Shape 205"/>
-          <p:cNvSpPr txBox="1">
-            <a:spLocks noGrp="1"/>
-          </p:cNvSpPr>
-          <p:nvPr>
-            <p:ph type="sldNum" idx="12"/>
-          </p:nvPr>
-        </p:nvSpPr>
-        <p:spPr>
-          <a:xfrm>
-            <a:off x="3886200" y="8686800"/>
-            <a:ext cx="2971799" cy="457200"/>
-          </a:xfrm>
-          <a:prstGeom prst="rect">
-            <a:avLst/>
-          </a:prstGeom>
-          <a:noFill/>
-          <a:ln>
-            <a:noFill/>
-          </a:ln>
-        </p:spPr>
-        <p:txBody>
-          <a:bodyPr lIns="91425" tIns="45700" rIns="91425" bIns="45700" anchor="b" anchorCtr="0">
-            <a:noAutofit/>
-          </a:bodyPr>
-          <a:lstStyle/>
-          <a:p>
-            <a:pPr marL="0" marR="0" lvl="0" indent="0" algn="r" rtl="0">
-              <a:spcBef>
-                <a:spcPts val="0"/>
-              </a:spcBef>
-              <a:spcAft>
-                <a:spcPts val="0"/>
-              </a:spcAft>
-              <a:buSzPct val="25000"/>
-              <a:buNone/>
-            </a:pPr>
-            <a:fld id="{00000000-1234-1234-1234-123412341234}" type="slidenum">
-              <a:rPr lang="en-US" sz="1200">
-                <a:solidFill>
-                  <a:schemeClr val="dk1"/>
-                </a:solidFill>
-                <a:latin typeface="Times New Roman"/>
-                <a:ea typeface="Times New Roman"/>
-                <a:cs typeface="Times New Roman"/>
-                <a:sym typeface="Times New Roman"/>
-              </a:rPr>
-              <a:t>5</a:t>
-            </a:fld>
-            <a:endParaRPr lang="en-US" sz="1200">
-              <a:solidFill>
-                <a:schemeClr val="dk1"/>
-              </a:solidFill>
-              <a:latin typeface="Times New Roman"/>
-              <a:ea typeface="Times New Roman"/>
-              <a:cs typeface="Times New Roman"/>
-              <a:sym typeface="Times New Roman"/>
-            </a:endParaRPr>
-          </a:p>
-        </p:txBody>
-      </p:sp>
-      <p:sp>
-        <p:nvSpPr>
-          <p:cNvPr id="206" name="Shape 206"/>
-          <p:cNvSpPr>
-            <a:spLocks noGrp="1" noRot="1" noChangeAspect="1"/>
-          </p:cNvSpPr>
-          <p:nvPr>
-            <p:ph type="sldImg" idx="2"/>
-          </p:nvPr>
-        </p:nvSpPr>
-        <p:spPr>
-          <a:xfrm>
-            <a:off x="381000" y="685800"/>
-            <a:ext cx="6096000" cy="3429000"/>
-          </a:xfrm>
-          <a:custGeom>
-            <a:avLst/>
-            <a:gdLst/>
-            <a:ahLst/>
-            <a:cxnLst/>
-            <a:rect l="0" t="0" r="0" b="0"/>
-            <a:pathLst>
-              <a:path w="120000" h="120000" extrusionOk="0">
-                <a:moveTo>
-                  <a:pt x="0" y="0"/>
-                </a:moveTo>
-                <a:lnTo>
-                  <a:pt x="120000" y="0"/>
-                </a:lnTo>
-                <a:lnTo>
-                  <a:pt x="120000" y="120000"/>
-                </a:lnTo>
-                <a:lnTo>
-                  <a:pt x="0" y="120000"/>
-                </a:lnTo>
-                <a:close/>
-              </a:path>
-            </a:pathLst>
-          </a:custGeom>
-          <a:solidFill>
-            <a:srgbClr val="FFFFFF"/>
-          </a:solidFill>
-          <a:ln w="9525" cap="flat" cmpd="sng">
-            <a:solidFill>
-              <a:srgbClr val="000000"/>
-            </a:solidFill>
-            <a:prstDash val="solid"/>
-            <a:miter/>
-            <a:headEnd type="none" w="med" len="med"/>
-            <a:tailEnd type="none" w="med" len="med"/>
-          </a:ln>
-        </p:spPr>
-      </p:sp>
-      <p:sp>
-        <p:nvSpPr>
-          <p:cNvPr id="207" name="Shape 207"/>
-          <p:cNvSpPr txBox="1">
-            <a:spLocks noGrp="1"/>
-          </p:cNvSpPr>
-          <p:nvPr>
-            <p:ph type="body" idx="1"/>
-          </p:nvPr>
-        </p:nvSpPr>
-        <p:spPr>
-          <a:xfrm>
-            <a:off x="914400" y="4343400"/>
-            <a:ext cx="5029199" cy="4114800"/>
-          </a:xfrm>
-          <a:prstGeom prst="rect">
-            <a:avLst/>
-          </a:prstGeom>
-          <a:solidFill>
-            <a:srgbClr val="FFFFFF"/>
-          </a:solidFill>
-          <a:ln w="9525" cap="flat" cmpd="sng">
-            <a:solidFill>
-              <a:srgbClr val="000000"/>
-            </a:solidFill>
-            <a:prstDash val="solid"/>
-            <a:miter/>
-            <a:headEnd type="none" w="med" len="med"/>
-            <a:tailEnd type="none" w="med" len="med"/>
-          </a:ln>
-        </p:spPr>
-        <p:txBody>
-          <a:bodyPr lIns="91425" tIns="45700" rIns="91425" bIns="45700" anchor="t" anchorCtr="0">
-            <a:noAutofit/>
-          </a:bodyPr>
-          <a:lstStyle/>
-          <a:p>
-            <a:pPr marL="0" marR="0" lvl="0" indent="0" algn="l" rtl="0">
-              <a:spcBef>
-                <a:spcPts val="0"/>
-              </a:spcBef>
-              <a:spcAft>
-                <a:spcPts val="0"/>
-              </a:spcAft>
-              <a:buSzPct val="25000"/>
-              <a:buNone/>
-            </a:pPr>
-            <a:endParaRPr sz="1200" b="0" i="0" u="none" strike="noStrike" cap="none">
-              <a:solidFill>
-                <a:schemeClr val="dk1"/>
-              </a:solidFill>
-              <a:latin typeface="Times New Roman"/>
-              <a:ea typeface="Times New Roman"/>
-              <a:cs typeface="Times New Roman"/>
-              <a:sym typeface="Times New Roman"/>
-            </a:endParaRPr>
-          </a:p>
-        </p:txBody>
-      </p:sp>
-    </p:spTree>
-  </p:cSld>
-  <p:clrMapOvr>
-    <a:masterClrMapping/>
-  </p:clrMapOvr>
-</p:notes>
-</file>
-
 <file path=ppt/notesSlides/notesSlide5.xml><?xml version="1.0" encoding="utf-8"?>
-<p:notes xmlns:a="http://schemas.openxmlformats.org/drawingml/2006/main" xmlns:r="http://schemas.openxmlformats.org/officeDocument/2006/relationships" xmlns:p="http://schemas.openxmlformats.org/presentationml/2006/main" showMasterSp="0" showMasterPhAnim="0">
-  <p:cSld>
-    <p:spTree>
-      <p:nvGrpSpPr>
-        <p:cNvPr id="1" name="Shape 230"/>
-        <p:cNvGrpSpPr/>
-        <p:nvPr/>
-      </p:nvGrpSpPr>
-      <p:grpSpPr>
-        <a:xfrm>
-          <a:off x="0" y="0"/>
-          <a:ext cx="0" cy="0"/>
-          <a:chOff x="0" y="0"/>
-          <a:chExt cx="0" cy="0"/>
-        </a:xfrm>
-      </p:grpSpPr>
-      <p:sp>
-        <p:nvSpPr>
-          <p:cNvPr id="231" name="Shape 231"/>
-          <p:cNvSpPr txBox="1">
-            <a:spLocks noGrp="1"/>
-          </p:cNvSpPr>
-          <p:nvPr>
-            <p:ph type="dt" idx="10"/>
-          </p:nvPr>
-        </p:nvSpPr>
-        <p:spPr>
-          <a:xfrm>
-            <a:off x="3886200" y="0"/>
-            <a:ext cx="2971799" cy="457200"/>
-          </a:xfrm>
-          <a:prstGeom prst="rect">
-            <a:avLst/>
-          </a:prstGeom>
-          <a:noFill/>
-          <a:ln>
-            <a:noFill/>
-          </a:ln>
-        </p:spPr>
-        <p:txBody>
-          <a:bodyPr lIns="91425" tIns="45700" rIns="91425" bIns="45700" anchor="t" anchorCtr="0">
-            <a:noAutofit/>
-          </a:bodyPr>
-          <a:lstStyle/>
-          <a:p>
-            <a:pPr marL="0" marR="0" lvl="0" indent="0" algn="r" rtl="0">
-              <a:spcBef>
-                <a:spcPts val="0"/>
-              </a:spcBef>
-              <a:spcAft>
-                <a:spcPts val="0"/>
-              </a:spcAft>
-              <a:buSzPct val="25000"/>
-              <a:buNone/>
-            </a:pPr>
-            <a:r>
-              <a:rPr lang="en-US" sz="1200">
-                <a:solidFill>
-                  <a:schemeClr val="dk1"/>
-                </a:solidFill>
-                <a:latin typeface="Times New Roman"/>
-                <a:ea typeface="Times New Roman"/>
-                <a:cs typeface="Times New Roman"/>
-                <a:sym typeface="Times New Roman"/>
-              </a:rPr>
-              <a:t>2013-09-05</a:t>
-            </a:r>
-          </a:p>
-        </p:txBody>
-      </p:sp>
-      <p:sp>
-        <p:nvSpPr>
-          <p:cNvPr id="232" name="Shape 232"/>
-          <p:cNvSpPr txBox="1">
-            <a:spLocks noGrp="1"/>
-          </p:cNvSpPr>
-          <p:nvPr>
-            <p:ph type="sldNum" idx="12"/>
-          </p:nvPr>
-        </p:nvSpPr>
-        <p:spPr>
-          <a:xfrm>
-            <a:off x="3886200" y="8686800"/>
-            <a:ext cx="2971799" cy="457200"/>
-          </a:xfrm>
-          <a:prstGeom prst="rect">
-            <a:avLst/>
-          </a:prstGeom>
-          <a:noFill/>
-          <a:ln>
-            <a:noFill/>
-          </a:ln>
-        </p:spPr>
-        <p:txBody>
-          <a:bodyPr lIns="91425" tIns="45700" rIns="91425" bIns="45700" anchor="b" anchorCtr="0">
-            <a:noAutofit/>
-          </a:bodyPr>
-          <a:lstStyle/>
-          <a:p>
-            <a:pPr marL="0" marR="0" lvl="0" indent="0" algn="r" rtl="0">
-              <a:spcBef>
-                <a:spcPts val="0"/>
-              </a:spcBef>
-              <a:spcAft>
-                <a:spcPts val="0"/>
-              </a:spcAft>
-              <a:buSzPct val="25000"/>
-              <a:buNone/>
-            </a:pPr>
-            <a:fld id="{00000000-1234-1234-1234-123412341234}" type="slidenum">
-              <a:rPr lang="en-US" sz="1200">
-                <a:solidFill>
-                  <a:schemeClr val="dk1"/>
-                </a:solidFill>
-                <a:latin typeface="Times New Roman"/>
-                <a:ea typeface="Times New Roman"/>
-                <a:cs typeface="Times New Roman"/>
-                <a:sym typeface="Times New Roman"/>
-              </a:rPr>
-              <a:t>6</a:t>
-            </a:fld>
-            <a:endParaRPr lang="en-US" sz="1200">
-              <a:solidFill>
-                <a:schemeClr val="dk1"/>
-              </a:solidFill>
-              <a:latin typeface="Times New Roman"/>
-              <a:ea typeface="Times New Roman"/>
-              <a:cs typeface="Times New Roman"/>
-              <a:sym typeface="Times New Roman"/>
-            </a:endParaRPr>
-          </a:p>
-        </p:txBody>
-      </p:sp>
-      <p:sp>
-        <p:nvSpPr>
-          <p:cNvPr id="233" name="Shape 233"/>
-          <p:cNvSpPr>
-            <a:spLocks noGrp="1" noRot="1" noChangeAspect="1"/>
-          </p:cNvSpPr>
-          <p:nvPr>
-            <p:ph type="sldImg" idx="2"/>
-          </p:nvPr>
-        </p:nvSpPr>
-        <p:spPr>
-          <a:xfrm>
-            <a:off x="381000" y="685800"/>
-            <a:ext cx="6096000" cy="3429000"/>
-          </a:xfrm>
-          <a:custGeom>
-            <a:avLst/>
-            <a:gdLst/>
-            <a:ahLst/>
-            <a:cxnLst/>
-            <a:rect l="0" t="0" r="0" b="0"/>
-            <a:pathLst>
-              <a:path w="120000" h="120000" extrusionOk="0">
-                <a:moveTo>
-                  <a:pt x="0" y="0"/>
-                </a:moveTo>
-                <a:lnTo>
-                  <a:pt x="120000" y="0"/>
-                </a:lnTo>
-                <a:lnTo>
-                  <a:pt x="120000" y="120000"/>
-                </a:lnTo>
-                <a:lnTo>
-                  <a:pt x="0" y="120000"/>
-                </a:lnTo>
-                <a:close/>
-              </a:path>
-            </a:pathLst>
-          </a:custGeom>
-          <a:solidFill>
-            <a:srgbClr val="FFFFFF"/>
-          </a:solidFill>
-          <a:ln w="9525" cap="flat" cmpd="sng">
-            <a:solidFill>
-              <a:srgbClr val="000000"/>
-            </a:solidFill>
-            <a:prstDash val="solid"/>
-            <a:miter/>
-            <a:headEnd type="none" w="med" len="med"/>
-            <a:tailEnd type="none" w="med" len="med"/>
-          </a:ln>
-        </p:spPr>
-      </p:sp>
-      <p:sp>
-        <p:nvSpPr>
-          <p:cNvPr id="234" name="Shape 234"/>
-          <p:cNvSpPr txBox="1">
-            <a:spLocks noGrp="1"/>
-          </p:cNvSpPr>
-          <p:nvPr>
-            <p:ph type="body" idx="1"/>
-          </p:nvPr>
-        </p:nvSpPr>
-        <p:spPr>
-          <a:xfrm>
-            <a:off x="914400" y="4343400"/>
-            <a:ext cx="5029199" cy="4114800"/>
-          </a:xfrm>
-          <a:prstGeom prst="rect">
-            <a:avLst/>
-          </a:prstGeom>
-          <a:solidFill>
-            <a:srgbClr val="FFFFFF"/>
-          </a:solidFill>
-          <a:ln w="9525" cap="flat" cmpd="sng">
-            <a:solidFill>
-              <a:srgbClr val="000000"/>
-            </a:solidFill>
-            <a:prstDash val="solid"/>
-            <a:miter/>
-            <a:headEnd type="none" w="med" len="med"/>
-            <a:tailEnd type="none" w="med" len="med"/>
-          </a:ln>
-        </p:spPr>
-        <p:txBody>
-          <a:bodyPr lIns="91425" tIns="45700" rIns="91425" bIns="45700" anchor="t" anchorCtr="0">
-            <a:noAutofit/>
-          </a:bodyPr>
-          <a:lstStyle/>
-          <a:p>
-            <a:pPr marL="0" marR="0" lvl="0" indent="0" algn="l" rtl="0">
-              <a:spcBef>
-                <a:spcPts val="0"/>
-              </a:spcBef>
-              <a:spcAft>
-                <a:spcPts val="0"/>
-              </a:spcAft>
-              <a:buSzPct val="25000"/>
-              <a:buNone/>
-            </a:pPr>
-            <a:endParaRPr sz="1200" b="0" i="0" u="none" strike="noStrike" cap="none">
-              <a:solidFill>
-                <a:schemeClr val="dk1"/>
-              </a:solidFill>
-              <a:latin typeface="Times New Roman"/>
-              <a:ea typeface="Times New Roman"/>
-              <a:cs typeface="Times New Roman"/>
-              <a:sym typeface="Times New Roman"/>
-            </a:endParaRPr>
-          </a:p>
-        </p:txBody>
-      </p:sp>
-    </p:spTree>
-  </p:cSld>
-  <p:clrMapOvr>
-    <a:masterClrMapping/>
-  </p:clrMapOvr>
-</p:notes>
-</file>
-
-<file path=ppt/notesSlides/notesSlide6.xml><?xml version="1.0" encoding="utf-8"?>
-<p:notes xmlns:a="http://schemas.openxmlformats.org/drawingml/2006/main" xmlns:r="http://schemas.openxmlformats.org/officeDocument/2006/relationships" xmlns:p="http://schemas.openxmlformats.org/presentationml/2006/main" showMasterSp="0" showMasterPhAnim="0">
-  <p:cSld>
-    <p:spTree>
-      <p:nvGrpSpPr>
-        <p:cNvPr id="1" name="Shape 249"/>
-        <p:cNvGrpSpPr/>
-        <p:nvPr/>
-      </p:nvGrpSpPr>
-      <p:grpSpPr>
-        <a:xfrm>
-          <a:off x="0" y="0"/>
-          <a:ext cx="0" cy="0"/>
-          <a:chOff x="0" y="0"/>
-          <a:chExt cx="0" cy="0"/>
-        </a:xfrm>
-      </p:grpSpPr>
-      <p:sp>
-        <p:nvSpPr>
-          <p:cNvPr id="250" name="Shape 250"/>
-          <p:cNvSpPr txBox="1">
-            <a:spLocks noGrp="1"/>
-          </p:cNvSpPr>
-          <p:nvPr>
-            <p:ph type="dt" idx="10"/>
-          </p:nvPr>
-        </p:nvSpPr>
-        <p:spPr>
-          <a:xfrm>
-            <a:off x="3886200" y="0"/>
-            <a:ext cx="2971799" cy="457200"/>
-          </a:xfrm>
-          <a:prstGeom prst="rect">
-            <a:avLst/>
-          </a:prstGeom>
-          <a:noFill/>
-          <a:ln>
-            <a:noFill/>
-          </a:ln>
-        </p:spPr>
-        <p:txBody>
-          <a:bodyPr lIns="91425" tIns="45700" rIns="91425" bIns="45700" anchor="t" anchorCtr="0">
-            <a:noAutofit/>
-          </a:bodyPr>
-          <a:lstStyle/>
-          <a:p>
-            <a:pPr marL="0" marR="0" lvl="0" indent="0" algn="r" rtl="0">
-              <a:spcBef>
-                <a:spcPts val="0"/>
-              </a:spcBef>
-              <a:spcAft>
-                <a:spcPts val="0"/>
-              </a:spcAft>
-              <a:buSzPct val="25000"/>
-              <a:buNone/>
-            </a:pPr>
-            <a:r>
-              <a:rPr lang="en-US" sz="1200">
-                <a:solidFill>
-                  <a:schemeClr val="dk1"/>
-                </a:solidFill>
-                <a:latin typeface="Times New Roman"/>
-                <a:ea typeface="Times New Roman"/>
-                <a:cs typeface="Times New Roman"/>
-                <a:sym typeface="Times New Roman"/>
-              </a:rPr>
-              <a:t>2013-09-05</a:t>
-            </a:r>
-          </a:p>
-        </p:txBody>
-      </p:sp>
-      <p:sp>
-        <p:nvSpPr>
-          <p:cNvPr id="251" name="Shape 251"/>
-          <p:cNvSpPr txBox="1">
-            <a:spLocks noGrp="1"/>
-          </p:cNvSpPr>
-          <p:nvPr>
-            <p:ph type="sldNum" idx="12"/>
-          </p:nvPr>
-        </p:nvSpPr>
-        <p:spPr>
-          <a:xfrm>
-            <a:off x="3886200" y="8686800"/>
-            <a:ext cx="2971799" cy="457200"/>
-          </a:xfrm>
-          <a:prstGeom prst="rect">
-            <a:avLst/>
-          </a:prstGeom>
-          <a:noFill/>
-          <a:ln>
-            <a:noFill/>
-          </a:ln>
-        </p:spPr>
-        <p:txBody>
-          <a:bodyPr lIns="91425" tIns="45700" rIns="91425" bIns="45700" anchor="b" anchorCtr="0">
-            <a:noAutofit/>
-          </a:bodyPr>
-          <a:lstStyle/>
-          <a:p>
-            <a:pPr marL="0" marR="0" lvl="0" indent="0" algn="r" rtl="0">
-              <a:spcBef>
-                <a:spcPts val="0"/>
-              </a:spcBef>
-              <a:spcAft>
-                <a:spcPts val="0"/>
-              </a:spcAft>
-              <a:buSzPct val="25000"/>
-              <a:buNone/>
-            </a:pPr>
-            <a:fld id="{00000000-1234-1234-1234-123412341234}" type="slidenum">
-              <a:rPr lang="en-US" sz="1200">
-                <a:solidFill>
-                  <a:schemeClr val="dk1"/>
-                </a:solidFill>
-                <a:latin typeface="Times New Roman"/>
-                <a:ea typeface="Times New Roman"/>
-                <a:cs typeface="Times New Roman"/>
-                <a:sym typeface="Times New Roman"/>
-              </a:rPr>
-              <a:t>7</a:t>
-            </a:fld>
-            <a:endParaRPr lang="en-US" sz="1200">
-              <a:solidFill>
-                <a:schemeClr val="dk1"/>
-              </a:solidFill>
-              <a:latin typeface="Times New Roman"/>
-              <a:ea typeface="Times New Roman"/>
-              <a:cs typeface="Times New Roman"/>
-              <a:sym typeface="Times New Roman"/>
-            </a:endParaRPr>
-          </a:p>
-        </p:txBody>
-      </p:sp>
-      <p:sp>
-        <p:nvSpPr>
-          <p:cNvPr id="252" name="Shape 252"/>
-          <p:cNvSpPr>
-            <a:spLocks noGrp="1" noRot="1" noChangeAspect="1"/>
-          </p:cNvSpPr>
-          <p:nvPr>
-            <p:ph type="sldImg" idx="2"/>
-          </p:nvPr>
-        </p:nvSpPr>
-        <p:spPr>
-          <a:xfrm>
-            <a:off x="381000" y="685800"/>
-            <a:ext cx="6096000" cy="3429000"/>
-          </a:xfrm>
-          <a:custGeom>
-            <a:avLst/>
-            <a:gdLst/>
-            <a:ahLst/>
-            <a:cxnLst/>
-            <a:rect l="0" t="0" r="0" b="0"/>
-            <a:pathLst>
-              <a:path w="120000" h="120000" extrusionOk="0">
-                <a:moveTo>
-                  <a:pt x="0" y="0"/>
-                </a:moveTo>
-                <a:lnTo>
-                  <a:pt x="120000" y="0"/>
-                </a:lnTo>
-                <a:lnTo>
-                  <a:pt x="120000" y="120000"/>
-                </a:lnTo>
-                <a:lnTo>
-                  <a:pt x="0" y="120000"/>
-                </a:lnTo>
-                <a:close/>
-              </a:path>
-            </a:pathLst>
-          </a:custGeom>
-          <a:noFill/>
-          <a:ln>
-            <a:noFill/>
-          </a:ln>
-        </p:spPr>
-      </p:sp>
-      <p:sp>
-        <p:nvSpPr>
-          <p:cNvPr id="253" name="Shape 253"/>
-          <p:cNvSpPr txBox="1">
-            <a:spLocks noGrp="1"/>
-          </p:cNvSpPr>
-          <p:nvPr>
-            <p:ph type="body" idx="1"/>
-          </p:nvPr>
-        </p:nvSpPr>
-        <p:spPr>
-          <a:xfrm>
-            <a:off x="914400" y="4343400"/>
-            <a:ext cx="5029199" cy="4114800"/>
-          </a:xfrm>
-          <a:prstGeom prst="rect">
-            <a:avLst/>
-          </a:prstGeom>
-          <a:noFill/>
-          <a:ln>
-            <a:noFill/>
-          </a:ln>
-        </p:spPr>
-        <p:txBody>
-          <a:bodyPr lIns="91425" tIns="45700" rIns="91425" bIns="45700" anchor="t" anchorCtr="0">
-            <a:noAutofit/>
-          </a:bodyPr>
-          <a:lstStyle/>
-          <a:p>
-            <a:pPr marL="0" marR="0" lvl="0" indent="0" algn="l" rtl="0">
-              <a:spcBef>
-                <a:spcPts val="0"/>
-              </a:spcBef>
-              <a:spcAft>
-                <a:spcPts val="0"/>
-              </a:spcAft>
-              <a:buSzPct val="25000"/>
-              <a:buNone/>
-            </a:pPr>
-            <a:endParaRPr sz="1200" b="0" i="0" u="none" strike="noStrike" cap="none">
-              <a:solidFill>
-                <a:schemeClr val="dk1"/>
-              </a:solidFill>
-              <a:latin typeface="Times New Roman"/>
-              <a:ea typeface="Times New Roman"/>
-              <a:cs typeface="Times New Roman"/>
-              <a:sym typeface="Times New Roman"/>
-            </a:endParaRPr>
-          </a:p>
-        </p:txBody>
-      </p:sp>
-    </p:spTree>
-  </p:cSld>
-  <p:clrMapOvr>
-    <a:masterClrMapping/>
-  </p:clrMapOvr>
-</p:notes>
-</file>
-
-<file path=ppt/notesSlides/notesSlide7.xml><?xml version="1.0" encoding="utf-8"?>
 <p:notes xmlns:a="http://schemas.openxmlformats.org/drawingml/2006/main" xmlns:r="http://schemas.openxmlformats.org/officeDocument/2006/relationships" xmlns:p="http://schemas.openxmlformats.org/presentationml/2006/main" showMasterSp="0" showMasterPhAnim="0">
   <p:cSld>
     <p:spTree>
@@ -2657,7 +2151,7 @@
                 <a:cs typeface="Times New Roman"/>
                 <a:sym typeface="Times New Roman"/>
               </a:rPr>
-              <a:t>8</a:t>
+              <a:t>5</a:t>
             </a:fld>
             <a:endParaRPr lang="en-US" sz="1200">
               <a:solidFill>
@@ -2922,7 +2416,7 @@
           <a:p>
             <a:fld id="{1B6DC762-1116-2146-A47C-D79A5A5DBAFD}" type="datetime1">
               <a:rPr lang="en-CA" smtClean="0"/>
-              <a:t>2020-09-07</a:t>
+              <a:t>2020-09-08</a:t>
             </a:fld>
             <a:endParaRPr lang="en-US"/>
           </a:p>
@@ -3120,7 +2614,7 @@
           <a:p>
             <a:fld id="{725FEDD1-5A1B-2342-BAF0-F7C5511A73CE}" type="datetime1">
               <a:rPr lang="en-CA" smtClean="0"/>
-              <a:t>2020-09-07</a:t>
+              <a:t>2020-09-08</a:t>
             </a:fld>
             <a:endParaRPr lang="en-US"/>
           </a:p>
@@ -3328,7 +2822,7 @@
           <a:p>
             <a:fld id="{F09E59AE-0AE1-4048-8BD6-D39FC0EBB194}" type="datetime1">
               <a:rPr lang="en-CA" smtClean="0"/>
-              <a:t>2020-09-07</a:t>
+              <a:t>2020-09-08</a:t>
             </a:fld>
             <a:endParaRPr lang="en-US"/>
           </a:p>
@@ -3678,7 +3172,7 @@
           <a:p>
             <a:fld id="{A2849525-9B7D-5945-A782-775278635E42}" type="datetime1">
               <a:rPr lang="en-CA" smtClean="0"/>
-              <a:t>2020-09-07</a:t>
+              <a:t>2020-09-08</a:t>
             </a:fld>
             <a:endParaRPr lang="en-US"/>
           </a:p>
@@ -3953,7 +3447,7 @@
           <a:p>
             <a:fld id="{D05E1499-BDD1-6940-8C79-13A8B8E63D57}" type="datetime1">
               <a:rPr lang="en-CA" smtClean="0"/>
-              <a:t>2020-09-07</a:t>
+              <a:t>2020-09-08</a:t>
             </a:fld>
             <a:endParaRPr lang="en-US"/>
           </a:p>
@@ -4218,7 +3712,7 @@
           <a:p>
             <a:fld id="{17E70EF3-18A7-4644-8DA2-1EB9CA66C736}" type="datetime1">
               <a:rPr lang="en-CA" smtClean="0"/>
-              <a:t>2020-09-07</a:t>
+              <a:t>2020-09-08</a:t>
             </a:fld>
             <a:endParaRPr lang="en-US"/>
           </a:p>
@@ -4630,7 +4124,7 @@
           <a:p>
             <a:fld id="{54538FC1-2481-FB4A-91E5-87F3422DE2D5}" type="datetime1">
               <a:rPr lang="en-CA" smtClean="0"/>
-              <a:t>2020-09-07</a:t>
+              <a:t>2020-09-08</a:t>
             </a:fld>
             <a:endParaRPr lang="en-US"/>
           </a:p>
@@ -4771,7 +4265,7 @@
           <a:p>
             <a:fld id="{93D5C515-1622-C840-89B2-A4A55D34866A}" type="datetime1">
               <a:rPr lang="en-CA" smtClean="0"/>
-              <a:t>2020-09-07</a:t>
+              <a:t>2020-09-08</a:t>
             </a:fld>
             <a:endParaRPr lang="en-US"/>
           </a:p>
@@ -4884,7 +4378,7 @@
           <a:p>
             <a:fld id="{B9077E75-6C88-BB47-AC6F-0DCA859E7113}" type="datetime1">
               <a:rPr lang="en-CA" smtClean="0"/>
-              <a:t>2020-09-07</a:t>
+              <a:t>2020-09-08</a:t>
             </a:fld>
             <a:endParaRPr lang="en-US"/>
           </a:p>
@@ -5195,7 +4689,7 @@
           <a:p>
             <a:fld id="{1AD12F8B-7E05-A047-BAC3-EE71BEBBE5BE}" type="datetime1">
               <a:rPr lang="en-CA" smtClean="0"/>
-              <a:t>2020-09-07</a:t>
+              <a:t>2020-09-08</a:t>
             </a:fld>
             <a:endParaRPr lang="en-US"/>
           </a:p>
@@ -5483,7 +4977,7 @@
           <a:p>
             <a:fld id="{C1D9F72A-E93E-B546-8268-6408A6E1DA62}" type="datetime1">
               <a:rPr lang="en-CA" smtClean="0"/>
-              <a:t>2020-09-07</a:t>
+              <a:t>2020-09-08</a:t>
             </a:fld>
             <a:endParaRPr lang="en-US"/>
           </a:p>
@@ -5724,7 +5218,7 @@
           <a:p>
             <a:fld id="{97DF4AC7-DB73-7444-A2A7-FD79FE1A2B2B}" type="datetime1">
               <a:rPr lang="en-CA" smtClean="0"/>
-              <a:t>2020-09-07</a:t>
+              <a:t>2020-09-08</a:t>
             </a:fld>
             <a:endParaRPr lang="en-US"/>
           </a:p>
@@ -6350,205 +5844,6 @@
 </p:sld>
 </file>
 
-<file path=ppt/slides/slide10.xml><?xml version="1.0" encoding="utf-8"?>
-<p:sld xmlns:a="http://schemas.openxmlformats.org/drawingml/2006/main" xmlns:r="http://schemas.openxmlformats.org/officeDocument/2006/relationships" xmlns:p="http://schemas.openxmlformats.org/presentationml/2006/main">
-  <p:cSld>
-    <p:spTree>
-      <p:nvGrpSpPr>
-        <p:cNvPr id="1" name=""/>
-        <p:cNvGrpSpPr/>
-        <p:nvPr/>
-      </p:nvGrpSpPr>
-      <p:grpSpPr>
-        <a:xfrm>
-          <a:off x="0" y="0"/>
-          <a:ext cx="0" cy="0"/>
-          <a:chOff x="0" y="0"/>
-          <a:chExt cx="0" cy="0"/>
-        </a:xfrm>
-      </p:grpSpPr>
-      <p:sp>
-        <p:nvSpPr>
-          <p:cNvPr id="2" name="Title 1">
-            <a:extLst>
-              <a:ext uri="{FF2B5EF4-FFF2-40B4-BE49-F238E27FC236}">
-                <a16:creationId xmlns:a16="http://schemas.microsoft.com/office/drawing/2014/main" id="{0552B99F-BCA7-8146-A5AB-B710461C7FA3}"/>
-              </a:ext>
-            </a:extLst>
-          </p:cNvPr>
-          <p:cNvSpPr>
-            <a:spLocks noGrp="1"/>
-          </p:cNvSpPr>
-          <p:nvPr>
-            <p:ph type="title"/>
-          </p:nvPr>
-        </p:nvSpPr>
-        <p:spPr/>
-        <p:txBody>
-          <a:bodyPr/>
-          <a:lstStyle/>
-          <a:p>
-            <a:r>
-              <a:rPr lang="en-US" dirty="0"/>
-              <a:t>Modern challenges</a:t>
-            </a:r>
-          </a:p>
-        </p:txBody>
-      </p:sp>
-      <p:sp>
-        <p:nvSpPr>
-          <p:cNvPr id="3" name="Content Placeholder 2">
-            <a:extLst>
-              <a:ext uri="{FF2B5EF4-FFF2-40B4-BE49-F238E27FC236}">
-                <a16:creationId xmlns:a16="http://schemas.microsoft.com/office/drawing/2014/main" id="{0D8E8CA7-A4C1-DB4E-BED7-F48B04FFB218}"/>
-              </a:ext>
-            </a:extLst>
-          </p:cNvPr>
-          <p:cNvSpPr>
-            <a:spLocks noGrp="1"/>
-          </p:cNvSpPr>
-          <p:nvPr>
-            <p:ph idx="1"/>
-          </p:nvPr>
-        </p:nvSpPr>
-        <p:spPr/>
-        <p:txBody>
-          <a:bodyPr>
-            <a:normAutofit/>
-          </a:bodyPr>
-          <a:lstStyle/>
-          <a:p>
-            <a:pPr indent="-257175">
-              <a:spcBef>
-                <a:spcPts val="0"/>
-              </a:spcBef>
-            </a:pPr>
-            <a:r>
-              <a:rPr lang="en-US" dirty="0"/>
-              <a:t>Instruction Parallelism</a:t>
-            </a:r>
-          </a:p>
-          <a:p>
-            <a:pPr lvl="1" indent="-214313">
-              <a:spcBef>
-                <a:spcPts val="360"/>
-              </a:spcBef>
-            </a:pPr>
-            <a:r>
-              <a:rPr lang="en-US" dirty="0"/>
-              <a:t>Out of order execution; branch prediction</a:t>
-            </a:r>
-          </a:p>
-          <a:p>
-            <a:pPr indent="-257175">
-              <a:spcBef>
-                <a:spcPts val="420"/>
-              </a:spcBef>
-            </a:pPr>
-            <a:r>
-              <a:rPr lang="en-US" dirty="0"/>
-              <a:t>Parallel algorithms:</a:t>
-            </a:r>
-          </a:p>
-          <a:p>
-            <a:pPr lvl="1" indent="-214313">
-              <a:spcBef>
-                <a:spcPts val="360"/>
-              </a:spcBef>
-            </a:pPr>
-            <a:r>
-              <a:rPr lang="en-US" dirty="0"/>
-              <a:t>Grid computing, multi-core computers</a:t>
-            </a:r>
-          </a:p>
-          <a:p>
-            <a:pPr indent="-257175">
-              <a:spcBef>
-                <a:spcPts val="420"/>
-              </a:spcBef>
-            </a:pPr>
-            <a:r>
-              <a:rPr lang="en-US" dirty="0"/>
-              <a:t>Memory hierarchy: register, cache, memory</a:t>
-            </a:r>
-          </a:p>
-          <a:p>
-            <a:pPr indent="-257175">
-              <a:spcBef>
-                <a:spcPts val="420"/>
-              </a:spcBef>
-            </a:pPr>
-            <a:r>
-              <a:rPr lang="en-US" dirty="0"/>
-              <a:t>Binary translation, e.g. x86 to VLIW</a:t>
-            </a:r>
-          </a:p>
-          <a:p>
-            <a:pPr indent="-257175">
-              <a:spcBef>
-                <a:spcPts val="420"/>
-              </a:spcBef>
-            </a:pPr>
-            <a:r>
-              <a:rPr lang="en-US" dirty="0"/>
-              <a:t>New computer architectures: GPUs, quantum</a:t>
-            </a:r>
-          </a:p>
-          <a:p>
-            <a:pPr indent="-257175">
-              <a:spcBef>
-                <a:spcPts val="420"/>
-              </a:spcBef>
-            </a:pPr>
-            <a:r>
-              <a:rPr lang="en-US" dirty="0"/>
-              <a:t>Hardware synthesis / Compiled simulations</a:t>
-            </a:r>
-          </a:p>
-        </p:txBody>
-      </p:sp>
-      <p:sp>
-        <p:nvSpPr>
-          <p:cNvPr id="4" name="Slide Number Placeholder 3">
-            <a:extLst>
-              <a:ext uri="{FF2B5EF4-FFF2-40B4-BE49-F238E27FC236}">
-                <a16:creationId xmlns:a16="http://schemas.microsoft.com/office/drawing/2014/main" id="{1906B34D-D33C-A340-A762-D6A851AF9689}"/>
-              </a:ext>
-            </a:extLst>
-          </p:cNvPr>
-          <p:cNvSpPr>
-            <a:spLocks noGrp="1"/>
-          </p:cNvSpPr>
-          <p:nvPr>
-            <p:ph type="sldNum" sz="quarter" idx="12"/>
-          </p:nvPr>
-        </p:nvSpPr>
-        <p:spPr/>
-        <p:txBody>
-          <a:bodyPr/>
-          <a:lstStyle/>
-          <a:p>
-            <a:fld id="{7B252BF6-6A9C-D04A-BBE8-37A07D64A1C3}" type="slidenum">
-              <a:rPr lang="en-US" smtClean="0"/>
-              <a:t>10</a:t>
-            </a:fld>
-            <a:endParaRPr lang="en-US"/>
-          </a:p>
-        </p:txBody>
-      </p:sp>
-    </p:spTree>
-    <p:extLst>
-      <p:ext uri="{BB962C8B-B14F-4D97-AF65-F5344CB8AC3E}">
-        <p14:creationId xmlns:p14="http://schemas.microsoft.com/office/powerpoint/2010/main" val="1437125688"/>
-      </p:ext>
-    </p:extLst>
-  </p:cSld>
-  <p:clrMapOvr>
-    <a:masterClrMapping/>
-  </p:clrMapOvr>
-</p:sld>
-</file>
-
 <file path=ppt/slides/slide2.xml><?xml version="1.0" encoding="utf-8"?>
 <p:sld xmlns:a="http://schemas.openxmlformats.org/drawingml/2006/main" xmlns:r="http://schemas.openxmlformats.org/officeDocument/2006/relationships" xmlns:p="http://schemas.openxmlformats.org/presentationml/2006/main">
   <p:cSld>
@@ -6612,223 +5907,20 @@
           </a:p>
         </p:txBody>
       </p:sp>
-      <p:sp>
-        <p:nvSpPr>
-          <p:cNvPr id="174" name="Shape 174"/>
-          <p:cNvSpPr txBox="1"/>
-          <p:nvPr/>
-        </p:nvSpPr>
-        <p:spPr>
-          <a:xfrm>
-            <a:off x="3824929" y="1594330"/>
-            <a:ext cx="1028699" cy="350044"/>
-          </a:xfrm>
-          <a:prstGeom prst="rect">
-            <a:avLst/>
-          </a:prstGeom>
-          <a:solidFill>
-            <a:srgbClr val="00B0F0"/>
-          </a:solidFill>
-          <a:ln w="9525" cap="flat" cmpd="sng">
-            <a:solidFill>
-              <a:schemeClr val="dk1"/>
-            </a:solidFill>
-            <a:prstDash val="solid"/>
-            <a:miter/>
-            <a:headEnd type="none" w="med" len="med"/>
-            <a:tailEnd type="none" w="med" len="med"/>
-          </a:ln>
-        </p:spPr>
-        <p:txBody>
-          <a:bodyPr lIns="68569" tIns="34275" rIns="68569" bIns="34275" anchor="t" anchorCtr="0">
-            <a:noAutofit/>
-          </a:bodyPr>
-          <a:lstStyle/>
-          <a:p>
-            <a:pPr algn="ctr">
-              <a:buSzPct val="25000"/>
-            </a:pPr>
-            <a:r>
-              <a:rPr lang="en-US" sz="1800">
-                <a:solidFill>
-                  <a:schemeClr val="dk1"/>
-                </a:solidFill>
-                <a:latin typeface="Calibri"/>
-                <a:ea typeface="Calibri"/>
-                <a:cs typeface="Calibri"/>
-                <a:sym typeface="Calibri"/>
-              </a:rPr>
-              <a:t>Compiler</a:t>
-            </a:r>
-          </a:p>
-        </p:txBody>
-      </p:sp>
-      <p:sp>
-        <p:nvSpPr>
-          <p:cNvPr id="175" name="Shape 175"/>
-          <p:cNvSpPr txBox="1"/>
-          <p:nvPr/>
-        </p:nvSpPr>
-        <p:spPr>
-          <a:xfrm>
-            <a:off x="3824929" y="676357"/>
-            <a:ext cx="1028699" cy="350044"/>
-          </a:xfrm>
-          <a:prstGeom prst="rect">
-            <a:avLst/>
-          </a:prstGeom>
-          <a:solidFill>
-            <a:srgbClr val="00B0F0"/>
-          </a:solidFill>
-          <a:ln w="9525" cap="flat" cmpd="sng">
-            <a:solidFill>
-              <a:schemeClr val="dk1"/>
-            </a:solidFill>
-            <a:prstDash val="solid"/>
-            <a:miter/>
-            <a:headEnd type="none" w="med" len="med"/>
-            <a:tailEnd type="none" w="med" len="med"/>
-          </a:ln>
-        </p:spPr>
-        <p:txBody>
-          <a:bodyPr lIns="68569" tIns="34275" rIns="68569" bIns="34275" anchor="t" anchorCtr="0">
-            <a:noAutofit/>
-          </a:bodyPr>
-          <a:lstStyle/>
-          <a:p>
-            <a:pPr algn="ctr">
-              <a:buSzPct val="25000"/>
-            </a:pPr>
-            <a:r>
-              <a:rPr lang="en-US" sz="1800">
-                <a:solidFill>
-                  <a:schemeClr val="dk1"/>
-                </a:solidFill>
-                <a:latin typeface="Calibri"/>
-                <a:ea typeface="Calibri"/>
-                <a:cs typeface="Calibri"/>
-                <a:sym typeface="Calibri"/>
-              </a:rPr>
-              <a:t>Program</a:t>
-            </a:r>
-          </a:p>
-        </p:txBody>
-      </p:sp>
-      <p:sp>
-        <p:nvSpPr>
-          <p:cNvPr id="176" name="Shape 176"/>
-          <p:cNvSpPr txBox="1"/>
-          <p:nvPr/>
-        </p:nvSpPr>
-        <p:spPr>
-          <a:xfrm>
-            <a:off x="3824929" y="2512301"/>
-            <a:ext cx="1028699" cy="623888"/>
-          </a:xfrm>
-          <a:prstGeom prst="rect">
-            <a:avLst/>
-          </a:prstGeom>
-          <a:solidFill>
-            <a:srgbClr val="00B0F0"/>
-          </a:solidFill>
-          <a:ln w="9525" cap="flat" cmpd="sng">
-            <a:solidFill>
-              <a:schemeClr val="dk1"/>
-            </a:solidFill>
-            <a:prstDash val="solid"/>
-            <a:miter/>
-            <a:headEnd type="none" w="med" len="med"/>
-            <a:tailEnd type="none" w="med" len="med"/>
-          </a:ln>
-        </p:spPr>
-        <p:txBody>
-          <a:bodyPr lIns="68569" tIns="34275" rIns="68569" bIns="34275" anchor="t" anchorCtr="0">
-            <a:noAutofit/>
-          </a:bodyPr>
-          <a:lstStyle/>
-          <a:p>
-            <a:pPr algn="ctr">
-              <a:buSzPct val="25000"/>
-            </a:pPr>
-            <a:r>
-              <a:rPr lang="en-US" sz="1800">
-                <a:solidFill>
-                  <a:schemeClr val="dk1"/>
-                </a:solidFill>
-                <a:latin typeface="Calibri"/>
-                <a:ea typeface="Calibri"/>
-                <a:cs typeface="Calibri"/>
-                <a:sym typeface="Calibri"/>
-              </a:rPr>
-              <a:t>Machine Code</a:t>
-            </a:r>
-          </a:p>
-        </p:txBody>
-      </p:sp>
-      <p:sp>
-        <p:nvSpPr>
-          <p:cNvPr id="177" name="Shape 177"/>
-          <p:cNvSpPr txBox="1"/>
-          <p:nvPr/>
-        </p:nvSpPr>
-        <p:spPr>
-          <a:xfrm>
-            <a:off x="3824929" y="3705307"/>
-            <a:ext cx="1028699" cy="350044"/>
-          </a:xfrm>
-          <a:prstGeom prst="rect">
-            <a:avLst/>
-          </a:prstGeom>
-          <a:solidFill>
-            <a:srgbClr val="00B0F0"/>
-          </a:solidFill>
-          <a:ln w="9525" cap="flat" cmpd="sng">
-            <a:solidFill>
-              <a:schemeClr val="dk1"/>
-            </a:solidFill>
-            <a:prstDash val="solid"/>
-            <a:miter/>
-            <a:headEnd type="none" w="med" len="med"/>
-            <a:tailEnd type="none" w="med" len="med"/>
-          </a:ln>
-        </p:spPr>
-        <p:txBody>
-          <a:bodyPr lIns="68569" tIns="34275" rIns="68569" bIns="34275" anchor="t" anchorCtr="0">
-            <a:noAutofit/>
-          </a:bodyPr>
-          <a:lstStyle/>
-          <a:p>
-            <a:pPr algn="ctr">
-              <a:buSzPct val="25000"/>
-            </a:pPr>
-            <a:r>
-              <a:rPr lang="en-US" sz="1800">
-                <a:solidFill>
-                  <a:schemeClr val="dk1"/>
-                </a:solidFill>
-                <a:latin typeface="Calibri"/>
-                <a:ea typeface="Calibri"/>
-                <a:cs typeface="Calibri"/>
-                <a:sym typeface="Calibri"/>
-              </a:rPr>
-              <a:t>Runtime</a:t>
-            </a:r>
-          </a:p>
-        </p:txBody>
-      </p:sp>
       <p:cxnSp>
         <p:nvCxnSpPr>
-          <p:cNvPr id="178" name="Shape 178"/>
+          <p:cNvPr id="183" name="Shape 183"/>
           <p:cNvCxnSpPr>
-            <a:stCxn id="175" idx="2"/>
-            <a:endCxn id="174" idx="0"/>
+            <a:cxnSpLocks/>
+            <a:stCxn id="181" idx="2"/>
+            <a:endCxn id="177" idx="0"/>
           </p:cNvCxnSpPr>
           <p:nvPr/>
         </p:nvCxnSpPr>
         <p:spPr>
           <a:xfrm>
-            <a:off x="4339278" y="1026401"/>
-            <a:ext cx="0" cy="567900"/>
+            <a:off x="8069233" y="1158510"/>
+            <a:ext cx="0" cy="370304"/>
           </a:xfrm>
           <a:prstGeom prst="straightConnector1">
             <a:avLst/>
@@ -6845,19 +5937,1322 @@
           </a:ln>
         </p:spPr>
       </p:cxnSp>
+      <p:grpSp>
+        <p:nvGrpSpPr>
+          <p:cNvPr id="58" name="Group 57">
+            <a:extLst>
+              <a:ext uri="{FF2B5EF4-FFF2-40B4-BE49-F238E27FC236}">
+                <a16:creationId xmlns:a16="http://schemas.microsoft.com/office/drawing/2014/main" id="{BAAD15DD-4CDB-9A48-BC11-A5DE184C90B3}"/>
+              </a:ext>
+            </a:extLst>
+          </p:cNvPr>
+          <p:cNvGrpSpPr/>
+          <p:nvPr/>
+        </p:nvGrpSpPr>
+        <p:grpSpPr>
+          <a:xfrm>
+            <a:off x="410330" y="815610"/>
+            <a:ext cx="8173252" cy="1776452"/>
+            <a:chOff x="410330" y="815610"/>
+            <a:chExt cx="8173252" cy="1776452"/>
+          </a:xfrm>
+        </p:grpSpPr>
+        <p:sp>
+          <p:nvSpPr>
+            <p:cNvPr id="174" name="Shape 174"/>
+            <p:cNvSpPr txBox="1"/>
+            <p:nvPr/>
+          </p:nvSpPr>
+          <p:spPr>
+            <a:xfrm>
+              <a:off x="1733309" y="1528814"/>
+              <a:ext cx="1028699" cy="350044"/>
+            </a:xfrm>
+            <a:prstGeom prst="rect">
+              <a:avLst/>
+            </a:prstGeom>
+            <a:solidFill>
+              <a:srgbClr val="00B0F0"/>
+            </a:solidFill>
+            <a:ln w="9525" cap="flat" cmpd="sng">
+              <a:solidFill>
+                <a:schemeClr val="dk1"/>
+              </a:solidFill>
+              <a:prstDash val="solid"/>
+              <a:miter/>
+              <a:headEnd type="none" w="med" len="med"/>
+              <a:tailEnd type="none" w="med" len="med"/>
+            </a:ln>
+          </p:spPr>
+          <p:txBody>
+            <a:bodyPr lIns="68569" tIns="34275" rIns="68569" bIns="34275" anchor="t" anchorCtr="0">
+              <a:noAutofit/>
+            </a:bodyPr>
+            <a:lstStyle/>
+            <a:p>
+              <a:pPr algn="ctr">
+                <a:buSzPct val="25000"/>
+              </a:pPr>
+              <a:r>
+                <a:rPr lang="en-US" sz="1800">
+                  <a:solidFill>
+                    <a:schemeClr val="dk1"/>
+                  </a:solidFill>
+                  <a:latin typeface="Calibri"/>
+                  <a:ea typeface="Calibri"/>
+                  <a:cs typeface="Calibri"/>
+                  <a:sym typeface="Calibri"/>
+                </a:rPr>
+                <a:t>Compiler</a:t>
+              </a:r>
+            </a:p>
+          </p:txBody>
+        </p:sp>
+        <p:sp>
+          <p:nvSpPr>
+            <p:cNvPr id="177" name="Shape 177"/>
+            <p:cNvSpPr txBox="1"/>
+            <p:nvPr/>
+          </p:nvSpPr>
+          <p:spPr>
+            <a:xfrm>
+              <a:off x="7554883" y="1528814"/>
+              <a:ext cx="1028699" cy="350044"/>
+            </a:xfrm>
+            <a:prstGeom prst="rect">
+              <a:avLst/>
+            </a:prstGeom>
+            <a:solidFill>
+              <a:srgbClr val="00B0F0"/>
+            </a:solidFill>
+            <a:ln w="9525" cap="flat" cmpd="sng">
+              <a:solidFill>
+                <a:schemeClr val="dk1"/>
+              </a:solidFill>
+              <a:prstDash val="solid"/>
+              <a:miter/>
+              <a:headEnd type="none" w="med" len="med"/>
+              <a:tailEnd type="none" w="med" len="med"/>
+            </a:ln>
+          </p:spPr>
+          <p:txBody>
+            <a:bodyPr lIns="68569" tIns="34275" rIns="68569" bIns="34275" anchor="t" anchorCtr="0">
+              <a:noAutofit/>
+            </a:bodyPr>
+            <a:lstStyle/>
+            <a:p>
+              <a:pPr algn="ctr">
+                <a:buSzPct val="25000"/>
+              </a:pPr>
+              <a:r>
+                <a:rPr lang="en-US" sz="1800" dirty="0">
+                  <a:solidFill>
+                    <a:schemeClr val="dk1"/>
+                  </a:solidFill>
+                  <a:latin typeface="Calibri"/>
+                  <a:ea typeface="Calibri"/>
+                  <a:cs typeface="Calibri"/>
+                  <a:sym typeface="Calibri"/>
+                </a:rPr>
+                <a:t>Runtime</a:t>
+              </a:r>
+            </a:p>
+          </p:txBody>
+        </p:sp>
+        <p:cxnSp>
+          <p:nvCxnSpPr>
+            <p:cNvPr id="178" name="Shape 178"/>
+            <p:cNvCxnSpPr>
+              <a:cxnSpLocks/>
+              <a:stCxn id="2" idx="3"/>
+              <a:endCxn id="174" idx="1"/>
+            </p:cNvCxnSpPr>
+            <p:nvPr/>
+          </p:nvCxnSpPr>
+          <p:spPr>
+            <a:xfrm>
+              <a:off x="1324730" y="1703836"/>
+              <a:ext cx="408579" cy="0"/>
+            </a:xfrm>
+            <a:prstGeom prst="straightConnector1">
+              <a:avLst/>
+            </a:prstGeom>
+            <a:noFill/>
+            <a:ln w="9525" cap="flat" cmpd="sng">
+              <a:solidFill>
+                <a:schemeClr val="dk1"/>
+              </a:solidFill>
+              <a:prstDash val="solid"/>
+              <a:round/>
+              <a:headEnd type="none" w="med" len="med"/>
+              <a:tailEnd type="triangle" w="lg" len="lg"/>
+            </a:ln>
+          </p:spPr>
+        </p:cxnSp>
+        <p:cxnSp>
+          <p:nvCxnSpPr>
+            <p:cNvPr id="179" name="Shape 179"/>
+            <p:cNvCxnSpPr>
+              <a:cxnSpLocks/>
+              <a:stCxn id="174" idx="3"/>
+              <a:endCxn id="16" idx="1"/>
+            </p:cNvCxnSpPr>
+            <p:nvPr/>
+          </p:nvCxnSpPr>
+          <p:spPr>
+            <a:xfrm>
+              <a:off x="2762008" y="1703836"/>
+              <a:ext cx="426944" cy="0"/>
+            </a:xfrm>
+            <a:prstGeom prst="straightConnector1">
+              <a:avLst/>
+            </a:prstGeom>
+            <a:noFill/>
+            <a:ln w="9525" cap="flat" cmpd="sng">
+              <a:solidFill>
+                <a:schemeClr val="dk1"/>
+              </a:solidFill>
+              <a:prstDash val="solid"/>
+              <a:round/>
+              <a:headEnd type="none" w="med" len="med"/>
+              <a:tailEnd type="triangle" w="lg" len="lg"/>
+            </a:ln>
+          </p:spPr>
+        </p:cxnSp>
+        <p:sp>
+          <p:nvSpPr>
+            <p:cNvPr id="181" name="Shape 181"/>
+            <p:cNvSpPr txBox="1"/>
+            <p:nvPr/>
+          </p:nvSpPr>
+          <p:spPr>
+            <a:xfrm>
+              <a:off x="7732858" y="815610"/>
+              <a:ext cx="672750" cy="342900"/>
+            </a:xfrm>
+            <a:prstGeom prst="rect">
+              <a:avLst/>
+            </a:prstGeom>
+            <a:solidFill>
+              <a:schemeClr val="accent4">
+                <a:lumMod val="60000"/>
+                <a:lumOff val="40000"/>
+              </a:schemeClr>
+            </a:solidFill>
+            <a:ln>
+              <a:noFill/>
+            </a:ln>
+          </p:spPr>
+          <p:txBody>
+            <a:bodyPr lIns="68569" tIns="34275" rIns="68569" bIns="34275" anchor="t" anchorCtr="0">
+              <a:noAutofit/>
+            </a:bodyPr>
+            <a:lstStyle/>
+            <a:p>
+              <a:pPr>
+                <a:buSzPct val="25000"/>
+              </a:pPr>
+              <a:r>
+                <a:rPr lang="en-US" sz="1800" dirty="0">
+                  <a:solidFill>
+                    <a:schemeClr val="dk1"/>
+                  </a:solidFill>
+                  <a:latin typeface="Calibri"/>
+                  <a:ea typeface="Calibri"/>
+                  <a:cs typeface="Calibri"/>
+                  <a:sym typeface="Calibri"/>
+                </a:rPr>
+                <a:t>Input</a:t>
+              </a:r>
+            </a:p>
+          </p:txBody>
+        </p:sp>
+        <p:sp>
+          <p:nvSpPr>
+            <p:cNvPr id="182" name="Shape 182"/>
+            <p:cNvSpPr txBox="1"/>
+            <p:nvPr/>
+          </p:nvSpPr>
+          <p:spPr>
+            <a:xfrm>
+              <a:off x="7633969" y="2249162"/>
+              <a:ext cx="870525" cy="342900"/>
+            </a:xfrm>
+            <a:prstGeom prst="rect">
+              <a:avLst/>
+            </a:prstGeom>
+            <a:solidFill>
+              <a:schemeClr val="accent4">
+                <a:lumMod val="60000"/>
+                <a:lumOff val="40000"/>
+              </a:schemeClr>
+            </a:solidFill>
+            <a:ln>
+              <a:noFill/>
+            </a:ln>
+          </p:spPr>
+          <p:txBody>
+            <a:bodyPr lIns="68569" tIns="34275" rIns="68569" bIns="34275" anchor="t" anchorCtr="0">
+              <a:noAutofit/>
+            </a:bodyPr>
+            <a:lstStyle/>
+            <a:p>
+              <a:pPr>
+                <a:buSzPct val="25000"/>
+              </a:pPr>
+              <a:r>
+                <a:rPr lang="en-US" sz="1800" dirty="0">
+                  <a:solidFill>
+                    <a:schemeClr val="dk1"/>
+                  </a:solidFill>
+                  <a:latin typeface="Calibri"/>
+                  <a:ea typeface="Calibri"/>
+                  <a:cs typeface="Calibri"/>
+                  <a:sym typeface="Calibri"/>
+                </a:rPr>
+                <a:t>Output</a:t>
+              </a:r>
+            </a:p>
+          </p:txBody>
+        </p:sp>
+        <p:cxnSp>
+          <p:nvCxnSpPr>
+            <p:cNvPr id="184" name="Shape 184"/>
+            <p:cNvCxnSpPr>
+              <a:cxnSpLocks/>
+              <a:stCxn id="177" idx="2"/>
+              <a:endCxn id="182" idx="0"/>
+            </p:cNvCxnSpPr>
+            <p:nvPr/>
+          </p:nvCxnSpPr>
+          <p:spPr>
+            <a:xfrm flipH="1">
+              <a:off x="8069232" y="1878858"/>
+              <a:ext cx="1" cy="370304"/>
+            </a:xfrm>
+            <a:prstGeom prst="straightConnector1">
+              <a:avLst/>
+            </a:prstGeom>
+            <a:noFill/>
+            <a:ln w="9525" cap="flat" cmpd="sng">
+              <a:solidFill>
+                <a:schemeClr val="dk1"/>
+              </a:solidFill>
+              <a:prstDash val="solid"/>
+              <a:round/>
+              <a:headEnd type="none" w="med" len="med"/>
+              <a:tailEnd type="triangle" w="lg" len="lg"/>
+            </a:ln>
+          </p:spPr>
+        </p:cxnSp>
+        <p:sp>
+          <p:nvSpPr>
+            <p:cNvPr id="14" name="Shape 176">
+              <a:extLst>
+                <a:ext uri="{FF2B5EF4-FFF2-40B4-BE49-F238E27FC236}">
+                  <a16:creationId xmlns:a16="http://schemas.microsoft.com/office/drawing/2014/main" id="{2E72DCEC-3A78-D94E-84AB-EC4C79D07AFC}"/>
+                </a:ext>
+              </a:extLst>
+            </p:cNvPr>
+            <p:cNvSpPr txBox="1"/>
+            <p:nvPr/>
+          </p:nvSpPr>
+          <p:spPr>
+            <a:xfrm>
+              <a:off x="4579948" y="1528814"/>
+              <a:ext cx="1145387" cy="350044"/>
+            </a:xfrm>
+            <a:prstGeom prst="rect">
+              <a:avLst/>
+            </a:prstGeom>
+            <a:solidFill>
+              <a:srgbClr val="00B0F0"/>
+            </a:solidFill>
+            <a:ln w="9525" cap="flat" cmpd="sng">
+              <a:solidFill>
+                <a:schemeClr val="dk1"/>
+              </a:solidFill>
+              <a:prstDash val="solid"/>
+              <a:miter/>
+              <a:headEnd type="none" w="med" len="med"/>
+              <a:tailEnd type="none" w="med" len="med"/>
+            </a:ln>
+          </p:spPr>
+          <p:txBody>
+            <a:bodyPr lIns="68569" tIns="34275" rIns="68569" bIns="34275" anchor="t" anchorCtr="0">
+              <a:noAutofit/>
+            </a:bodyPr>
+            <a:lstStyle/>
+            <a:p>
+              <a:pPr algn="ctr">
+                <a:buSzPct val="25000"/>
+              </a:pPr>
+              <a:r>
+                <a:rPr lang="en-US" sz="1800" dirty="0">
+                  <a:solidFill>
+                    <a:schemeClr val="dk1"/>
+                  </a:solidFill>
+                  <a:latin typeface="Calibri"/>
+                  <a:ea typeface="Calibri"/>
+                  <a:cs typeface="Calibri"/>
+                  <a:sym typeface="Calibri"/>
+                </a:rPr>
+                <a:t>Assembler</a:t>
+              </a:r>
+            </a:p>
+          </p:txBody>
+        </p:sp>
+        <p:sp>
+          <p:nvSpPr>
+            <p:cNvPr id="2" name="Document 1">
+              <a:extLst>
+                <a:ext uri="{FF2B5EF4-FFF2-40B4-BE49-F238E27FC236}">
+                  <a16:creationId xmlns:a16="http://schemas.microsoft.com/office/drawing/2014/main" id="{FF26C5C3-3048-1442-8E15-9D1644E2A502}"/>
+                </a:ext>
+              </a:extLst>
+            </p:cNvPr>
+            <p:cNvSpPr/>
+            <p:nvPr/>
+          </p:nvSpPr>
+          <p:spPr>
+            <a:xfrm>
+              <a:off x="410330" y="1464845"/>
+              <a:ext cx="914400" cy="477982"/>
+            </a:xfrm>
+            <a:prstGeom prst="flowChartDocument">
+              <a:avLst/>
+            </a:prstGeom>
+          </p:spPr>
+          <p:style>
+            <a:lnRef idx="2">
+              <a:schemeClr val="accent1">
+                <a:shade val="50000"/>
+              </a:schemeClr>
+            </a:lnRef>
+            <a:fillRef idx="1">
+              <a:schemeClr val="accent1"/>
+            </a:fillRef>
+            <a:effectRef idx="0">
+              <a:schemeClr val="accent1"/>
+            </a:effectRef>
+            <a:fontRef idx="minor">
+              <a:schemeClr val="lt1"/>
+            </a:fontRef>
+          </p:style>
+          <p:txBody>
+            <a:bodyPr rtlCol="0" anchor="ctr"/>
+            <a:lstStyle/>
+            <a:p>
+              <a:pPr algn="ctr"/>
+              <a:r>
+                <a:rPr lang="en-US" dirty="0"/>
+                <a:t>Program</a:t>
+              </a:r>
+            </a:p>
+          </p:txBody>
+        </p:sp>
+        <p:sp>
+          <p:nvSpPr>
+            <p:cNvPr id="16" name="Document 15">
+              <a:extLst>
+                <a:ext uri="{FF2B5EF4-FFF2-40B4-BE49-F238E27FC236}">
+                  <a16:creationId xmlns:a16="http://schemas.microsoft.com/office/drawing/2014/main" id="{C76A860A-FD5D-C041-B68C-E2276E4DB46A}"/>
+                </a:ext>
+              </a:extLst>
+            </p:cNvPr>
+            <p:cNvSpPr/>
+            <p:nvPr/>
+          </p:nvSpPr>
+          <p:spPr>
+            <a:xfrm>
+              <a:off x="3188952" y="1361269"/>
+              <a:ext cx="1020673" cy="685134"/>
+            </a:xfrm>
+            <a:prstGeom prst="flowChartDocument">
+              <a:avLst/>
+            </a:prstGeom>
+          </p:spPr>
+          <p:style>
+            <a:lnRef idx="2">
+              <a:schemeClr val="accent1">
+                <a:shade val="50000"/>
+              </a:schemeClr>
+            </a:lnRef>
+            <a:fillRef idx="1">
+              <a:schemeClr val="accent1"/>
+            </a:fillRef>
+            <a:effectRef idx="0">
+              <a:schemeClr val="accent1"/>
+            </a:effectRef>
+            <a:fontRef idx="minor">
+              <a:schemeClr val="lt1"/>
+            </a:fontRef>
+          </p:style>
+          <p:txBody>
+            <a:bodyPr rtlCol="0" anchor="ctr"/>
+            <a:lstStyle/>
+            <a:p>
+              <a:pPr algn="ctr"/>
+              <a:r>
+                <a:rPr lang="en-US" dirty="0"/>
+                <a:t>Assembly Language</a:t>
+              </a:r>
+            </a:p>
+          </p:txBody>
+        </p:sp>
+        <p:cxnSp>
+          <p:nvCxnSpPr>
+            <p:cNvPr id="33" name="Shape 179">
+              <a:extLst>
+                <a:ext uri="{FF2B5EF4-FFF2-40B4-BE49-F238E27FC236}">
+                  <a16:creationId xmlns:a16="http://schemas.microsoft.com/office/drawing/2014/main" id="{B8FA7D8A-EC9A-0B4A-BA2E-410C280AB6FB}"/>
+                </a:ext>
+              </a:extLst>
+            </p:cNvPr>
+            <p:cNvCxnSpPr>
+              <a:cxnSpLocks/>
+              <a:stCxn id="16" idx="3"/>
+              <a:endCxn id="14" idx="1"/>
+            </p:cNvCxnSpPr>
+            <p:nvPr/>
+          </p:nvCxnSpPr>
+          <p:spPr>
+            <a:xfrm>
+              <a:off x="4209625" y="1703836"/>
+              <a:ext cx="370323" cy="0"/>
+            </a:xfrm>
+            <a:prstGeom prst="straightConnector1">
+              <a:avLst/>
+            </a:prstGeom>
+            <a:noFill/>
+            <a:ln w="9525" cap="flat" cmpd="sng">
+              <a:solidFill>
+                <a:schemeClr val="dk1"/>
+              </a:solidFill>
+              <a:prstDash val="solid"/>
+              <a:round/>
+              <a:headEnd type="none" w="med" len="med"/>
+              <a:tailEnd type="triangle" w="lg" len="lg"/>
+            </a:ln>
+          </p:spPr>
+        </p:cxnSp>
+        <p:sp>
+          <p:nvSpPr>
+            <p:cNvPr id="45" name="Document 44">
+              <a:extLst>
+                <a:ext uri="{FF2B5EF4-FFF2-40B4-BE49-F238E27FC236}">
+                  <a16:creationId xmlns:a16="http://schemas.microsoft.com/office/drawing/2014/main" id="{59724927-A7F0-4441-B01C-734ACE14F766}"/>
+                </a:ext>
+              </a:extLst>
+            </p:cNvPr>
+            <p:cNvSpPr/>
+            <p:nvPr/>
+          </p:nvSpPr>
+          <p:spPr>
+            <a:xfrm>
+              <a:off x="6139429" y="1361269"/>
+              <a:ext cx="1020673" cy="685134"/>
+            </a:xfrm>
+            <a:prstGeom prst="flowChartDocument">
+              <a:avLst/>
+            </a:prstGeom>
+          </p:spPr>
+          <p:style>
+            <a:lnRef idx="2">
+              <a:schemeClr val="accent1">
+                <a:shade val="50000"/>
+              </a:schemeClr>
+            </a:lnRef>
+            <a:fillRef idx="1">
+              <a:schemeClr val="accent1"/>
+            </a:fillRef>
+            <a:effectRef idx="0">
+              <a:schemeClr val="accent1"/>
+            </a:effectRef>
+            <a:fontRef idx="minor">
+              <a:schemeClr val="lt1"/>
+            </a:fontRef>
+          </p:style>
+          <p:txBody>
+            <a:bodyPr rtlCol="0" anchor="ctr"/>
+            <a:lstStyle/>
+            <a:p>
+              <a:pPr algn="ctr"/>
+              <a:r>
+                <a:rPr lang="en-US" dirty="0"/>
+                <a:t>Executable Binary</a:t>
+              </a:r>
+            </a:p>
+          </p:txBody>
+        </p:sp>
+        <p:cxnSp>
+          <p:nvCxnSpPr>
+            <p:cNvPr id="46" name="Shape 179">
+              <a:extLst>
+                <a:ext uri="{FF2B5EF4-FFF2-40B4-BE49-F238E27FC236}">
+                  <a16:creationId xmlns:a16="http://schemas.microsoft.com/office/drawing/2014/main" id="{E32FA4F9-91B2-7E4E-AAFC-FA2F95AC63E2}"/>
+                </a:ext>
+              </a:extLst>
+            </p:cNvPr>
+            <p:cNvCxnSpPr>
+              <a:cxnSpLocks/>
+              <a:stCxn id="14" idx="3"/>
+              <a:endCxn id="45" idx="1"/>
+            </p:cNvCxnSpPr>
+            <p:nvPr/>
+          </p:nvCxnSpPr>
+          <p:spPr>
+            <a:xfrm>
+              <a:off x="5725335" y="1703836"/>
+              <a:ext cx="414094" cy="0"/>
+            </a:xfrm>
+            <a:prstGeom prst="straightConnector1">
+              <a:avLst/>
+            </a:prstGeom>
+            <a:noFill/>
+            <a:ln w="9525" cap="flat" cmpd="sng">
+              <a:solidFill>
+                <a:schemeClr val="dk1"/>
+              </a:solidFill>
+              <a:prstDash val="solid"/>
+              <a:round/>
+              <a:headEnd type="none" w="med" len="med"/>
+              <a:tailEnd type="triangle" w="lg" len="lg"/>
+            </a:ln>
+          </p:spPr>
+        </p:cxnSp>
+        <p:cxnSp>
+          <p:nvCxnSpPr>
+            <p:cNvPr id="60" name="Shape 179">
+              <a:extLst>
+                <a:ext uri="{FF2B5EF4-FFF2-40B4-BE49-F238E27FC236}">
+                  <a16:creationId xmlns:a16="http://schemas.microsoft.com/office/drawing/2014/main" id="{705AAA18-8BB9-9D4F-AD56-B4445A7B2136}"/>
+                </a:ext>
+              </a:extLst>
+            </p:cNvPr>
+            <p:cNvCxnSpPr>
+              <a:cxnSpLocks/>
+              <a:stCxn id="45" idx="3"/>
+              <a:endCxn id="177" idx="1"/>
+            </p:cNvCxnSpPr>
+            <p:nvPr/>
+          </p:nvCxnSpPr>
+          <p:spPr>
+            <a:xfrm>
+              <a:off x="7160102" y="1703836"/>
+              <a:ext cx="394781" cy="0"/>
+            </a:xfrm>
+            <a:prstGeom prst="straightConnector1">
+              <a:avLst/>
+            </a:prstGeom>
+            <a:noFill/>
+            <a:ln w="9525" cap="flat" cmpd="sng">
+              <a:solidFill>
+                <a:schemeClr val="dk1"/>
+              </a:solidFill>
+              <a:prstDash val="solid"/>
+              <a:round/>
+              <a:headEnd type="none" w="med" len="med"/>
+              <a:tailEnd type="triangle" w="lg" len="lg"/>
+            </a:ln>
+          </p:spPr>
+        </p:cxnSp>
+      </p:grpSp>
+      <p:grpSp>
+        <p:nvGrpSpPr>
+          <p:cNvPr id="59" name="Group 58">
+            <a:extLst>
+              <a:ext uri="{FF2B5EF4-FFF2-40B4-BE49-F238E27FC236}">
+                <a16:creationId xmlns:a16="http://schemas.microsoft.com/office/drawing/2014/main" id="{974F6B57-1802-4F44-889B-473B4FDD93EA}"/>
+              </a:ext>
+            </a:extLst>
+          </p:cNvPr>
+          <p:cNvGrpSpPr/>
+          <p:nvPr/>
+        </p:nvGrpSpPr>
+        <p:grpSpPr>
+          <a:xfrm>
+            <a:off x="2198020" y="2859494"/>
+            <a:ext cx="2552400" cy="1728637"/>
+            <a:chOff x="2198020" y="2859494"/>
+            <a:chExt cx="2552400" cy="1728637"/>
+          </a:xfrm>
+        </p:grpSpPr>
+        <p:sp>
+          <p:nvSpPr>
+            <p:cNvPr id="65" name="Shape 174">
+              <a:extLst>
+                <a:ext uri="{FF2B5EF4-FFF2-40B4-BE49-F238E27FC236}">
+                  <a16:creationId xmlns:a16="http://schemas.microsoft.com/office/drawing/2014/main" id="{38BEB2AD-D374-E044-8571-14BCE2274AE0}"/>
+                </a:ext>
+              </a:extLst>
+            </p:cNvPr>
+            <p:cNvSpPr txBox="1"/>
+            <p:nvPr/>
+          </p:nvSpPr>
+          <p:spPr>
+            <a:xfrm>
+              <a:off x="3520999" y="3548866"/>
+              <a:ext cx="1229421" cy="350044"/>
+            </a:xfrm>
+            <a:prstGeom prst="rect">
+              <a:avLst/>
+            </a:prstGeom>
+            <a:solidFill>
+              <a:srgbClr val="00B0F0"/>
+            </a:solidFill>
+            <a:ln w="9525" cap="flat" cmpd="sng">
+              <a:solidFill>
+                <a:schemeClr val="dk1"/>
+              </a:solidFill>
+              <a:prstDash val="solid"/>
+              <a:miter/>
+              <a:headEnd type="none" w="med" len="med"/>
+              <a:tailEnd type="none" w="med" len="med"/>
+            </a:ln>
+          </p:spPr>
+          <p:txBody>
+            <a:bodyPr lIns="68569" tIns="34275" rIns="68569" bIns="34275" anchor="t" anchorCtr="0">
+              <a:noAutofit/>
+            </a:bodyPr>
+            <a:lstStyle/>
+            <a:p>
+              <a:pPr algn="ctr">
+                <a:buSzPct val="25000"/>
+              </a:pPr>
+              <a:r>
+                <a:rPr lang="en-US" sz="1800" dirty="0">
+                  <a:solidFill>
+                    <a:schemeClr val="dk1"/>
+                  </a:solidFill>
+                  <a:latin typeface="Calibri"/>
+                  <a:ea typeface="Calibri"/>
+                  <a:cs typeface="Calibri"/>
+                  <a:sym typeface="Calibri"/>
+                </a:rPr>
+                <a:t>Interpreter</a:t>
+              </a:r>
+            </a:p>
+          </p:txBody>
+        </p:sp>
+        <p:cxnSp>
+          <p:nvCxnSpPr>
+            <p:cNvPr id="66" name="Shape 178">
+              <a:extLst>
+                <a:ext uri="{FF2B5EF4-FFF2-40B4-BE49-F238E27FC236}">
+                  <a16:creationId xmlns:a16="http://schemas.microsoft.com/office/drawing/2014/main" id="{83838EC8-DD34-7E48-8A17-4223342FAB8C}"/>
+                </a:ext>
+              </a:extLst>
+            </p:cNvPr>
+            <p:cNvCxnSpPr>
+              <a:cxnSpLocks/>
+              <a:stCxn id="67" idx="3"/>
+              <a:endCxn id="65" idx="1"/>
+            </p:cNvCxnSpPr>
+            <p:nvPr/>
+          </p:nvCxnSpPr>
+          <p:spPr>
+            <a:xfrm>
+              <a:off x="3112420" y="3723888"/>
+              <a:ext cx="408579" cy="0"/>
+            </a:xfrm>
+            <a:prstGeom prst="straightConnector1">
+              <a:avLst/>
+            </a:prstGeom>
+            <a:noFill/>
+            <a:ln w="9525" cap="flat" cmpd="sng">
+              <a:solidFill>
+                <a:schemeClr val="dk1"/>
+              </a:solidFill>
+              <a:prstDash val="solid"/>
+              <a:round/>
+              <a:headEnd type="none" w="med" len="med"/>
+              <a:tailEnd type="triangle" w="lg" len="lg"/>
+            </a:ln>
+          </p:spPr>
+        </p:cxnSp>
+        <p:sp>
+          <p:nvSpPr>
+            <p:cNvPr id="67" name="Document 66">
+              <a:extLst>
+                <a:ext uri="{FF2B5EF4-FFF2-40B4-BE49-F238E27FC236}">
+                  <a16:creationId xmlns:a16="http://schemas.microsoft.com/office/drawing/2014/main" id="{80D4E3C9-FEFC-6946-A28B-BDA4C548269D}"/>
+                </a:ext>
+              </a:extLst>
+            </p:cNvPr>
+            <p:cNvSpPr/>
+            <p:nvPr/>
+          </p:nvSpPr>
+          <p:spPr>
+            <a:xfrm>
+              <a:off x="2198020" y="3484897"/>
+              <a:ext cx="914400" cy="477982"/>
+            </a:xfrm>
+            <a:prstGeom prst="flowChartDocument">
+              <a:avLst/>
+            </a:prstGeom>
+          </p:spPr>
+          <p:style>
+            <a:lnRef idx="2">
+              <a:schemeClr val="accent1">
+                <a:shade val="50000"/>
+              </a:schemeClr>
+            </a:lnRef>
+            <a:fillRef idx="1">
+              <a:schemeClr val="accent1"/>
+            </a:fillRef>
+            <a:effectRef idx="0">
+              <a:schemeClr val="accent1"/>
+            </a:effectRef>
+            <a:fontRef idx="minor">
+              <a:schemeClr val="lt1"/>
+            </a:fontRef>
+          </p:style>
+          <p:txBody>
+            <a:bodyPr rtlCol="0" anchor="ctr"/>
+            <a:lstStyle/>
+            <a:p>
+              <a:pPr algn="ctr"/>
+              <a:r>
+                <a:rPr lang="en-US" dirty="0"/>
+                <a:t>Program</a:t>
+              </a:r>
+            </a:p>
+          </p:txBody>
+        </p:sp>
+        <p:sp>
+          <p:nvSpPr>
+            <p:cNvPr id="71" name="Shape 181">
+              <a:extLst>
+                <a:ext uri="{FF2B5EF4-FFF2-40B4-BE49-F238E27FC236}">
+                  <a16:creationId xmlns:a16="http://schemas.microsoft.com/office/drawing/2014/main" id="{7A46951A-F0D1-C141-92FA-4732415871C1}"/>
+                </a:ext>
+              </a:extLst>
+            </p:cNvPr>
+            <p:cNvSpPr txBox="1"/>
+            <p:nvPr/>
+          </p:nvSpPr>
+          <p:spPr>
+            <a:xfrm>
+              <a:off x="3799335" y="2859494"/>
+              <a:ext cx="672750" cy="342900"/>
+            </a:xfrm>
+            <a:prstGeom prst="rect">
+              <a:avLst/>
+            </a:prstGeom>
+            <a:solidFill>
+              <a:schemeClr val="accent4">
+                <a:lumMod val="60000"/>
+                <a:lumOff val="40000"/>
+              </a:schemeClr>
+            </a:solidFill>
+            <a:ln>
+              <a:noFill/>
+            </a:ln>
+          </p:spPr>
+          <p:txBody>
+            <a:bodyPr lIns="68569" tIns="34275" rIns="68569" bIns="34275" anchor="t" anchorCtr="0">
+              <a:noAutofit/>
+            </a:bodyPr>
+            <a:lstStyle/>
+            <a:p>
+              <a:pPr>
+                <a:buSzPct val="25000"/>
+              </a:pPr>
+              <a:r>
+                <a:rPr lang="en-US" sz="1800" dirty="0">
+                  <a:solidFill>
+                    <a:schemeClr val="dk1"/>
+                  </a:solidFill>
+                  <a:latin typeface="Calibri"/>
+                  <a:ea typeface="Calibri"/>
+                  <a:cs typeface="Calibri"/>
+                  <a:sym typeface="Calibri"/>
+                </a:rPr>
+                <a:t>Input</a:t>
+              </a:r>
+            </a:p>
+          </p:txBody>
+        </p:sp>
+        <p:sp>
+          <p:nvSpPr>
+            <p:cNvPr id="72" name="Shape 182">
+              <a:extLst>
+                <a:ext uri="{FF2B5EF4-FFF2-40B4-BE49-F238E27FC236}">
+                  <a16:creationId xmlns:a16="http://schemas.microsoft.com/office/drawing/2014/main" id="{013E2080-50D4-D546-B1EA-E46D8175C78B}"/>
+                </a:ext>
+              </a:extLst>
+            </p:cNvPr>
+            <p:cNvSpPr txBox="1"/>
+            <p:nvPr/>
+          </p:nvSpPr>
+          <p:spPr>
+            <a:xfrm>
+              <a:off x="3700447" y="4245231"/>
+              <a:ext cx="870525" cy="342900"/>
+            </a:xfrm>
+            <a:prstGeom prst="rect">
+              <a:avLst/>
+            </a:prstGeom>
+            <a:solidFill>
+              <a:schemeClr val="accent4">
+                <a:lumMod val="60000"/>
+                <a:lumOff val="40000"/>
+              </a:schemeClr>
+            </a:solidFill>
+            <a:ln>
+              <a:noFill/>
+            </a:ln>
+          </p:spPr>
+          <p:txBody>
+            <a:bodyPr lIns="68569" tIns="34275" rIns="68569" bIns="34275" anchor="t" anchorCtr="0">
+              <a:noAutofit/>
+            </a:bodyPr>
+            <a:lstStyle/>
+            <a:p>
+              <a:pPr>
+                <a:buSzPct val="25000"/>
+              </a:pPr>
+              <a:r>
+                <a:rPr lang="en-US" sz="1800" dirty="0">
+                  <a:solidFill>
+                    <a:schemeClr val="dk1"/>
+                  </a:solidFill>
+                  <a:latin typeface="Calibri"/>
+                  <a:ea typeface="Calibri"/>
+                  <a:cs typeface="Calibri"/>
+                  <a:sym typeface="Calibri"/>
+                </a:rPr>
+                <a:t>Output</a:t>
+              </a:r>
+            </a:p>
+          </p:txBody>
+        </p:sp>
+        <p:cxnSp>
+          <p:nvCxnSpPr>
+            <p:cNvPr id="73" name="Shape 183">
+              <a:extLst>
+                <a:ext uri="{FF2B5EF4-FFF2-40B4-BE49-F238E27FC236}">
+                  <a16:creationId xmlns:a16="http://schemas.microsoft.com/office/drawing/2014/main" id="{9981738A-93ED-764F-B39C-73124D887F32}"/>
+                </a:ext>
+              </a:extLst>
+            </p:cNvPr>
+            <p:cNvCxnSpPr>
+              <a:cxnSpLocks/>
+              <a:stCxn id="71" idx="2"/>
+              <a:endCxn id="65" idx="0"/>
+            </p:cNvCxnSpPr>
+            <p:nvPr/>
+          </p:nvCxnSpPr>
+          <p:spPr>
+            <a:xfrm>
+              <a:off x="4135710" y="3202394"/>
+              <a:ext cx="0" cy="346472"/>
+            </a:xfrm>
+            <a:prstGeom prst="straightConnector1">
+              <a:avLst/>
+            </a:prstGeom>
+            <a:noFill/>
+            <a:ln w="9525" cap="flat" cmpd="sng">
+              <a:solidFill>
+                <a:schemeClr val="dk1"/>
+              </a:solidFill>
+              <a:prstDash val="solid"/>
+              <a:round/>
+              <a:headEnd type="none" w="med" len="med"/>
+              <a:tailEnd type="triangle" w="lg" len="lg"/>
+            </a:ln>
+          </p:spPr>
+        </p:cxnSp>
+        <p:cxnSp>
+          <p:nvCxnSpPr>
+            <p:cNvPr id="74" name="Shape 184">
+              <a:extLst>
+                <a:ext uri="{FF2B5EF4-FFF2-40B4-BE49-F238E27FC236}">
+                  <a16:creationId xmlns:a16="http://schemas.microsoft.com/office/drawing/2014/main" id="{358E329A-8922-FE4B-B6BF-17BAA29733E1}"/>
+                </a:ext>
+              </a:extLst>
+            </p:cNvPr>
+            <p:cNvCxnSpPr>
+              <a:cxnSpLocks/>
+              <a:stCxn id="65" idx="2"/>
+              <a:endCxn id="72" idx="0"/>
+            </p:cNvCxnSpPr>
+            <p:nvPr/>
+          </p:nvCxnSpPr>
+          <p:spPr>
+            <a:xfrm>
+              <a:off x="4135710" y="3898910"/>
+              <a:ext cx="0" cy="346321"/>
+            </a:xfrm>
+            <a:prstGeom prst="straightConnector1">
+              <a:avLst/>
+            </a:prstGeom>
+            <a:noFill/>
+            <a:ln w="9525" cap="flat" cmpd="sng">
+              <a:solidFill>
+                <a:schemeClr val="dk1"/>
+              </a:solidFill>
+              <a:prstDash val="solid"/>
+              <a:round/>
+              <a:headEnd type="none" w="med" len="med"/>
+              <a:tailEnd type="triangle" w="lg" len="lg"/>
+            </a:ln>
+          </p:spPr>
+        </p:cxnSp>
+      </p:grpSp>
+      <p:sp>
+        <p:nvSpPr>
+          <p:cNvPr id="78" name="Shape 228">
+            <a:extLst>
+              <a:ext uri="{FF2B5EF4-FFF2-40B4-BE49-F238E27FC236}">
+                <a16:creationId xmlns:a16="http://schemas.microsoft.com/office/drawing/2014/main" id="{7560DCF8-37EA-5B47-AD15-CC7BA10554F1}"/>
+              </a:ext>
+            </a:extLst>
+          </p:cNvPr>
+          <p:cNvSpPr txBox="1"/>
+          <p:nvPr/>
+        </p:nvSpPr>
+        <p:spPr>
+          <a:xfrm>
+            <a:off x="4065578" y="718646"/>
+            <a:ext cx="658415" cy="342900"/>
+          </a:xfrm>
+          <a:prstGeom prst="rect">
+            <a:avLst/>
+          </a:prstGeom>
+          <a:noFill/>
+          <a:ln>
+            <a:noFill/>
+          </a:ln>
+        </p:spPr>
+        <p:txBody>
+          <a:bodyPr lIns="68569" tIns="34275" rIns="68569" bIns="34275" anchor="t" anchorCtr="0">
+            <a:noAutofit/>
+          </a:bodyPr>
+          <a:lstStyle/>
+          <a:p>
+            <a:pPr>
+              <a:buSzPct val="25000"/>
+            </a:pPr>
+            <a:r>
+              <a:rPr lang="en-US" sz="1800" u="sng" dirty="0">
+                <a:solidFill>
+                  <a:schemeClr val="dk1"/>
+                </a:solidFill>
+                <a:latin typeface="Times New Roman"/>
+                <a:ea typeface="Times New Roman"/>
+                <a:cs typeface="Times New Roman"/>
+                <a:sym typeface="Times New Roman"/>
+              </a:rPr>
+              <a:t>Static</a:t>
+            </a:r>
+          </a:p>
+        </p:txBody>
+      </p:sp>
+      <p:sp>
+        <p:nvSpPr>
+          <p:cNvPr id="79" name="Shape 229">
+            <a:extLst>
+              <a:ext uri="{FF2B5EF4-FFF2-40B4-BE49-F238E27FC236}">
+                <a16:creationId xmlns:a16="http://schemas.microsoft.com/office/drawing/2014/main" id="{591727C9-4BD0-1845-B7A8-DBFF65F83984}"/>
+              </a:ext>
+            </a:extLst>
+          </p:cNvPr>
+          <p:cNvSpPr txBox="1"/>
+          <p:nvPr/>
+        </p:nvSpPr>
+        <p:spPr>
+          <a:xfrm>
+            <a:off x="4956070" y="3552438"/>
+            <a:ext cx="976312" cy="342900"/>
+          </a:xfrm>
+          <a:prstGeom prst="rect">
+            <a:avLst/>
+          </a:prstGeom>
+          <a:noFill/>
+          <a:ln>
+            <a:noFill/>
+          </a:ln>
+        </p:spPr>
+        <p:txBody>
+          <a:bodyPr lIns="68569" tIns="34275" rIns="68569" bIns="34275" anchor="t" anchorCtr="0">
+            <a:noAutofit/>
+          </a:bodyPr>
+          <a:lstStyle/>
+          <a:p>
+            <a:pPr>
+              <a:buSzPct val="25000"/>
+            </a:pPr>
+            <a:r>
+              <a:rPr lang="en-US" sz="1800" u="sng" dirty="0">
+                <a:solidFill>
+                  <a:schemeClr val="dk1"/>
+                </a:solidFill>
+                <a:latin typeface="Times New Roman"/>
+                <a:ea typeface="Times New Roman"/>
+                <a:cs typeface="Times New Roman"/>
+                <a:sym typeface="Times New Roman"/>
+              </a:rPr>
+              <a:t>Dynamic</a:t>
+            </a:r>
+          </a:p>
+        </p:txBody>
+      </p:sp>
+    </p:spTree>
+  </p:cSld>
+  <p:clrMapOvr>
+    <a:masterClrMapping/>
+  </p:clrMapOvr>
+  <p:timing>
+    <p:tnLst>
+      <p:par>
+        <p:cTn id="1" dur="indefinite" restart="never" nodeType="tmRoot">
+          <p:childTnLst>
+            <p:seq concurrent="1" nextAc="seek">
+              <p:cTn id="2" dur="indefinite" nodeType="mainSeq">
+                <p:childTnLst>
+                  <p:par>
+                    <p:cTn id="3" fill="hold">
+                      <p:stCondLst>
+                        <p:cond delay="indefinite"/>
+                      </p:stCondLst>
+                      <p:childTnLst>
+                        <p:par>
+                          <p:cTn id="4" fill="hold">
+                            <p:stCondLst>
+                              <p:cond delay="0"/>
+                            </p:stCondLst>
+                            <p:childTnLst>
+                              <p:par>
+                                <p:cTn id="5" presetID="1" presetClass="entr" presetSubtype="0" fill="hold" nodeType="clickEffect">
+                                  <p:stCondLst>
+                                    <p:cond delay="0"/>
+                                  </p:stCondLst>
+                                  <p:childTnLst>
+                                    <p:set>
+                                      <p:cBhvr>
+                                        <p:cTn id="6" dur="1" fill="hold">
+                                          <p:stCondLst>
+                                            <p:cond delay="0"/>
+                                          </p:stCondLst>
+                                        </p:cTn>
+                                        <p:tgtEl>
+                                          <p:spTgt spid="59"/>
+                                        </p:tgtEl>
+                                        <p:attrNameLst>
+                                          <p:attrName>style.visibility</p:attrName>
+                                        </p:attrNameLst>
+                                      </p:cBhvr>
+                                      <p:to>
+                                        <p:strVal val="visible"/>
+                                      </p:to>
+                                    </p:set>
+                                  </p:childTnLst>
+                                </p:cTn>
+                              </p:par>
+                            </p:childTnLst>
+                          </p:cTn>
+                        </p:par>
+                      </p:childTnLst>
+                    </p:cTn>
+                  </p:par>
+                  <p:par>
+                    <p:cTn id="7" fill="hold">
+                      <p:stCondLst>
+                        <p:cond delay="indefinite"/>
+                      </p:stCondLst>
+                      <p:childTnLst>
+                        <p:par>
+                          <p:cTn id="8" fill="hold">
+                            <p:stCondLst>
+                              <p:cond delay="0"/>
+                            </p:stCondLst>
+                            <p:childTnLst>
+                              <p:par>
+                                <p:cTn id="9" presetID="1" presetClass="entr" presetSubtype="0" fill="hold" grpId="0" nodeType="clickEffect">
+                                  <p:stCondLst>
+                                    <p:cond delay="0"/>
+                                  </p:stCondLst>
+                                  <p:childTnLst>
+                                    <p:set>
+                                      <p:cBhvr>
+                                        <p:cTn id="10" dur="1" fill="hold">
+                                          <p:stCondLst>
+                                            <p:cond delay="0"/>
+                                          </p:stCondLst>
+                                        </p:cTn>
+                                        <p:tgtEl>
+                                          <p:spTgt spid="78"/>
+                                        </p:tgtEl>
+                                        <p:attrNameLst>
+                                          <p:attrName>style.visibility</p:attrName>
+                                        </p:attrNameLst>
+                                      </p:cBhvr>
+                                      <p:to>
+                                        <p:strVal val="visible"/>
+                                      </p:to>
+                                    </p:set>
+                                  </p:childTnLst>
+                                </p:cTn>
+                              </p:par>
+                            </p:childTnLst>
+                          </p:cTn>
+                        </p:par>
+                      </p:childTnLst>
+                    </p:cTn>
+                  </p:par>
+                  <p:par>
+                    <p:cTn id="11" fill="hold">
+                      <p:stCondLst>
+                        <p:cond delay="indefinite"/>
+                      </p:stCondLst>
+                      <p:childTnLst>
+                        <p:par>
+                          <p:cTn id="12" fill="hold">
+                            <p:stCondLst>
+                              <p:cond delay="0"/>
+                            </p:stCondLst>
+                            <p:childTnLst>
+                              <p:par>
+                                <p:cTn id="13" presetID="1" presetClass="entr" presetSubtype="0" fill="hold" grpId="0" nodeType="clickEffect">
+                                  <p:stCondLst>
+                                    <p:cond delay="0"/>
+                                  </p:stCondLst>
+                                  <p:childTnLst>
+                                    <p:set>
+                                      <p:cBhvr>
+                                        <p:cTn id="14" dur="1" fill="hold">
+                                          <p:stCondLst>
+                                            <p:cond delay="0"/>
+                                          </p:stCondLst>
+                                        </p:cTn>
+                                        <p:tgtEl>
+                                          <p:spTgt spid="79"/>
+                                        </p:tgtEl>
+                                        <p:attrNameLst>
+                                          <p:attrName>style.visibility</p:attrName>
+                                        </p:attrNameLst>
+                                      </p:cBhvr>
+                                      <p:to>
+                                        <p:strVal val="visible"/>
+                                      </p:to>
+                                    </p:set>
+                                  </p:childTnLst>
+                                </p:cTn>
+                              </p:par>
+                            </p:childTnLst>
+                          </p:cTn>
+                        </p:par>
+                      </p:childTnLst>
+                    </p:cTn>
+                  </p:par>
+                </p:childTnLst>
+              </p:cTn>
+              <p:prevCondLst>
+                <p:cond evt="onPrev" delay="0">
+                  <p:tgtEl>
+                    <p:sldTgt/>
+                  </p:tgtEl>
+                </p:cond>
+              </p:prevCondLst>
+              <p:nextCondLst>
+                <p:cond evt="onNext" delay="0">
+                  <p:tgtEl>
+                    <p:sldTgt/>
+                  </p:tgtEl>
+                </p:cond>
+              </p:nextCondLst>
+            </p:seq>
+          </p:childTnLst>
+        </p:cTn>
+      </p:par>
+    </p:tnLst>
+    <p:bldLst>
+      <p:bldP spid="78" grpId="0"/>
+      <p:bldP spid="79" grpId="0"/>
+    </p:bldLst>
+  </p:timing>
+</p:sld>
+</file>
+
+<file path=ppt/slides/slide3.xml><?xml version="1.0" encoding="utf-8"?>
+<p:sld xmlns:a="http://schemas.openxmlformats.org/drawingml/2006/main" xmlns:r="http://schemas.openxmlformats.org/officeDocument/2006/relationships" xmlns:p="http://schemas.openxmlformats.org/presentationml/2006/main">
+  <p:cSld>
+    <p:spTree>
+      <p:nvGrpSpPr>
+        <p:cNvPr id="1" name="Shape 172"/>
+        <p:cNvGrpSpPr/>
+        <p:nvPr/>
+      </p:nvGrpSpPr>
+      <p:grpSpPr>
+        <a:xfrm>
+          <a:off x="0" y="0"/>
+          <a:ext cx="0" cy="0"/>
+          <a:chOff x="0" y="0"/>
+          <a:chExt cx="0" cy="0"/>
+        </a:xfrm>
+      </p:grpSpPr>
+      <p:sp>
+        <p:nvSpPr>
+          <p:cNvPr id="173" name="Shape 173"/>
+          <p:cNvSpPr txBox="1">
+            <a:spLocks noGrp="1"/>
+          </p:cNvSpPr>
+          <p:nvPr>
+            <p:ph type="sldNum" sz="quarter" idx="12"/>
+          </p:nvPr>
+        </p:nvSpPr>
+        <p:spPr>
+          <a:xfrm>
+            <a:off x="7497343" y="4663217"/>
+            <a:ext cx="411525" cy="393525"/>
+          </a:xfrm>
+          <a:prstGeom prst="rect">
+            <a:avLst/>
+          </a:prstGeom>
+          <a:noFill/>
+          <a:ln>
+            <a:noFill/>
+          </a:ln>
+        </p:spPr>
+        <p:txBody>
+          <a:bodyPr lIns="68569" tIns="34275" rIns="68569" bIns="34275" anchor="t" anchorCtr="0">
+            <a:noAutofit/>
+          </a:bodyPr>
+          <a:lstStyle/>
+          <a:p>
+            <a:fld id="{00000000-1234-1234-1234-123412341234}" type="slidenum">
+              <a:rPr lang="en-US">
+                <a:solidFill>
+                  <a:schemeClr val="dk2"/>
+                </a:solidFill>
+              </a:rPr>
+              <a:pPr/>
+              <a:t>3</a:t>
+            </a:fld>
+            <a:endParaRPr lang="en-US">
+              <a:solidFill>
+                <a:schemeClr val="dk2"/>
+              </a:solidFill>
+            </a:endParaRPr>
+          </a:p>
+        </p:txBody>
+      </p:sp>
       <p:cxnSp>
         <p:nvCxnSpPr>
-          <p:cNvPr id="179" name="Shape 179"/>
+          <p:cNvPr id="183" name="Shape 183"/>
           <p:cNvCxnSpPr>
-            <a:stCxn id="174" idx="2"/>
-            <a:endCxn id="176" idx="0"/>
+            <a:cxnSpLocks/>
+            <a:stCxn id="181" idx="2"/>
+            <a:endCxn id="177" idx="0"/>
           </p:cNvCxnSpPr>
           <p:nvPr/>
         </p:nvCxnSpPr>
         <p:spPr>
           <a:xfrm>
-            <a:off x="4339278" y="1944374"/>
-            <a:ext cx="0" cy="567899"/>
+            <a:off x="8069233" y="1158510"/>
+            <a:ext cx="0" cy="370304"/>
           </a:xfrm>
           <a:prstGeom prst="straightConnector1">
             <a:avLst/>
@@ -6874,55 +7269,648 @@
           </a:ln>
         </p:spPr>
       </p:cxnSp>
-      <p:cxnSp>
-        <p:nvCxnSpPr>
-          <p:cNvPr id="180" name="Shape 180"/>
-          <p:cNvCxnSpPr>
-            <a:stCxn id="176" idx="2"/>
-            <a:endCxn id="177" idx="0"/>
-          </p:cNvCxnSpPr>
+      <p:grpSp>
+        <p:nvGrpSpPr>
+          <p:cNvPr id="58" name="Group 57">
+            <a:extLst>
+              <a:ext uri="{FF2B5EF4-FFF2-40B4-BE49-F238E27FC236}">
+                <a16:creationId xmlns:a16="http://schemas.microsoft.com/office/drawing/2014/main" id="{BAAD15DD-4CDB-9A48-BC11-A5DE184C90B3}"/>
+              </a:ext>
+            </a:extLst>
+          </p:cNvPr>
+          <p:cNvGrpSpPr/>
           <p:nvPr/>
-        </p:nvCxnSpPr>
-        <p:spPr>
+        </p:nvGrpSpPr>
+        <p:grpSpPr>
           <a:xfrm>
-            <a:off x="4339278" y="3136188"/>
-            <a:ext cx="0" cy="569025"/>
+            <a:off x="410330" y="815610"/>
+            <a:ext cx="8173252" cy="1776452"/>
+            <a:chOff x="410330" y="815610"/>
+            <a:chExt cx="8173252" cy="1776452"/>
           </a:xfrm>
-          <a:prstGeom prst="straightConnector1">
-            <a:avLst/>
-          </a:prstGeom>
-          <a:noFill/>
-          <a:ln w="9525" cap="flat" cmpd="sng">
+        </p:grpSpPr>
+        <p:sp>
+          <p:nvSpPr>
+            <p:cNvPr id="174" name="Shape 174"/>
+            <p:cNvSpPr txBox="1"/>
+            <p:nvPr/>
+          </p:nvSpPr>
+          <p:spPr>
+            <a:xfrm>
+              <a:off x="1733309" y="1528814"/>
+              <a:ext cx="1028699" cy="350044"/>
+            </a:xfrm>
+            <a:prstGeom prst="rect">
+              <a:avLst/>
+            </a:prstGeom>
             <a:solidFill>
-              <a:schemeClr val="dk1"/>
+              <a:srgbClr val="00B0F0"/>
             </a:solidFill>
-            <a:prstDash val="solid"/>
-            <a:round/>
-            <a:headEnd type="none" w="med" len="med"/>
-            <a:tailEnd type="triangle" w="lg" len="lg"/>
-          </a:ln>
-        </p:spPr>
-      </p:cxnSp>
+            <a:ln w="9525" cap="flat" cmpd="sng">
+              <a:solidFill>
+                <a:schemeClr val="dk1"/>
+              </a:solidFill>
+              <a:prstDash val="solid"/>
+              <a:miter/>
+              <a:headEnd type="none" w="med" len="med"/>
+              <a:tailEnd type="none" w="med" len="med"/>
+            </a:ln>
+          </p:spPr>
+          <p:txBody>
+            <a:bodyPr lIns="68569" tIns="34275" rIns="68569" bIns="34275" anchor="t" anchorCtr="0">
+              <a:noAutofit/>
+            </a:bodyPr>
+            <a:lstStyle/>
+            <a:p>
+              <a:pPr algn="ctr">
+                <a:buSzPct val="25000"/>
+              </a:pPr>
+              <a:r>
+                <a:rPr lang="en-US" sz="1800">
+                  <a:solidFill>
+                    <a:schemeClr val="dk1"/>
+                  </a:solidFill>
+                  <a:latin typeface="Calibri"/>
+                  <a:ea typeface="Calibri"/>
+                  <a:cs typeface="Calibri"/>
+                  <a:sym typeface="Calibri"/>
+                </a:rPr>
+                <a:t>Compiler</a:t>
+              </a:r>
+            </a:p>
+          </p:txBody>
+        </p:sp>
+        <p:sp>
+          <p:nvSpPr>
+            <p:cNvPr id="177" name="Shape 177"/>
+            <p:cNvSpPr txBox="1"/>
+            <p:nvPr/>
+          </p:nvSpPr>
+          <p:spPr>
+            <a:xfrm>
+              <a:off x="7554883" y="1528814"/>
+              <a:ext cx="1028699" cy="350044"/>
+            </a:xfrm>
+            <a:prstGeom prst="rect">
+              <a:avLst/>
+            </a:prstGeom>
+            <a:solidFill>
+              <a:srgbClr val="00B0F0"/>
+            </a:solidFill>
+            <a:ln w="9525" cap="flat" cmpd="sng">
+              <a:solidFill>
+                <a:schemeClr val="dk1"/>
+              </a:solidFill>
+              <a:prstDash val="solid"/>
+              <a:miter/>
+              <a:headEnd type="none" w="med" len="med"/>
+              <a:tailEnd type="none" w="med" len="med"/>
+            </a:ln>
+          </p:spPr>
+          <p:txBody>
+            <a:bodyPr lIns="68569" tIns="34275" rIns="68569" bIns="34275" anchor="t" anchorCtr="0">
+              <a:noAutofit/>
+            </a:bodyPr>
+            <a:lstStyle/>
+            <a:p>
+              <a:pPr algn="ctr">
+                <a:buSzPct val="25000"/>
+              </a:pPr>
+              <a:r>
+                <a:rPr lang="en-US" sz="1800" dirty="0">
+                  <a:solidFill>
+                    <a:schemeClr val="dk1"/>
+                  </a:solidFill>
+                  <a:latin typeface="Calibri"/>
+                  <a:ea typeface="Calibri"/>
+                  <a:cs typeface="Calibri"/>
+                  <a:sym typeface="Calibri"/>
+                </a:rPr>
+                <a:t>Runtime</a:t>
+              </a:r>
+            </a:p>
+          </p:txBody>
+        </p:sp>
+        <p:cxnSp>
+          <p:nvCxnSpPr>
+            <p:cNvPr id="178" name="Shape 178"/>
+            <p:cNvCxnSpPr>
+              <a:cxnSpLocks/>
+              <a:stCxn id="2" idx="3"/>
+              <a:endCxn id="174" idx="1"/>
+            </p:cNvCxnSpPr>
+            <p:nvPr/>
+          </p:nvCxnSpPr>
+          <p:spPr>
+            <a:xfrm>
+              <a:off x="1324730" y="1703836"/>
+              <a:ext cx="408579" cy="0"/>
+            </a:xfrm>
+            <a:prstGeom prst="straightConnector1">
+              <a:avLst/>
+            </a:prstGeom>
+            <a:noFill/>
+            <a:ln w="9525" cap="flat" cmpd="sng">
+              <a:solidFill>
+                <a:schemeClr val="dk1"/>
+              </a:solidFill>
+              <a:prstDash val="solid"/>
+              <a:round/>
+              <a:headEnd type="none" w="med" len="med"/>
+              <a:tailEnd type="triangle" w="lg" len="lg"/>
+            </a:ln>
+          </p:spPr>
+        </p:cxnSp>
+        <p:cxnSp>
+          <p:nvCxnSpPr>
+            <p:cNvPr id="179" name="Shape 179"/>
+            <p:cNvCxnSpPr>
+              <a:cxnSpLocks/>
+              <a:stCxn id="174" idx="3"/>
+              <a:endCxn id="16" idx="1"/>
+            </p:cNvCxnSpPr>
+            <p:nvPr/>
+          </p:nvCxnSpPr>
+          <p:spPr>
+            <a:xfrm>
+              <a:off x="2762008" y="1703836"/>
+              <a:ext cx="426944" cy="0"/>
+            </a:xfrm>
+            <a:prstGeom prst="straightConnector1">
+              <a:avLst/>
+            </a:prstGeom>
+            <a:noFill/>
+            <a:ln w="9525" cap="flat" cmpd="sng">
+              <a:solidFill>
+                <a:schemeClr val="dk1"/>
+              </a:solidFill>
+              <a:prstDash val="solid"/>
+              <a:round/>
+              <a:headEnd type="none" w="med" len="med"/>
+              <a:tailEnd type="triangle" w="lg" len="lg"/>
+            </a:ln>
+          </p:spPr>
+        </p:cxnSp>
+        <p:sp>
+          <p:nvSpPr>
+            <p:cNvPr id="181" name="Shape 181"/>
+            <p:cNvSpPr txBox="1"/>
+            <p:nvPr/>
+          </p:nvSpPr>
+          <p:spPr>
+            <a:xfrm>
+              <a:off x="7732858" y="815610"/>
+              <a:ext cx="672750" cy="342900"/>
+            </a:xfrm>
+            <a:prstGeom prst="rect">
+              <a:avLst/>
+            </a:prstGeom>
+            <a:solidFill>
+              <a:schemeClr val="accent4">
+                <a:lumMod val="60000"/>
+                <a:lumOff val="40000"/>
+              </a:schemeClr>
+            </a:solidFill>
+            <a:ln>
+              <a:noFill/>
+            </a:ln>
+          </p:spPr>
+          <p:txBody>
+            <a:bodyPr lIns="68569" tIns="34275" rIns="68569" bIns="34275" anchor="t" anchorCtr="0">
+              <a:noAutofit/>
+            </a:bodyPr>
+            <a:lstStyle/>
+            <a:p>
+              <a:pPr>
+                <a:buSzPct val="25000"/>
+              </a:pPr>
+              <a:r>
+                <a:rPr lang="en-US" sz="1800" dirty="0">
+                  <a:solidFill>
+                    <a:schemeClr val="dk1"/>
+                  </a:solidFill>
+                  <a:latin typeface="Calibri"/>
+                  <a:ea typeface="Calibri"/>
+                  <a:cs typeface="Calibri"/>
+                  <a:sym typeface="Calibri"/>
+                </a:rPr>
+                <a:t>Input</a:t>
+              </a:r>
+            </a:p>
+          </p:txBody>
+        </p:sp>
+        <p:sp>
+          <p:nvSpPr>
+            <p:cNvPr id="182" name="Shape 182"/>
+            <p:cNvSpPr txBox="1"/>
+            <p:nvPr/>
+          </p:nvSpPr>
+          <p:spPr>
+            <a:xfrm>
+              <a:off x="7633969" y="2249162"/>
+              <a:ext cx="870525" cy="342900"/>
+            </a:xfrm>
+            <a:prstGeom prst="rect">
+              <a:avLst/>
+            </a:prstGeom>
+            <a:solidFill>
+              <a:schemeClr val="accent4">
+                <a:lumMod val="60000"/>
+                <a:lumOff val="40000"/>
+              </a:schemeClr>
+            </a:solidFill>
+            <a:ln>
+              <a:noFill/>
+            </a:ln>
+          </p:spPr>
+          <p:txBody>
+            <a:bodyPr lIns="68569" tIns="34275" rIns="68569" bIns="34275" anchor="t" anchorCtr="0">
+              <a:noAutofit/>
+            </a:bodyPr>
+            <a:lstStyle/>
+            <a:p>
+              <a:pPr>
+                <a:buSzPct val="25000"/>
+              </a:pPr>
+              <a:r>
+                <a:rPr lang="en-US" sz="1800" dirty="0">
+                  <a:solidFill>
+                    <a:schemeClr val="dk1"/>
+                  </a:solidFill>
+                  <a:latin typeface="Calibri"/>
+                  <a:ea typeface="Calibri"/>
+                  <a:cs typeface="Calibri"/>
+                  <a:sym typeface="Calibri"/>
+                </a:rPr>
+                <a:t>Output</a:t>
+              </a:r>
+            </a:p>
+          </p:txBody>
+        </p:sp>
+        <p:cxnSp>
+          <p:nvCxnSpPr>
+            <p:cNvPr id="184" name="Shape 184"/>
+            <p:cNvCxnSpPr>
+              <a:cxnSpLocks/>
+              <a:stCxn id="177" idx="2"/>
+              <a:endCxn id="182" idx="0"/>
+            </p:cNvCxnSpPr>
+            <p:nvPr/>
+          </p:nvCxnSpPr>
+          <p:spPr>
+            <a:xfrm flipH="1">
+              <a:off x="8069232" y="1878858"/>
+              <a:ext cx="1" cy="370304"/>
+            </a:xfrm>
+            <a:prstGeom prst="straightConnector1">
+              <a:avLst/>
+            </a:prstGeom>
+            <a:noFill/>
+            <a:ln w="9525" cap="flat" cmpd="sng">
+              <a:solidFill>
+                <a:schemeClr val="dk1"/>
+              </a:solidFill>
+              <a:prstDash val="solid"/>
+              <a:round/>
+              <a:headEnd type="none" w="med" len="med"/>
+              <a:tailEnd type="triangle" w="lg" len="lg"/>
+            </a:ln>
+          </p:spPr>
+        </p:cxnSp>
+        <p:sp>
+          <p:nvSpPr>
+            <p:cNvPr id="14" name="Shape 176">
+              <a:extLst>
+                <a:ext uri="{FF2B5EF4-FFF2-40B4-BE49-F238E27FC236}">
+                  <a16:creationId xmlns:a16="http://schemas.microsoft.com/office/drawing/2014/main" id="{2E72DCEC-3A78-D94E-84AB-EC4C79D07AFC}"/>
+                </a:ext>
+              </a:extLst>
+            </p:cNvPr>
+            <p:cNvSpPr txBox="1"/>
+            <p:nvPr/>
+          </p:nvSpPr>
+          <p:spPr>
+            <a:xfrm>
+              <a:off x="4579948" y="1528814"/>
+              <a:ext cx="1145387" cy="350044"/>
+            </a:xfrm>
+            <a:prstGeom prst="rect">
+              <a:avLst/>
+            </a:prstGeom>
+            <a:solidFill>
+              <a:srgbClr val="00B0F0"/>
+            </a:solidFill>
+            <a:ln w="9525" cap="flat" cmpd="sng">
+              <a:solidFill>
+                <a:schemeClr val="dk1"/>
+              </a:solidFill>
+              <a:prstDash val="solid"/>
+              <a:miter/>
+              <a:headEnd type="none" w="med" len="med"/>
+              <a:tailEnd type="none" w="med" len="med"/>
+            </a:ln>
+          </p:spPr>
+          <p:txBody>
+            <a:bodyPr lIns="68569" tIns="34275" rIns="68569" bIns="34275" anchor="t" anchorCtr="0">
+              <a:noAutofit/>
+            </a:bodyPr>
+            <a:lstStyle/>
+            <a:p>
+              <a:pPr algn="ctr">
+                <a:buSzPct val="25000"/>
+              </a:pPr>
+              <a:r>
+                <a:rPr lang="en-US" sz="1800" dirty="0">
+                  <a:solidFill>
+                    <a:schemeClr val="dk1"/>
+                  </a:solidFill>
+                  <a:latin typeface="Calibri"/>
+                  <a:ea typeface="Calibri"/>
+                  <a:cs typeface="Calibri"/>
+                  <a:sym typeface="Calibri"/>
+                </a:rPr>
+                <a:t>Assembler</a:t>
+              </a:r>
+            </a:p>
+          </p:txBody>
+        </p:sp>
+        <p:sp>
+          <p:nvSpPr>
+            <p:cNvPr id="2" name="Document 1">
+              <a:extLst>
+                <a:ext uri="{FF2B5EF4-FFF2-40B4-BE49-F238E27FC236}">
+                  <a16:creationId xmlns:a16="http://schemas.microsoft.com/office/drawing/2014/main" id="{FF26C5C3-3048-1442-8E15-9D1644E2A502}"/>
+                </a:ext>
+              </a:extLst>
+            </p:cNvPr>
+            <p:cNvSpPr/>
+            <p:nvPr/>
+          </p:nvSpPr>
+          <p:spPr>
+            <a:xfrm>
+              <a:off x="410330" y="1464845"/>
+              <a:ext cx="914400" cy="477982"/>
+            </a:xfrm>
+            <a:prstGeom prst="flowChartDocument">
+              <a:avLst/>
+            </a:prstGeom>
+          </p:spPr>
+          <p:style>
+            <a:lnRef idx="2">
+              <a:schemeClr val="accent1">
+                <a:shade val="50000"/>
+              </a:schemeClr>
+            </a:lnRef>
+            <a:fillRef idx="1">
+              <a:schemeClr val="accent1"/>
+            </a:fillRef>
+            <a:effectRef idx="0">
+              <a:schemeClr val="accent1"/>
+            </a:effectRef>
+            <a:fontRef idx="minor">
+              <a:schemeClr val="lt1"/>
+            </a:fontRef>
+          </p:style>
+          <p:txBody>
+            <a:bodyPr rtlCol="0" anchor="ctr"/>
+            <a:lstStyle/>
+            <a:p>
+              <a:pPr algn="ctr"/>
+              <a:r>
+                <a:rPr lang="en-US" dirty="0"/>
+                <a:t>Program</a:t>
+              </a:r>
+            </a:p>
+          </p:txBody>
+        </p:sp>
+        <p:sp>
+          <p:nvSpPr>
+            <p:cNvPr id="16" name="Document 15">
+              <a:extLst>
+                <a:ext uri="{FF2B5EF4-FFF2-40B4-BE49-F238E27FC236}">
+                  <a16:creationId xmlns:a16="http://schemas.microsoft.com/office/drawing/2014/main" id="{C76A860A-FD5D-C041-B68C-E2276E4DB46A}"/>
+                </a:ext>
+              </a:extLst>
+            </p:cNvPr>
+            <p:cNvSpPr/>
+            <p:nvPr/>
+          </p:nvSpPr>
+          <p:spPr>
+            <a:xfrm>
+              <a:off x="3188952" y="1361269"/>
+              <a:ext cx="1020673" cy="685134"/>
+            </a:xfrm>
+            <a:prstGeom prst="flowChartDocument">
+              <a:avLst/>
+            </a:prstGeom>
+          </p:spPr>
+          <p:style>
+            <a:lnRef idx="2">
+              <a:schemeClr val="accent1">
+                <a:shade val="50000"/>
+              </a:schemeClr>
+            </a:lnRef>
+            <a:fillRef idx="1">
+              <a:schemeClr val="accent1"/>
+            </a:fillRef>
+            <a:effectRef idx="0">
+              <a:schemeClr val="accent1"/>
+            </a:effectRef>
+            <a:fontRef idx="minor">
+              <a:schemeClr val="lt1"/>
+            </a:fontRef>
+          </p:style>
+          <p:txBody>
+            <a:bodyPr rtlCol="0" anchor="ctr"/>
+            <a:lstStyle/>
+            <a:p>
+              <a:pPr algn="ctr"/>
+              <a:r>
+                <a:rPr lang="en-US" dirty="0"/>
+                <a:t>Assembly Language</a:t>
+              </a:r>
+            </a:p>
+          </p:txBody>
+        </p:sp>
+        <p:cxnSp>
+          <p:nvCxnSpPr>
+            <p:cNvPr id="33" name="Shape 179">
+              <a:extLst>
+                <a:ext uri="{FF2B5EF4-FFF2-40B4-BE49-F238E27FC236}">
+                  <a16:creationId xmlns:a16="http://schemas.microsoft.com/office/drawing/2014/main" id="{B8FA7D8A-EC9A-0B4A-BA2E-410C280AB6FB}"/>
+                </a:ext>
+              </a:extLst>
+            </p:cNvPr>
+            <p:cNvCxnSpPr>
+              <a:cxnSpLocks/>
+              <a:stCxn id="16" idx="3"/>
+              <a:endCxn id="14" idx="1"/>
+            </p:cNvCxnSpPr>
+            <p:nvPr/>
+          </p:nvCxnSpPr>
+          <p:spPr>
+            <a:xfrm>
+              <a:off x="4209625" y="1703836"/>
+              <a:ext cx="370323" cy="0"/>
+            </a:xfrm>
+            <a:prstGeom prst="straightConnector1">
+              <a:avLst/>
+            </a:prstGeom>
+            <a:noFill/>
+            <a:ln w="9525" cap="flat" cmpd="sng">
+              <a:solidFill>
+                <a:schemeClr val="dk1"/>
+              </a:solidFill>
+              <a:prstDash val="solid"/>
+              <a:round/>
+              <a:headEnd type="none" w="med" len="med"/>
+              <a:tailEnd type="triangle" w="lg" len="lg"/>
+            </a:ln>
+          </p:spPr>
+        </p:cxnSp>
+        <p:sp>
+          <p:nvSpPr>
+            <p:cNvPr id="45" name="Document 44">
+              <a:extLst>
+                <a:ext uri="{FF2B5EF4-FFF2-40B4-BE49-F238E27FC236}">
+                  <a16:creationId xmlns:a16="http://schemas.microsoft.com/office/drawing/2014/main" id="{59724927-A7F0-4441-B01C-734ACE14F766}"/>
+                </a:ext>
+              </a:extLst>
+            </p:cNvPr>
+            <p:cNvSpPr/>
+            <p:nvPr/>
+          </p:nvSpPr>
+          <p:spPr>
+            <a:xfrm>
+              <a:off x="6139429" y="1361269"/>
+              <a:ext cx="1020673" cy="685134"/>
+            </a:xfrm>
+            <a:prstGeom prst="flowChartDocument">
+              <a:avLst/>
+            </a:prstGeom>
+          </p:spPr>
+          <p:style>
+            <a:lnRef idx="2">
+              <a:schemeClr val="accent1">
+                <a:shade val="50000"/>
+              </a:schemeClr>
+            </a:lnRef>
+            <a:fillRef idx="1">
+              <a:schemeClr val="accent1"/>
+            </a:fillRef>
+            <a:effectRef idx="0">
+              <a:schemeClr val="accent1"/>
+            </a:effectRef>
+            <a:fontRef idx="minor">
+              <a:schemeClr val="lt1"/>
+            </a:fontRef>
+          </p:style>
+          <p:txBody>
+            <a:bodyPr rtlCol="0" anchor="ctr"/>
+            <a:lstStyle/>
+            <a:p>
+              <a:pPr algn="ctr"/>
+              <a:r>
+                <a:rPr lang="en-US" dirty="0"/>
+                <a:t>Executable Binary</a:t>
+              </a:r>
+            </a:p>
+          </p:txBody>
+        </p:sp>
+        <p:cxnSp>
+          <p:nvCxnSpPr>
+            <p:cNvPr id="46" name="Shape 179">
+              <a:extLst>
+                <a:ext uri="{FF2B5EF4-FFF2-40B4-BE49-F238E27FC236}">
+                  <a16:creationId xmlns:a16="http://schemas.microsoft.com/office/drawing/2014/main" id="{E32FA4F9-91B2-7E4E-AAFC-FA2F95AC63E2}"/>
+                </a:ext>
+              </a:extLst>
+            </p:cNvPr>
+            <p:cNvCxnSpPr>
+              <a:cxnSpLocks/>
+              <a:stCxn id="14" idx="3"/>
+              <a:endCxn id="45" idx="1"/>
+            </p:cNvCxnSpPr>
+            <p:nvPr/>
+          </p:nvCxnSpPr>
+          <p:spPr>
+            <a:xfrm>
+              <a:off x="5725335" y="1703836"/>
+              <a:ext cx="414094" cy="0"/>
+            </a:xfrm>
+            <a:prstGeom prst="straightConnector1">
+              <a:avLst/>
+            </a:prstGeom>
+            <a:noFill/>
+            <a:ln w="9525" cap="flat" cmpd="sng">
+              <a:solidFill>
+                <a:schemeClr val="dk1"/>
+              </a:solidFill>
+              <a:prstDash val="solid"/>
+              <a:round/>
+              <a:headEnd type="none" w="med" len="med"/>
+              <a:tailEnd type="triangle" w="lg" len="lg"/>
+            </a:ln>
+          </p:spPr>
+        </p:cxnSp>
+        <p:cxnSp>
+          <p:nvCxnSpPr>
+            <p:cNvPr id="60" name="Shape 179">
+              <a:extLst>
+                <a:ext uri="{FF2B5EF4-FFF2-40B4-BE49-F238E27FC236}">
+                  <a16:creationId xmlns:a16="http://schemas.microsoft.com/office/drawing/2014/main" id="{705AAA18-8BB9-9D4F-AD56-B4445A7B2136}"/>
+                </a:ext>
+              </a:extLst>
+            </p:cNvPr>
+            <p:cNvCxnSpPr>
+              <a:cxnSpLocks/>
+              <a:stCxn id="45" idx="3"/>
+              <a:endCxn id="177" idx="1"/>
+            </p:cNvCxnSpPr>
+            <p:nvPr/>
+          </p:nvCxnSpPr>
+          <p:spPr>
+            <a:xfrm>
+              <a:off x="7160102" y="1703836"/>
+              <a:ext cx="394781" cy="0"/>
+            </a:xfrm>
+            <a:prstGeom prst="straightConnector1">
+              <a:avLst/>
+            </a:prstGeom>
+            <a:noFill/>
+            <a:ln w="9525" cap="flat" cmpd="sng">
+              <a:solidFill>
+                <a:schemeClr val="dk1"/>
+              </a:solidFill>
+              <a:prstDash val="solid"/>
+              <a:round/>
+              <a:headEnd type="none" w="med" len="med"/>
+              <a:tailEnd type="triangle" w="lg" len="lg"/>
+            </a:ln>
+          </p:spPr>
+        </p:cxnSp>
+      </p:grpSp>
       <p:sp>
         <p:nvSpPr>
-          <p:cNvPr id="181" name="Shape 181"/>
+          <p:cNvPr id="78" name="Shape 228">
+            <a:extLst>
+              <a:ext uri="{FF2B5EF4-FFF2-40B4-BE49-F238E27FC236}">
+                <a16:creationId xmlns:a16="http://schemas.microsoft.com/office/drawing/2014/main" id="{7560DCF8-37EA-5B47-AD15-CC7BA10554F1}"/>
+              </a:ext>
+            </a:extLst>
+          </p:cNvPr>
           <p:cNvSpPr txBox="1"/>
           <p:nvPr/>
         </p:nvSpPr>
         <p:spPr>
           <a:xfrm>
-            <a:off x="2429479" y="3708888"/>
-            <a:ext cx="672750" cy="342900"/>
+            <a:off x="4065578" y="718646"/>
+            <a:ext cx="658415" cy="342900"/>
           </a:xfrm>
           <a:prstGeom prst="rect">
             <a:avLst/>
           </a:prstGeom>
-          <a:solidFill>
-            <a:schemeClr val="accent4">
-              <a:lumMod val="60000"/>
-              <a:lumOff val="40000"/>
-            </a:schemeClr>
-          </a:solidFill>
+          <a:noFill/>
           <a:ln>
             <a:noFill/>
           </a:ln>
@@ -6937,40 +7925,41 @@
               <a:buSzPct val="25000"/>
             </a:pPr>
             <a:r>
-              <a:rPr lang="en-US" sz="1800" dirty="0">
+              <a:rPr lang="en-US" sz="1800" u="sng" dirty="0">
                 <a:solidFill>
                   <a:schemeClr val="dk1"/>
                 </a:solidFill>
-                <a:latin typeface="Calibri"/>
-                <a:ea typeface="Calibri"/>
-                <a:cs typeface="Calibri"/>
-                <a:sym typeface="Calibri"/>
+                <a:latin typeface="Times New Roman"/>
+                <a:ea typeface="Times New Roman"/>
+                <a:cs typeface="Times New Roman"/>
+                <a:sym typeface="Times New Roman"/>
               </a:rPr>
-              <a:t>Input</a:t>
+              <a:t>Static</a:t>
             </a:r>
           </a:p>
         </p:txBody>
       </p:sp>
       <p:sp>
         <p:nvSpPr>
-          <p:cNvPr id="182" name="Shape 182"/>
+          <p:cNvPr id="79" name="Shape 229">
+            <a:extLst>
+              <a:ext uri="{FF2B5EF4-FFF2-40B4-BE49-F238E27FC236}">
+                <a16:creationId xmlns:a16="http://schemas.microsoft.com/office/drawing/2014/main" id="{591727C9-4BD0-1845-B7A8-DBFF65F83984}"/>
+              </a:ext>
+            </a:extLst>
+          </p:cNvPr>
           <p:cNvSpPr txBox="1"/>
           <p:nvPr/>
         </p:nvSpPr>
         <p:spPr>
           <a:xfrm>
-            <a:off x="5526342" y="3708888"/>
-            <a:ext cx="870525" cy="342900"/>
+            <a:off x="6026419" y="3555134"/>
+            <a:ext cx="1586267" cy="342900"/>
           </a:xfrm>
           <a:prstGeom prst="rect">
             <a:avLst/>
           </a:prstGeom>
-          <a:solidFill>
-            <a:schemeClr val="accent4">
-              <a:lumMod val="60000"/>
-              <a:lumOff val="40000"/>
-            </a:schemeClr>
-          </a:solidFill>
+          <a:noFill/>
           <a:ln>
             <a:noFill/>
           </a:ln>
@@ -6985,87 +7974,678 @@
               <a:buSzPct val="25000"/>
             </a:pPr>
             <a:r>
-              <a:rPr lang="en-US" sz="1800">
+              <a:rPr lang="en-US" sz="1800" u="sng" dirty="0">
                 <a:solidFill>
                   <a:schemeClr val="dk1"/>
                 </a:solidFill>
-                <a:latin typeface="Calibri"/>
-                <a:ea typeface="Calibri"/>
-                <a:cs typeface="Calibri"/>
-                <a:sym typeface="Calibri"/>
+                <a:latin typeface="Times New Roman"/>
+                <a:ea typeface="Times New Roman"/>
+                <a:cs typeface="Times New Roman"/>
+                <a:sym typeface="Times New Roman"/>
               </a:rPr>
-              <a:t>Output</a:t>
+              <a:t>Static/Dynamic</a:t>
             </a:r>
           </a:p>
         </p:txBody>
       </p:sp>
-      <p:cxnSp>
-        <p:nvCxnSpPr>
-          <p:cNvPr id="183" name="Shape 183"/>
-          <p:cNvCxnSpPr>
-            <a:stCxn id="181" idx="3"/>
-            <a:endCxn id="177" idx="1"/>
-          </p:cNvCxnSpPr>
+      <p:grpSp>
+        <p:nvGrpSpPr>
+          <p:cNvPr id="10" name="Group 9">
+            <a:extLst>
+              <a:ext uri="{FF2B5EF4-FFF2-40B4-BE49-F238E27FC236}">
+                <a16:creationId xmlns:a16="http://schemas.microsoft.com/office/drawing/2014/main" id="{35167135-3EFA-3540-9292-5E5DD5290E90}"/>
+              </a:ext>
+            </a:extLst>
+          </p:cNvPr>
+          <p:cNvGrpSpPr/>
           <p:nvPr/>
-        </p:nvCxnSpPr>
-        <p:spPr>
+        </p:nvGrpSpPr>
+        <p:grpSpPr>
           <a:xfrm>
-            <a:off x="3102229" y="3880338"/>
-            <a:ext cx="722700" cy="0"/>
+            <a:off x="402382" y="2789951"/>
+            <a:ext cx="5315005" cy="1873266"/>
+            <a:chOff x="402382" y="2789951"/>
+            <a:chExt cx="5315005" cy="1873266"/>
           </a:xfrm>
-          <a:prstGeom prst="straightConnector1">
-            <a:avLst/>
-          </a:prstGeom>
-          <a:noFill/>
-          <a:ln w="9525" cap="flat" cmpd="sng">
+        </p:grpSpPr>
+        <p:sp>
+          <p:nvSpPr>
+            <p:cNvPr id="30" name="Shape 174">
+              <a:extLst>
+                <a:ext uri="{FF2B5EF4-FFF2-40B4-BE49-F238E27FC236}">
+                  <a16:creationId xmlns:a16="http://schemas.microsoft.com/office/drawing/2014/main" id="{2B41C0F9-D9C5-4448-9132-036CC100EFC6}"/>
+                </a:ext>
+              </a:extLst>
+            </p:cNvPr>
+            <p:cNvSpPr txBox="1"/>
+            <p:nvPr/>
+          </p:nvSpPr>
+          <p:spPr>
+            <a:xfrm>
+              <a:off x="1725361" y="3551562"/>
+              <a:ext cx="1028699" cy="350044"/>
+            </a:xfrm>
+            <a:prstGeom prst="rect">
+              <a:avLst/>
+            </a:prstGeom>
             <a:solidFill>
-              <a:schemeClr val="dk1"/>
+              <a:srgbClr val="00B0F0"/>
             </a:solidFill>
-            <a:prstDash val="solid"/>
-            <a:round/>
-            <a:headEnd type="none" w="med" len="med"/>
-            <a:tailEnd type="triangle" w="lg" len="lg"/>
-          </a:ln>
-        </p:spPr>
-      </p:cxnSp>
-      <p:cxnSp>
-        <p:nvCxnSpPr>
-          <p:cNvPr id="184" name="Shape 184"/>
-          <p:cNvCxnSpPr>
-            <a:stCxn id="177" idx="3"/>
-            <a:endCxn id="182" idx="1"/>
-          </p:cNvCxnSpPr>
-          <p:nvPr/>
-        </p:nvCxnSpPr>
-        <p:spPr>
-          <a:xfrm>
-            <a:off x="4853628" y="3880329"/>
-            <a:ext cx="672750" cy="0"/>
-          </a:xfrm>
-          <a:prstGeom prst="straightConnector1">
-            <a:avLst/>
-          </a:prstGeom>
-          <a:noFill/>
-          <a:ln w="9525" cap="flat" cmpd="sng">
+            <a:ln w="9525" cap="flat" cmpd="sng">
+              <a:solidFill>
+                <a:schemeClr val="dk1"/>
+              </a:solidFill>
+              <a:prstDash val="solid"/>
+              <a:miter/>
+              <a:headEnd type="none" w="med" len="med"/>
+              <a:tailEnd type="none" w="med" len="med"/>
+            </a:ln>
+          </p:spPr>
+          <p:txBody>
+            <a:bodyPr lIns="68569" tIns="34275" rIns="68569" bIns="34275" anchor="t" anchorCtr="0">
+              <a:noAutofit/>
+            </a:bodyPr>
+            <a:lstStyle/>
+            <a:p>
+              <a:pPr algn="ctr">
+                <a:buSzPct val="25000"/>
+              </a:pPr>
+              <a:r>
+                <a:rPr lang="en-US" sz="1800">
+                  <a:solidFill>
+                    <a:schemeClr val="dk1"/>
+                  </a:solidFill>
+                  <a:latin typeface="Calibri"/>
+                  <a:ea typeface="Calibri"/>
+                  <a:cs typeface="Calibri"/>
+                  <a:sym typeface="Calibri"/>
+                </a:rPr>
+                <a:t>Compiler</a:t>
+              </a:r>
+            </a:p>
+          </p:txBody>
+        </p:sp>
+        <p:cxnSp>
+          <p:nvCxnSpPr>
+            <p:cNvPr id="32" name="Shape 178">
+              <a:extLst>
+                <a:ext uri="{FF2B5EF4-FFF2-40B4-BE49-F238E27FC236}">
+                  <a16:creationId xmlns:a16="http://schemas.microsoft.com/office/drawing/2014/main" id="{50F61734-C355-F14A-A515-BDFBE480E784}"/>
+                </a:ext>
+              </a:extLst>
+            </p:cNvPr>
+            <p:cNvCxnSpPr>
+              <a:cxnSpLocks/>
+              <a:stCxn id="39" idx="3"/>
+              <a:endCxn id="30" idx="1"/>
+            </p:cNvCxnSpPr>
+            <p:nvPr/>
+          </p:nvCxnSpPr>
+          <p:spPr>
+            <a:xfrm>
+              <a:off x="1316782" y="3726584"/>
+              <a:ext cx="408579" cy="0"/>
+            </a:xfrm>
+            <a:prstGeom prst="straightConnector1">
+              <a:avLst/>
+            </a:prstGeom>
+            <a:noFill/>
+            <a:ln w="9525" cap="flat" cmpd="sng">
+              <a:solidFill>
+                <a:schemeClr val="dk1"/>
+              </a:solidFill>
+              <a:prstDash val="solid"/>
+              <a:round/>
+              <a:headEnd type="none" w="med" len="med"/>
+              <a:tailEnd type="triangle" w="lg" len="lg"/>
+            </a:ln>
+          </p:spPr>
+        </p:cxnSp>
+        <p:cxnSp>
+          <p:nvCxnSpPr>
+            <p:cNvPr id="34" name="Shape 179">
+              <a:extLst>
+                <a:ext uri="{FF2B5EF4-FFF2-40B4-BE49-F238E27FC236}">
+                  <a16:creationId xmlns:a16="http://schemas.microsoft.com/office/drawing/2014/main" id="{4FDDE8DA-D379-5D44-92F4-0C2C632CDACE}"/>
+                </a:ext>
+              </a:extLst>
+            </p:cNvPr>
+            <p:cNvCxnSpPr>
+              <a:cxnSpLocks/>
+              <a:stCxn id="30" idx="3"/>
+              <a:endCxn id="40" idx="1"/>
+            </p:cNvCxnSpPr>
+            <p:nvPr/>
+          </p:nvCxnSpPr>
+          <p:spPr>
+            <a:xfrm>
+              <a:off x="2754060" y="3726584"/>
+              <a:ext cx="426944" cy="0"/>
+            </a:xfrm>
+            <a:prstGeom prst="straightConnector1">
+              <a:avLst/>
+            </a:prstGeom>
+            <a:noFill/>
+            <a:ln w="9525" cap="flat" cmpd="sng">
+              <a:solidFill>
+                <a:schemeClr val="dk1"/>
+              </a:solidFill>
+              <a:prstDash val="solid"/>
+              <a:round/>
+              <a:headEnd type="none" w="med" len="med"/>
+              <a:tailEnd type="triangle" w="lg" len="lg"/>
+            </a:ln>
+          </p:spPr>
+        </p:cxnSp>
+        <p:sp>
+          <p:nvSpPr>
+            <p:cNvPr id="35" name="Shape 181">
+              <a:extLst>
+                <a:ext uri="{FF2B5EF4-FFF2-40B4-BE49-F238E27FC236}">
+                  <a16:creationId xmlns:a16="http://schemas.microsoft.com/office/drawing/2014/main" id="{E0D04818-91F7-894B-BF8E-93C06311E0D6}"/>
+                </a:ext>
+              </a:extLst>
+            </p:cNvPr>
+            <p:cNvSpPr txBox="1"/>
+            <p:nvPr/>
+          </p:nvSpPr>
+          <p:spPr>
+            <a:xfrm>
+              <a:off x="4808318" y="2789951"/>
+              <a:ext cx="672750" cy="342900"/>
+            </a:xfrm>
+            <a:prstGeom prst="rect">
+              <a:avLst/>
+            </a:prstGeom>
             <a:solidFill>
-              <a:schemeClr val="dk1"/>
+              <a:schemeClr val="accent4">
+                <a:lumMod val="60000"/>
+                <a:lumOff val="40000"/>
+              </a:schemeClr>
             </a:solidFill>
-            <a:prstDash val="solid"/>
-            <a:round/>
-            <a:headEnd type="none" w="med" len="med"/>
-            <a:tailEnd type="triangle" w="lg" len="lg"/>
-          </a:ln>
-        </p:spPr>
-      </p:cxnSp>
+            <a:ln>
+              <a:noFill/>
+            </a:ln>
+          </p:spPr>
+          <p:txBody>
+            <a:bodyPr lIns="68569" tIns="34275" rIns="68569" bIns="34275" anchor="t" anchorCtr="0">
+              <a:noAutofit/>
+            </a:bodyPr>
+            <a:lstStyle/>
+            <a:p>
+              <a:pPr>
+                <a:buSzPct val="25000"/>
+              </a:pPr>
+              <a:r>
+                <a:rPr lang="en-US" sz="1800" dirty="0">
+                  <a:solidFill>
+                    <a:schemeClr val="dk1"/>
+                  </a:solidFill>
+                  <a:latin typeface="Calibri"/>
+                  <a:ea typeface="Calibri"/>
+                  <a:cs typeface="Calibri"/>
+                  <a:sym typeface="Calibri"/>
+                </a:rPr>
+                <a:t>Input</a:t>
+              </a:r>
+            </a:p>
+          </p:txBody>
+        </p:sp>
+        <p:sp>
+          <p:nvSpPr>
+            <p:cNvPr id="36" name="Shape 182">
+              <a:extLst>
+                <a:ext uri="{FF2B5EF4-FFF2-40B4-BE49-F238E27FC236}">
+                  <a16:creationId xmlns:a16="http://schemas.microsoft.com/office/drawing/2014/main" id="{75D12231-66E8-6149-AE21-29316870507B}"/>
+                </a:ext>
+              </a:extLst>
+            </p:cNvPr>
+            <p:cNvSpPr txBox="1"/>
+            <p:nvPr/>
+          </p:nvSpPr>
+          <p:spPr>
+            <a:xfrm>
+              <a:off x="4709430" y="4320317"/>
+              <a:ext cx="870525" cy="342900"/>
+            </a:xfrm>
+            <a:prstGeom prst="rect">
+              <a:avLst/>
+            </a:prstGeom>
+            <a:solidFill>
+              <a:schemeClr val="accent4">
+                <a:lumMod val="60000"/>
+                <a:lumOff val="40000"/>
+              </a:schemeClr>
+            </a:solidFill>
+            <a:ln>
+              <a:noFill/>
+            </a:ln>
+          </p:spPr>
+          <p:txBody>
+            <a:bodyPr lIns="68569" tIns="34275" rIns="68569" bIns="34275" anchor="t" anchorCtr="0">
+              <a:noAutofit/>
+            </a:bodyPr>
+            <a:lstStyle/>
+            <a:p>
+              <a:pPr>
+                <a:buSzPct val="25000"/>
+              </a:pPr>
+              <a:r>
+                <a:rPr lang="en-US" sz="1800" dirty="0">
+                  <a:solidFill>
+                    <a:schemeClr val="dk1"/>
+                  </a:solidFill>
+                  <a:latin typeface="Calibri"/>
+                  <a:ea typeface="Calibri"/>
+                  <a:cs typeface="Calibri"/>
+                  <a:sym typeface="Calibri"/>
+                </a:rPr>
+                <a:t>Output</a:t>
+              </a:r>
+            </a:p>
+          </p:txBody>
+        </p:sp>
+        <p:cxnSp>
+          <p:nvCxnSpPr>
+            <p:cNvPr id="37" name="Shape 184">
+              <a:extLst>
+                <a:ext uri="{FF2B5EF4-FFF2-40B4-BE49-F238E27FC236}">
+                  <a16:creationId xmlns:a16="http://schemas.microsoft.com/office/drawing/2014/main" id="{5C2C96F2-E580-1244-8E8F-F9DA3FBEF5A7}"/>
+                </a:ext>
+              </a:extLst>
+            </p:cNvPr>
+            <p:cNvCxnSpPr>
+              <a:cxnSpLocks/>
+              <a:stCxn id="38" idx="2"/>
+              <a:endCxn id="36" idx="0"/>
+            </p:cNvCxnSpPr>
+            <p:nvPr/>
+          </p:nvCxnSpPr>
+          <p:spPr>
+            <a:xfrm flipH="1">
+              <a:off x="5144693" y="4030079"/>
+              <a:ext cx="1" cy="290238"/>
+            </a:xfrm>
+            <a:prstGeom prst="straightConnector1">
+              <a:avLst/>
+            </a:prstGeom>
+            <a:noFill/>
+            <a:ln w="9525" cap="flat" cmpd="sng">
+              <a:solidFill>
+                <a:schemeClr val="dk1"/>
+              </a:solidFill>
+              <a:prstDash val="solid"/>
+              <a:round/>
+              <a:headEnd type="none" w="med" len="med"/>
+              <a:tailEnd type="triangle" w="lg" len="lg"/>
+            </a:ln>
+          </p:spPr>
+        </p:cxnSp>
+        <p:sp>
+          <p:nvSpPr>
+            <p:cNvPr id="38" name="Shape 176">
+              <a:extLst>
+                <a:ext uri="{FF2B5EF4-FFF2-40B4-BE49-F238E27FC236}">
+                  <a16:creationId xmlns:a16="http://schemas.microsoft.com/office/drawing/2014/main" id="{AFF9D03C-29FD-3549-B4AA-93E5EFD87BA4}"/>
+                </a:ext>
+              </a:extLst>
+            </p:cNvPr>
+            <p:cNvSpPr txBox="1"/>
+            <p:nvPr/>
+          </p:nvSpPr>
+          <p:spPr>
+            <a:xfrm>
+              <a:off x="4572000" y="3423089"/>
+              <a:ext cx="1145387" cy="606990"/>
+            </a:xfrm>
+            <a:prstGeom prst="rect">
+              <a:avLst/>
+            </a:prstGeom>
+            <a:solidFill>
+              <a:srgbClr val="00B0F0"/>
+            </a:solidFill>
+            <a:ln w="9525" cap="flat" cmpd="sng">
+              <a:solidFill>
+                <a:schemeClr val="dk1"/>
+              </a:solidFill>
+              <a:prstDash val="solid"/>
+              <a:miter/>
+              <a:headEnd type="none" w="med" len="med"/>
+              <a:tailEnd type="none" w="med" len="med"/>
+            </a:ln>
+          </p:spPr>
+          <p:txBody>
+            <a:bodyPr lIns="68569" tIns="34275" rIns="68569" bIns="34275" anchor="t" anchorCtr="0">
+              <a:noAutofit/>
+            </a:bodyPr>
+            <a:lstStyle/>
+            <a:p>
+              <a:pPr algn="ctr">
+                <a:buSzPct val="25000"/>
+              </a:pPr>
+              <a:r>
+                <a:rPr lang="en-US" sz="1800" dirty="0">
+                  <a:solidFill>
+                    <a:schemeClr val="dk1"/>
+                  </a:solidFill>
+                  <a:latin typeface="Calibri"/>
+                  <a:ea typeface="Calibri"/>
+                  <a:cs typeface="Calibri"/>
+                  <a:sym typeface="Calibri"/>
+                </a:rPr>
+                <a:t>Virtual Machine</a:t>
+              </a:r>
+            </a:p>
+          </p:txBody>
+        </p:sp>
+        <p:sp>
+          <p:nvSpPr>
+            <p:cNvPr id="39" name="Document 38">
+              <a:extLst>
+                <a:ext uri="{FF2B5EF4-FFF2-40B4-BE49-F238E27FC236}">
+                  <a16:creationId xmlns:a16="http://schemas.microsoft.com/office/drawing/2014/main" id="{E5AFA54E-011A-5643-BF2A-E2B4087AC013}"/>
+                </a:ext>
+              </a:extLst>
+            </p:cNvPr>
+            <p:cNvSpPr/>
+            <p:nvPr/>
+          </p:nvSpPr>
+          <p:spPr>
+            <a:xfrm>
+              <a:off x="402382" y="3487593"/>
+              <a:ext cx="914400" cy="477982"/>
+            </a:xfrm>
+            <a:prstGeom prst="flowChartDocument">
+              <a:avLst/>
+            </a:prstGeom>
+          </p:spPr>
+          <p:style>
+            <a:lnRef idx="2">
+              <a:schemeClr val="accent1">
+                <a:shade val="50000"/>
+              </a:schemeClr>
+            </a:lnRef>
+            <a:fillRef idx="1">
+              <a:schemeClr val="accent1"/>
+            </a:fillRef>
+            <a:effectRef idx="0">
+              <a:schemeClr val="accent1"/>
+            </a:effectRef>
+            <a:fontRef idx="minor">
+              <a:schemeClr val="lt1"/>
+            </a:fontRef>
+          </p:style>
+          <p:txBody>
+            <a:bodyPr rtlCol="0" anchor="ctr"/>
+            <a:lstStyle/>
+            <a:p>
+              <a:pPr algn="ctr"/>
+              <a:r>
+                <a:rPr lang="en-US" dirty="0"/>
+                <a:t>Program</a:t>
+              </a:r>
+            </a:p>
+          </p:txBody>
+        </p:sp>
+        <p:sp>
+          <p:nvSpPr>
+            <p:cNvPr id="40" name="Document 39">
+              <a:extLst>
+                <a:ext uri="{FF2B5EF4-FFF2-40B4-BE49-F238E27FC236}">
+                  <a16:creationId xmlns:a16="http://schemas.microsoft.com/office/drawing/2014/main" id="{DB24E72D-0C52-AD40-B07B-D304B6CF6650}"/>
+                </a:ext>
+              </a:extLst>
+            </p:cNvPr>
+            <p:cNvSpPr/>
+            <p:nvPr/>
+          </p:nvSpPr>
+          <p:spPr>
+            <a:xfrm>
+              <a:off x="3181004" y="3384017"/>
+              <a:ext cx="1020673" cy="685134"/>
+            </a:xfrm>
+            <a:prstGeom prst="flowChartDocument">
+              <a:avLst/>
+            </a:prstGeom>
+          </p:spPr>
+          <p:style>
+            <a:lnRef idx="2">
+              <a:schemeClr val="accent1">
+                <a:shade val="50000"/>
+              </a:schemeClr>
+            </a:lnRef>
+            <a:fillRef idx="1">
+              <a:schemeClr val="accent1"/>
+            </a:fillRef>
+            <a:effectRef idx="0">
+              <a:schemeClr val="accent1"/>
+            </a:effectRef>
+            <a:fontRef idx="minor">
+              <a:schemeClr val="lt1"/>
+            </a:fontRef>
+          </p:style>
+          <p:txBody>
+            <a:bodyPr rtlCol="0" anchor="ctr"/>
+            <a:lstStyle/>
+            <a:p>
+              <a:pPr algn="ctr"/>
+              <a:r>
+                <a:rPr lang="en-US" dirty="0"/>
+                <a:t>Bytecode</a:t>
+              </a:r>
+            </a:p>
+          </p:txBody>
+        </p:sp>
+        <p:cxnSp>
+          <p:nvCxnSpPr>
+            <p:cNvPr id="41" name="Shape 179">
+              <a:extLst>
+                <a:ext uri="{FF2B5EF4-FFF2-40B4-BE49-F238E27FC236}">
+                  <a16:creationId xmlns:a16="http://schemas.microsoft.com/office/drawing/2014/main" id="{789C041F-0ED3-134C-9145-FB63742500EE}"/>
+                </a:ext>
+              </a:extLst>
+            </p:cNvPr>
+            <p:cNvCxnSpPr>
+              <a:cxnSpLocks/>
+              <a:stCxn id="40" idx="3"/>
+              <a:endCxn id="38" idx="1"/>
+            </p:cNvCxnSpPr>
+            <p:nvPr/>
+          </p:nvCxnSpPr>
+          <p:spPr>
+            <a:xfrm>
+              <a:off x="4201677" y="3726584"/>
+              <a:ext cx="370323" cy="0"/>
+            </a:xfrm>
+            <a:prstGeom prst="straightConnector1">
+              <a:avLst/>
+            </a:prstGeom>
+            <a:noFill/>
+            <a:ln w="9525" cap="flat" cmpd="sng">
+              <a:solidFill>
+                <a:schemeClr val="dk1"/>
+              </a:solidFill>
+              <a:prstDash val="solid"/>
+              <a:round/>
+              <a:headEnd type="none" w="med" len="med"/>
+              <a:tailEnd type="triangle" w="lg" len="lg"/>
+            </a:ln>
+          </p:spPr>
+        </p:cxnSp>
+        <p:cxnSp>
+          <p:nvCxnSpPr>
+            <p:cNvPr id="43" name="Shape 179">
+              <a:extLst>
+                <a:ext uri="{FF2B5EF4-FFF2-40B4-BE49-F238E27FC236}">
+                  <a16:creationId xmlns:a16="http://schemas.microsoft.com/office/drawing/2014/main" id="{89B69BB2-058A-5A41-9FFE-E6463E95E7F1}"/>
+                </a:ext>
+              </a:extLst>
+            </p:cNvPr>
+            <p:cNvCxnSpPr>
+              <a:cxnSpLocks/>
+              <a:stCxn id="35" idx="2"/>
+              <a:endCxn id="38" idx="0"/>
+            </p:cNvCxnSpPr>
+            <p:nvPr/>
+          </p:nvCxnSpPr>
+          <p:spPr>
+            <a:xfrm>
+              <a:off x="5144693" y="3132851"/>
+              <a:ext cx="1" cy="290238"/>
+            </a:xfrm>
+            <a:prstGeom prst="straightConnector1">
+              <a:avLst/>
+            </a:prstGeom>
+            <a:noFill/>
+            <a:ln w="9525" cap="flat" cmpd="sng">
+              <a:solidFill>
+                <a:schemeClr val="dk1"/>
+              </a:solidFill>
+              <a:prstDash val="solid"/>
+              <a:round/>
+              <a:headEnd type="none" w="med" len="med"/>
+              <a:tailEnd type="triangle" w="lg" len="lg"/>
+            </a:ln>
+          </p:spPr>
+        </p:cxnSp>
+      </p:grpSp>
     </p:spTree>
+    <p:extLst>
+      <p:ext uri="{BB962C8B-B14F-4D97-AF65-F5344CB8AC3E}">
+        <p14:creationId xmlns:p14="http://schemas.microsoft.com/office/powerpoint/2010/main" val="4074430307"/>
+      </p:ext>
+    </p:extLst>
   </p:cSld>
   <p:clrMapOvr>
     <a:masterClrMapping/>
   </p:clrMapOvr>
+  <p:timing>
+    <p:tnLst>
+      <p:par>
+        <p:cTn id="1" dur="indefinite" restart="never" nodeType="tmRoot">
+          <p:childTnLst>
+            <p:seq concurrent="1" nextAc="seek">
+              <p:cTn id="2" dur="indefinite" nodeType="mainSeq">
+                <p:childTnLst>
+                  <p:par>
+                    <p:cTn id="3" fill="hold">
+                      <p:stCondLst>
+                        <p:cond delay="indefinite"/>
+                      </p:stCondLst>
+                      <p:childTnLst>
+                        <p:par>
+                          <p:cTn id="4" fill="hold">
+                            <p:stCondLst>
+                              <p:cond delay="0"/>
+                            </p:stCondLst>
+                            <p:childTnLst>
+                              <p:par>
+                                <p:cTn id="5" presetID="1" presetClass="entr" presetSubtype="0" fill="hold" nodeType="clickEffect">
+                                  <p:stCondLst>
+                                    <p:cond delay="0"/>
+                                  </p:stCondLst>
+                                  <p:childTnLst>
+                                    <p:set>
+                                      <p:cBhvr>
+                                        <p:cTn id="6" dur="1" fill="hold">
+                                          <p:stCondLst>
+                                            <p:cond delay="0"/>
+                                          </p:stCondLst>
+                                        </p:cTn>
+                                        <p:tgtEl>
+                                          <p:spTgt spid="10"/>
+                                        </p:tgtEl>
+                                        <p:attrNameLst>
+                                          <p:attrName>style.visibility</p:attrName>
+                                        </p:attrNameLst>
+                                      </p:cBhvr>
+                                      <p:to>
+                                        <p:strVal val="visible"/>
+                                      </p:to>
+                                    </p:set>
+                                  </p:childTnLst>
+                                </p:cTn>
+                              </p:par>
+                            </p:childTnLst>
+                          </p:cTn>
+                        </p:par>
+                      </p:childTnLst>
+                    </p:cTn>
+                  </p:par>
+                  <p:par>
+                    <p:cTn id="7" fill="hold">
+                      <p:stCondLst>
+                        <p:cond delay="indefinite"/>
+                      </p:stCondLst>
+                      <p:childTnLst>
+                        <p:par>
+                          <p:cTn id="8" fill="hold">
+                            <p:stCondLst>
+                              <p:cond delay="0"/>
+                            </p:stCondLst>
+                            <p:childTnLst>
+                              <p:par>
+                                <p:cTn id="9" presetID="1" presetClass="entr" presetSubtype="0" fill="hold" grpId="0" nodeType="clickEffect">
+                                  <p:stCondLst>
+                                    <p:cond delay="0"/>
+                                  </p:stCondLst>
+                                  <p:childTnLst>
+                                    <p:set>
+                                      <p:cBhvr>
+                                        <p:cTn id="10" dur="1" fill="hold">
+                                          <p:stCondLst>
+                                            <p:cond delay="0"/>
+                                          </p:stCondLst>
+                                        </p:cTn>
+                                        <p:tgtEl>
+                                          <p:spTgt spid="79"/>
+                                        </p:tgtEl>
+                                        <p:attrNameLst>
+                                          <p:attrName>style.visibility</p:attrName>
+                                        </p:attrNameLst>
+                                      </p:cBhvr>
+                                      <p:to>
+                                        <p:strVal val="visible"/>
+                                      </p:to>
+                                    </p:set>
+                                  </p:childTnLst>
+                                </p:cTn>
+                              </p:par>
+                            </p:childTnLst>
+                          </p:cTn>
+                        </p:par>
+                      </p:childTnLst>
+                    </p:cTn>
+                  </p:par>
+                </p:childTnLst>
+              </p:cTn>
+              <p:prevCondLst>
+                <p:cond evt="onPrev" delay="0">
+                  <p:tgtEl>
+                    <p:sldTgt/>
+                  </p:tgtEl>
+                </p:cond>
+              </p:prevCondLst>
+              <p:nextCondLst>
+                <p:cond evt="onNext" delay="0">
+                  <p:tgtEl>
+                    <p:sldTgt/>
+                  </p:tgtEl>
+                </p:cond>
+              </p:nextCondLst>
+            </p:seq>
+          </p:childTnLst>
+        </p:cTn>
+      </p:par>
+    </p:tnLst>
+    <p:bldLst>
+      <p:bldP spid="79" grpId="0"/>
+    </p:bldLst>
+  </p:timing>
 </p:sld>
 </file>
 
-<file path=ppt/slides/slide3.xml><?xml version="1.0" encoding="utf-8"?>
+<file path=ppt/slides/slide4.xml><?xml version="1.0" encoding="utf-8"?>
 <p:sld xmlns:a="http://schemas.openxmlformats.org/drawingml/2006/main" xmlns:r="http://schemas.openxmlformats.org/officeDocument/2006/relationships" xmlns:p="http://schemas.openxmlformats.org/presentationml/2006/main">
   <p:cSld>
     <p:spTree>
@@ -7182,20 +8762,9 @@
             </a:r>
             <a:r>
               <a:rPr lang="en-US" dirty="0"/>
-              <a:t> from user </a:t>
+              <a:t> from source code to executable</a:t>
             </a:r>
-            <a:r>
-              <a:rPr lang="en-US" b="1" dirty="0"/>
-              <a:t>intention</a:t>
-            </a:r>
-            <a:r>
-              <a:rPr lang="en-US" dirty="0"/>
-              <a:t> into intended </a:t>
-            </a:r>
-            <a:r>
-              <a:rPr lang="en-US" b="1" dirty="0"/>
-              <a:t>meaning</a:t>
-            </a:r>
+            <a:endParaRPr lang="en-US" b="1" dirty="0"/>
           </a:p>
           <a:p>
             <a:pPr indent="-257175">
@@ -7205,7 +8774,7 @@
             </a:pPr>
             <a:r>
               <a:rPr lang="en-US" dirty="0"/>
-              <a:t>Requirements from a Compiler and a Programming Language are:</a:t>
+              <a:t>Requirements from a Compiler are:</a:t>
             </a:r>
           </a:p>
           <a:p>
@@ -7216,7 +8785,7 @@
             </a:pPr>
             <a:r>
               <a:rPr lang="en-US" dirty="0"/>
-              <a:t>Ease of use (high-level programming)</a:t>
+              <a:t>Support high-level programming languages</a:t>
             </a:r>
           </a:p>
           <a:p>
@@ -7227,7 +8796,29 @@
             </a:pPr>
             <a:r>
               <a:rPr lang="en-US" dirty="0"/>
-              <a:t>Speed</a:t>
+              <a:t>Good error messages</a:t>
+            </a:r>
+          </a:p>
+          <a:p>
+            <a:pPr lvl="1" indent="-214313">
+              <a:lnSpc>
+                <a:spcPct val="90000"/>
+              </a:lnSpc>
+            </a:pPr>
+            <a:r>
+              <a:rPr lang="en-US" dirty="0"/>
+              <a:t>Speed of compilation</a:t>
+            </a:r>
+          </a:p>
+          <a:p>
+            <a:pPr lvl="1" indent="-214313">
+              <a:lnSpc>
+                <a:spcPct val="90000"/>
+              </a:lnSpc>
+            </a:pPr>
+            <a:r>
+              <a:rPr lang="en-US" dirty="0"/>
+              <a:t>Produce fast executables with small footprint</a:t>
             </a:r>
           </a:p>
         </p:txBody>
@@ -7271,7 +8862,7 @@
                 </a:buClr>
                 <a:buSzPct val="25000"/>
               </a:pPr>
-              <a:t>3</a:t>
+              <a:t>4</a:t>
             </a:fld>
             <a:endParaRPr lang="en-US"/>
           </a:p>
@@ -7282,1757 +8873,363 @@
   <p:clrMapOvr>
     <a:masterClrMapping/>
   </p:clrMapOvr>
-</p:sld>
-</file>
-
-<file path=ppt/slides/slide4.xml><?xml version="1.0" encoding="utf-8"?>
-<p:sld xmlns:a="http://schemas.openxmlformats.org/drawingml/2006/main" xmlns:r="http://schemas.openxmlformats.org/officeDocument/2006/relationships" xmlns:p="http://schemas.openxmlformats.org/presentationml/2006/main">
-  <p:cSld>
-    <p:spTree>
-      <p:nvGrpSpPr>
-        <p:cNvPr id="1" name=""/>
-        <p:cNvGrpSpPr/>
-        <p:nvPr/>
-      </p:nvGrpSpPr>
-      <p:grpSpPr>
-        <a:xfrm>
-          <a:off x="0" y="0"/>
-          <a:ext cx="0" cy="0"/>
-          <a:chOff x="0" y="0"/>
-          <a:chExt cx="0" cy="0"/>
-        </a:xfrm>
-      </p:grpSpPr>
-      <p:sp>
-        <p:nvSpPr>
-          <p:cNvPr id="2" name="Title 1">
-            <a:extLst>
-              <a:ext uri="{FF2B5EF4-FFF2-40B4-BE49-F238E27FC236}">
-                <a16:creationId xmlns:a16="http://schemas.microsoft.com/office/drawing/2014/main" id="{7D4555F6-2504-EF48-ACC1-17B1C40B353D}"/>
-              </a:ext>
-            </a:extLst>
-          </p:cNvPr>
-          <p:cNvSpPr>
-            <a:spLocks noGrp="1"/>
-          </p:cNvSpPr>
-          <p:nvPr>
-            <p:ph type="title"/>
-          </p:nvPr>
-        </p:nvSpPr>
-        <p:spPr/>
-        <p:txBody>
-          <a:bodyPr/>
-          <a:lstStyle/>
-          <a:p>
-            <a:r>
-              <a:rPr lang="en-US" dirty="0"/>
-              <a:t>Cousins of the compiler</a:t>
-            </a:r>
-          </a:p>
-        </p:txBody>
-      </p:sp>
-      <p:sp>
-        <p:nvSpPr>
-          <p:cNvPr id="3" name="Content Placeholder 2">
-            <a:extLst>
-              <a:ext uri="{FF2B5EF4-FFF2-40B4-BE49-F238E27FC236}">
-                <a16:creationId xmlns:a16="http://schemas.microsoft.com/office/drawing/2014/main" id="{8AEC1A16-A4CF-0442-8AAE-45B818FFE3EF}"/>
-              </a:ext>
-            </a:extLst>
-          </p:cNvPr>
-          <p:cNvSpPr>
-            <a:spLocks noGrp="1"/>
-          </p:cNvSpPr>
-          <p:nvPr>
-            <p:ph idx="1"/>
-          </p:nvPr>
-        </p:nvSpPr>
-        <p:spPr/>
-        <p:txBody>
-          <a:bodyPr>
-            <a:normAutofit fontScale="92500" lnSpcReduction="10000"/>
-          </a:bodyPr>
-          <a:lstStyle/>
-          <a:p>
-            <a:r>
-              <a:rPr lang="en-US" dirty="0"/>
-              <a:t>“Smart” editors for structured languages; static checkers; pretty printers</a:t>
-            </a:r>
-          </a:p>
-          <a:p>
-            <a:r>
-              <a:rPr lang="en-US" dirty="0"/>
-              <a:t>Structured or semi-structured data</a:t>
-            </a:r>
-          </a:p>
-          <a:p>
-            <a:pPr lvl="1"/>
-            <a:r>
-              <a:rPr lang="en-US" dirty="0"/>
-              <a:t>Trees as data: s-expressions; XML</a:t>
-            </a:r>
-          </a:p>
-          <a:p>
-            <a:pPr lvl="1"/>
-            <a:r>
-              <a:rPr lang="en-US" dirty="0"/>
-              <a:t>query languages for databases: SQL</a:t>
-            </a:r>
-          </a:p>
-          <a:p>
-            <a:pPr indent="-257175">
-              <a:spcBef>
-                <a:spcPts val="420"/>
-              </a:spcBef>
-            </a:pPr>
-            <a:r>
-              <a:rPr lang="en-US" dirty="0"/>
-              <a:t>Interpreters (for PLs like lisp or scheme)</a:t>
-            </a:r>
-          </a:p>
-          <a:p>
-            <a:pPr lvl="1" indent="-257175">
-              <a:spcBef>
-                <a:spcPts val="420"/>
-              </a:spcBef>
-            </a:pPr>
-            <a:r>
-              <a:rPr lang="en-US" dirty="0"/>
-              <a:t>Scripting languages: </a:t>
-            </a:r>
-            <a:r>
-              <a:rPr lang="en-US" dirty="0" err="1"/>
-              <a:t>perl</a:t>
-            </a:r>
-            <a:r>
-              <a:rPr lang="en-US" dirty="0"/>
-              <a:t>, python, </a:t>
-            </a:r>
-            <a:r>
-              <a:rPr lang="en-US" dirty="0" err="1"/>
-              <a:t>tcl</a:t>
-            </a:r>
-            <a:r>
-              <a:rPr lang="en-US" dirty="0"/>
-              <a:t>/</a:t>
-            </a:r>
-            <a:r>
-              <a:rPr lang="en-US" dirty="0" err="1"/>
-              <a:t>tk</a:t>
-            </a:r>
-            <a:endParaRPr lang="en-US" dirty="0"/>
-          </a:p>
-          <a:p>
-            <a:pPr lvl="1" indent="-257175">
-              <a:spcBef>
-                <a:spcPts val="420"/>
-              </a:spcBef>
-            </a:pPr>
-            <a:r>
-              <a:rPr lang="en-US" dirty="0"/>
-              <a:t>Special scripting languages for applications</a:t>
-            </a:r>
-          </a:p>
-          <a:p>
-            <a:pPr lvl="1" indent="-257175">
-              <a:spcBef>
-                <a:spcPts val="420"/>
-              </a:spcBef>
-            </a:pPr>
-            <a:r>
-              <a:rPr lang="en-US" dirty="0"/>
-              <a:t>“Little” languages: awk, </a:t>
-            </a:r>
-            <a:r>
-              <a:rPr lang="en-US" dirty="0" err="1"/>
-              <a:t>eqn</a:t>
-            </a:r>
-            <a:r>
-              <a:rPr lang="en-US" dirty="0"/>
-              <a:t>, </a:t>
-            </a:r>
-            <a:r>
-              <a:rPr lang="en-US" dirty="0" err="1"/>
-              <a:t>troff</a:t>
-            </a:r>
-            <a:r>
-              <a:rPr lang="en-US" dirty="0"/>
-              <a:t>, </a:t>
-            </a:r>
-            <a:r>
-              <a:rPr lang="en-US" dirty="0" err="1"/>
-              <a:t>TeX</a:t>
-            </a:r>
-            <a:endParaRPr lang="en-US" dirty="0"/>
-          </a:p>
-          <a:p>
-            <a:pPr indent="-257175">
-              <a:spcBef>
-                <a:spcPts val="420"/>
-              </a:spcBef>
-            </a:pPr>
-            <a:r>
-              <a:rPr lang="en-US" dirty="0"/>
-              <a:t>Compiling to Bytecode (virtual machines)</a:t>
-            </a:r>
-          </a:p>
-        </p:txBody>
-      </p:sp>
-      <p:sp>
-        <p:nvSpPr>
-          <p:cNvPr id="4" name="Slide Number Placeholder 3">
-            <a:extLst>
-              <a:ext uri="{FF2B5EF4-FFF2-40B4-BE49-F238E27FC236}">
-                <a16:creationId xmlns:a16="http://schemas.microsoft.com/office/drawing/2014/main" id="{943A0960-C9CB-AD43-818A-079BF378F2E9}"/>
-              </a:ext>
-            </a:extLst>
-          </p:cNvPr>
-          <p:cNvSpPr>
-            <a:spLocks noGrp="1"/>
-          </p:cNvSpPr>
-          <p:nvPr>
-            <p:ph type="sldNum" sz="quarter" idx="12"/>
-          </p:nvPr>
-        </p:nvSpPr>
-        <p:spPr/>
-        <p:txBody>
-          <a:bodyPr/>
-          <a:lstStyle/>
-          <a:p>
-            <a:fld id="{7B252BF6-6A9C-D04A-BBE8-37A07D64A1C3}" type="slidenum">
-              <a:rPr lang="en-US" smtClean="0"/>
-              <a:t>4</a:t>
-            </a:fld>
-            <a:endParaRPr lang="en-US"/>
-          </a:p>
-        </p:txBody>
-      </p:sp>
-    </p:spTree>
-    <p:extLst>
-      <p:ext uri="{BB962C8B-B14F-4D97-AF65-F5344CB8AC3E}">
-        <p14:creationId xmlns:p14="http://schemas.microsoft.com/office/powerpoint/2010/main" val="2104955203"/>
-      </p:ext>
-    </p:extLst>
-  </p:cSld>
-  <p:clrMapOvr>
-    <a:masterClrMapping/>
-  </p:clrMapOvr>
+  <p:timing>
+    <p:tnLst>
+      <p:par>
+        <p:cTn id="1" dur="indefinite" restart="never" nodeType="tmRoot">
+          <p:childTnLst>
+            <p:seq concurrent="1" nextAc="seek">
+              <p:cTn id="2" dur="indefinite" nodeType="mainSeq">
+                <p:childTnLst>
+                  <p:par>
+                    <p:cTn id="3" fill="hold">
+                      <p:stCondLst>
+                        <p:cond delay="indefinite"/>
+                      </p:stCondLst>
+                      <p:childTnLst>
+                        <p:par>
+                          <p:cTn id="4" fill="hold">
+                            <p:stCondLst>
+                              <p:cond delay="0"/>
+                            </p:stCondLst>
+                            <p:childTnLst>
+                              <p:par>
+                                <p:cTn id="5" presetID="1" presetClass="entr" presetSubtype="0" fill="hold" grpId="0" nodeType="clickEffect">
+                                  <p:stCondLst>
+                                    <p:cond delay="0"/>
+                                  </p:stCondLst>
+                                  <p:childTnLst>
+                                    <p:set>
+                                      <p:cBhvr>
+                                        <p:cTn id="6" dur="1" fill="hold">
+                                          <p:stCondLst>
+                                            <p:cond delay="0"/>
+                                          </p:stCondLst>
+                                        </p:cTn>
+                                        <p:tgtEl>
+                                          <p:spTgt spid="193">
+                                            <p:txEl>
+                                              <p:pRg st="0" end="0"/>
+                                            </p:txEl>
+                                          </p:spTgt>
+                                        </p:tgtEl>
+                                        <p:attrNameLst>
+                                          <p:attrName>style.visibility</p:attrName>
+                                        </p:attrNameLst>
+                                      </p:cBhvr>
+                                      <p:to>
+                                        <p:strVal val="visible"/>
+                                      </p:to>
+                                    </p:set>
+                                  </p:childTnLst>
+                                </p:cTn>
+                              </p:par>
+                            </p:childTnLst>
+                          </p:cTn>
+                        </p:par>
+                      </p:childTnLst>
+                    </p:cTn>
+                  </p:par>
+                  <p:par>
+                    <p:cTn id="7" fill="hold">
+                      <p:stCondLst>
+                        <p:cond delay="indefinite"/>
+                      </p:stCondLst>
+                      <p:childTnLst>
+                        <p:par>
+                          <p:cTn id="8" fill="hold">
+                            <p:stCondLst>
+                              <p:cond delay="0"/>
+                            </p:stCondLst>
+                            <p:childTnLst>
+                              <p:par>
+                                <p:cTn id="9" presetID="1" presetClass="entr" presetSubtype="0" fill="hold" grpId="0" nodeType="clickEffect">
+                                  <p:stCondLst>
+                                    <p:cond delay="0"/>
+                                  </p:stCondLst>
+                                  <p:childTnLst>
+                                    <p:set>
+                                      <p:cBhvr>
+                                        <p:cTn id="10" dur="1" fill="hold">
+                                          <p:stCondLst>
+                                            <p:cond delay="0"/>
+                                          </p:stCondLst>
+                                        </p:cTn>
+                                        <p:tgtEl>
+                                          <p:spTgt spid="193">
+                                            <p:txEl>
+                                              <p:pRg st="1" end="1"/>
+                                            </p:txEl>
+                                          </p:spTgt>
+                                        </p:tgtEl>
+                                        <p:attrNameLst>
+                                          <p:attrName>style.visibility</p:attrName>
+                                        </p:attrNameLst>
+                                      </p:cBhvr>
+                                      <p:to>
+                                        <p:strVal val="visible"/>
+                                      </p:to>
+                                    </p:set>
+                                  </p:childTnLst>
+                                </p:cTn>
+                              </p:par>
+                            </p:childTnLst>
+                          </p:cTn>
+                        </p:par>
+                      </p:childTnLst>
+                    </p:cTn>
+                  </p:par>
+                  <p:par>
+                    <p:cTn id="11" fill="hold">
+                      <p:stCondLst>
+                        <p:cond delay="indefinite"/>
+                      </p:stCondLst>
+                      <p:childTnLst>
+                        <p:par>
+                          <p:cTn id="12" fill="hold">
+                            <p:stCondLst>
+                              <p:cond delay="0"/>
+                            </p:stCondLst>
+                            <p:childTnLst>
+                              <p:par>
+                                <p:cTn id="13" presetID="1" presetClass="entr" presetSubtype="0" fill="hold" grpId="0" nodeType="clickEffect">
+                                  <p:stCondLst>
+                                    <p:cond delay="0"/>
+                                  </p:stCondLst>
+                                  <p:childTnLst>
+                                    <p:set>
+                                      <p:cBhvr>
+                                        <p:cTn id="14" dur="1" fill="hold">
+                                          <p:stCondLst>
+                                            <p:cond delay="0"/>
+                                          </p:stCondLst>
+                                        </p:cTn>
+                                        <p:tgtEl>
+                                          <p:spTgt spid="193">
+                                            <p:txEl>
+                                              <p:pRg st="2" end="2"/>
+                                            </p:txEl>
+                                          </p:spTgt>
+                                        </p:tgtEl>
+                                        <p:attrNameLst>
+                                          <p:attrName>style.visibility</p:attrName>
+                                        </p:attrNameLst>
+                                      </p:cBhvr>
+                                      <p:to>
+                                        <p:strVal val="visible"/>
+                                      </p:to>
+                                    </p:set>
+                                  </p:childTnLst>
+                                </p:cTn>
+                              </p:par>
+                            </p:childTnLst>
+                          </p:cTn>
+                        </p:par>
+                      </p:childTnLst>
+                    </p:cTn>
+                  </p:par>
+                  <p:par>
+                    <p:cTn id="15" fill="hold">
+                      <p:stCondLst>
+                        <p:cond delay="indefinite"/>
+                      </p:stCondLst>
+                      <p:childTnLst>
+                        <p:par>
+                          <p:cTn id="16" fill="hold">
+                            <p:stCondLst>
+                              <p:cond delay="0"/>
+                            </p:stCondLst>
+                            <p:childTnLst>
+                              <p:par>
+                                <p:cTn id="17" presetID="1" presetClass="entr" presetSubtype="0" fill="hold" grpId="0" nodeType="clickEffect">
+                                  <p:stCondLst>
+                                    <p:cond delay="0"/>
+                                  </p:stCondLst>
+                                  <p:childTnLst>
+                                    <p:set>
+                                      <p:cBhvr>
+                                        <p:cTn id="18" dur="1" fill="hold">
+                                          <p:stCondLst>
+                                            <p:cond delay="0"/>
+                                          </p:stCondLst>
+                                        </p:cTn>
+                                        <p:tgtEl>
+                                          <p:spTgt spid="193">
+                                            <p:txEl>
+                                              <p:pRg st="3" end="3"/>
+                                            </p:txEl>
+                                          </p:spTgt>
+                                        </p:tgtEl>
+                                        <p:attrNameLst>
+                                          <p:attrName>style.visibility</p:attrName>
+                                        </p:attrNameLst>
+                                      </p:cBhvr>
+                                      <p:to>
+                                        <p:strVal val="visible"/>
+                                      </p:to>
+                                    </p:set>
+                                  </p:childTnLst>
+                                </p:cTn>
+                              </p:par>
+                              <p:par>
+                                <p:cTn id="19" presetID="1" presetClass="entr" presetSubtype="0" fill="hold" grpId="0" nodeType="withEffect">
+                                  <p:stCondLst>
+                                    <p:cond delay="0"/>
+                                  </p:stCondLst>
+                                  <p:childTnLst>
+                                    <p:set>
+                                      <p:cBhvr>
+                                        <p:cTn id="20" dur="1" fill="hold">
+                                          <p:stCondLst>
+                                            <p:cond delay="0"/>
+                                          </p:stCondLst>
+                                        </p:cTn>
+                                        <p:tgtEl>
+                                          <p:spTgt spid="193">
+                                            <p:txEl>
+                                              <p:pRg st="4" end="4"/>
+                                            </p:txEl>
+                                          </p:spTgt>
+                                        </p:tgtEl>
+                                        <p:attrNameLst>
+                                          <p:attrName>style.visibility</p:attrName>
+                                        </p:attrNameLst>
+                                      </p:cBhvr>
+                                      <p:to>
+                                        <p:strVal val="visible"/>
+                                      </p:to>
+                                    </p:set>
+                                  </p:childTnLst>
+                                </p:cTn>
+                              </p:par>
+                              <p:par>
+                                <p:cTn id="21" presetID="1" presetClass="entr" presetSubtype="0" fill="hold" grpId="0" nodeType="withEffect">
+                                  <p:stCondLst>
+                                    <p:cond delay="0"/>
+                                  </p:stCondLst>
+                                  <p:childTnLst>
+                                    <p:set>
+                                      <p:cBhvr>
+                                        <p:cTn id="22" dur="1" fill="hold">
+                                          <p:stCondLst>
+                                            <p:cond delay="0"/>
+                                          </p:stCondLst>
+                                        </p:cTn>
+                                        <p:tgtEl>
+                                          <p:spTgt spid="193">
+                                            <p:txEl>
+                                              <p:pRg st="5" end="5"/>
+                                            </p:txEl>
+                                          </p:spTgt>
+                                        </p:tgtEl>
+                                        <p:attrNameLst>
+                                          <p:attrName>style.visibility</p:attrName>
+                                        </p:attrNameLst>
+                                      </p:cBhvr>
+                                      <p:to>
+                                        <p:strVal val="visible"/>
+                                      </p:to>
+                                    </p:set>
+                                  </p:childTnLst>
+                                </p:cTn>
+                              </p:par>
+                              <p:par>
+                                <p:cTn id="23" presetID="1" presetClass="entr" presetSubtype="0" fill="hold" grpId="0" nodeType="withEffect">
+                                  <p:stCondLst>
+                                    <p:cond delay="0"/>
+                                  </p:stCondLst>
+                                  <p:childTnLst>
+                                    <p:set>
+                                      <p:cBhvr>
+                                        <p:cTn id="24" dur="1" fill="hold">
+                                          <p:stCondLst>
+                                            <p:cond delay="0"/>
+                                          </p:stCondLst>
+                                        </p:cTn>
+                                        <p:tgtEl>
+                                          <p:spTgt spid="193">
+                                            <p:txEl>
+                                              <p:pRg st="6" end="6"/>
+                                            </p:txEl>
+                                          </p:spTgt>
+                                        </p:tgtEl>
+                                        <p:attrNameLst>
+                                          <p:attrName>style.visibility</p:attrName>
+                                        </p:attrNameLst>
+                                      </p:cBhvr>
+                                      <p:to>
+                                        <p:strVal val="visible"/>
+                                      </p:to>
+                                    </p:set>
+                                  </p:childTnLst>
+                                </p:cTn>
+                              </p:par>
+                              <p:par>
+                                <p:cTn id="25" presetID="1" presetClass="entr" presetSubtype="0" fill="hold" grpId="0" nodeType="withEffect">
+                                  <p:stCondLst>
+                                    <p:cond delay="0"/>
+                                  </p:stCondLst>
+                                  <p:childTnLst>
+                                    <p:set>
+                                      <p:cBhvr>
+                                        <p:cTn id="26" dur="1" fill="hold">
+                                          <p:stCondLst>
+                                            <p:cond delay="0"/>
+                                          </p:stCondLst>
+                                        </p:cTn>
+                                        <p:tgtEl>
+                                          <p:spTgt spid="193">
+                                            <p:txEl>
+                                              <p:pRg st="7" end="7"/>
+                                            </p:txEl>
+                                          </p:spTgt>
+                                        </p:tgtEl>
+                                        <p:attrNameLst>
+                                          <p:attrName>style.visibility</p:attrName>
+                                        </p:attrNameLst>
+                                      </p:cBhvr>
+                                      <p:to>
+                                        <p:strVal val="visible"/>
+                                      </p:to>
+                                    </p:set>
+                                  </p:childTnLst>
+                                </p:cTn>
+                              </p:par>
+                            </p:childTnLst>
+                          </p:cTn>
+                        </p:par>
+                      </p:childTnLst>
+                    </p:cTn>
+                  </p:par>
+                </p:childTnLst>
+              </p:cTn>
+              <p:prevCondLst>
+                <p:cond evt="onPrev" delay="0">
+                  <p:tgtEl>
+                    <p:sldTgt/>
+                  </p:tgtEl>
+                </p:cond>
+              </p:prevCondLst>
+              <p:nextCondLst>
+                <p:cond evt="onNext" delay="0">
+                  <p:tgtEl>
+                    <p:sldTgt/>
+                  </p:tgtEl>
+                </p:cond>
+              </p:nextCondLst>
+            </p:seq>
+          </p:childTnLst>
+        </p:cTn>
+      </p:par>
+    </p:tnLst>
+    <p:bldLst>
+      <p:bldP spid="193" grpId="0" build="p"/>
+    </p:bldLst>
+  </p:timing>
 </p:sld>
 </file>
 
 <file path=ppt/slides/slide5.xml><?xml version="1.0" encoding="utf-8"?>
-<p:sld xmlns:a="http://schemas.openxmlformats.org/drawingml/2006/main" xmlns:r="http://schemas.openxmlformats.org/officeDocument/2006/relationships" xmlns:p="http://schemas.openxmlformats.org/presentationml/2006/main">
-  <p:cSld>
-    <p:spTree>
-      <p:nvGrpSpPr>
-        <p:cNvPr id="1" name="Shape 208"/>
-        <p:cNvGrpSpPr/>
-        <p:nvPr/>
-      </p:nvGrpSpPr>
-      <p:grpSpPr>
-        <a:xfrm>
-          <a:off x="0" y="0"/>
-          <a:ext cx="0" cy="0"/>
-          <a:chOff x="0" y="0"/>
-          <a:chExt cx="0" cy="0"/>
-        </a:xfrm>
-      </p:grpSpPr>
-      <p:sp>
-        <p:nvSpPr>
-          <p:cNvPr id="209" name="Shape 209"/>
-          <p:cNvSpPr txBox="1">
-            <a:spLocks noGrp="1"/>
-          </p:cNvSpPr>
-          <p:nvPr>
-            <p:ph type="sldNum" sz="quarter" idx="12"/>
-          </p:nvPr>
-        </p:nvSpPr>
-        <p:spPr>
-          <a:xfrm>
-            <a:off x="7497343" y="4663217"/>
-            <a:ext cx="411525" cy="393525"/>
-          </a:xfrm>
-          <a:prstGeom prst="rect">
-            <a:avLst/>
-          </a:prstGeom>
-          <a:noFill/>
-          <a:ln>
-            <a:noFill/>
-          </a:ln>
-        </p:spPr>
-        <p:txBody>
-          <a:bodyPr lIns="68569" tIns="34275" rIns="68569" bIns="34275" anchor="t" anchorCtr="0">
-            <a:noAutofit/>
-          </a:bodyPr>
-          <a:lstStyle/>
-          <a:p>
-            <a:fld id="{00000000-1234-1234-1234-123412341234}" type="slidenum">
-              <a:rPr lang="en-US">
-                <a:solidFill>
-                  <a:schemeClr val="dk2"/>
-                </a:solidFill>
-              </a:rPr>
-              <a:pPr/>
-              <a:t>5</a:t>
-            </a:fld>
-            <a:endParaRPr lang="en-US">
-              <a:solidFill>
-                <a:schemeClr val="dk2"/>
-              </a:solidFill>
-            </a:endParaRPr>
-          </a:p>
-        </p:txBody>
-      </p:sp>
-      <p:sp>
-        <p:nvSpPr>
-          <p:cNvPr id="210" name="Shape 210"/>
-          <p:cNvSpPr txBox="1"/>
-          <p:nvPr/>
-        </p:nvSpPr>
-        <p:spPr>
-          <a:xfrm>
-            <a:off x="2657476" y="1828800"/>
-            <a:ext cx="1028699" cy="350044"/>
-          </a:xfrm>
-          <a:prstGeom prst="rect">
-            <a:avLst/>
-          </a:prstGeom>
-          <a:solidFill>
-            <a:srgbClr val="00B0F0"/>
-          </a:solidFill>
-          <a:ln w="9525" cap="flat" cmpd="sng">
-            <a:solidFill>
-              <a:schemeClr val="dk1"/>
-            </a:solidFill>
-            <a:prstDash val="solid"/>
-            <a:miter/>
-            <a:headEnd type="none" w="med" len="med"/>
-            <a:tailEnd type="none" w="med" len="med"/>
-          </a:ln>
-        </p:spPr>
-        <p:txBody>
-          <a:bodyPr lIns="68569" tIns="34275" rIns="68569" bIns="34275" anchor="t" anchorCtr="0">
-            <a:noAutofit/>
-          </a:bodyPr>
-          <a:lstStyle/>
-          <a:p>
-            <a:pPr algn="ctr">
-              <a:buSzPct val="25000"/>
-            </a:pPr>
-            <a:r>
-              <a:rPr lang="en-US" sz="1800">
-                <a:solidFill>
-                  <a:schemeClr val="dk1"/>
-                </a:solidFill>
-                <a:latin typeface="Times New Roman"/>
-                <a:ea typeface="Times New Roman"/>
-                <a:cs typeface="Times New Roman"/>
-                <a:sym typeface="Times New Roman"/>
-              </a:rPr>
-              <a:t>Compiler</a:t>
-            </a:r>
-          </a:p>
-        </p:txBody>
-      </p:sp>
-      <p:sp>
-        <p:nvSpPr>
-          <p:cNvPr id="211" name="Shape 211"/>
-          <p:cNvSpPr txBox="1"/>
-          <p:nvPr/>
-        </p:nvSpPr>
-        <p:spPr>
-          <a:xfrm>
-            <a:off x="2657476" y="910828"/>
-            <a:ext cx="1028699" cy="350044"/>
-          </a:xfrm>
-          <a:prstGeom prst="rect">
-            <a:avLst/>
-          </a:prstGeom>
-          <a:solidFill>
-            <a:srgbClr val="00B0F0"/>
-          </a:solidFill>
-          <a:ln w="9525" cap="flat" cmpd="sng">
-            <a:solidFill>
-              <a:schemeClr val="dk1"/>
-            </a:solidFill>
-            <a:prstDash val="solid"/>
-            <a:miter/>
-            <a:headEnd type="none" w="med" len="med"/>
-            <a:tailEnd type="none" w="med" len="med"/>
-          </a:ln>
-        </p:spPr>
-        <p:txBody>
-          <a:bodyPr lIns="68569" tIns="34275" rIns="68569" bIns="34275" anchor="t" anchorCtr="0">
-            <a:noAutofit/>
-          </a:bodyPr>
-          <a:lstStyle/>
-          <a:p>
-            <a:pPr algn="ctr">
-              <a:buSzPct val="25000"/>
-            </a:pPr>
-            <a:r>
-              <a:rPr lang="en-US" sz="1800">
-                <a:solidFill>
-                  <a:schemeClr val="dk1"/>
-                </a:solidFill>
-                <a:latin typeface="Times New Roman"/>
-                <a:ea typeface="Times New Roman"/>
-                <a:cs typeface="Times New Roman"/>
-                <a:sym typeface="Times New Roman"/>
-              </a:rPr>
-              <a:t>Program</a:t>
-            </a:r>
-          </a:p>
-        </p:txBody>
-      </p:sp>
-      <p:sp>
-        <p:nvSpPr>
-          <p:cNvPr id="212" name="Shape 212"/>
-          <p:cNvSpPr txBox="1"/>
-          <p:nvPr/>
-        </p:nvSpPr>
-        <p:spPr>
-          <a:xfrm>
-            <a:off x="2657476" y="2746771"/>
-            <a:ext cx="1028699" cy="623888"/>
-          </a:xfrm>
-          <a:prstGeom prst="rect">
-            <a:avLst/>
-          </a:prstGeom>
-          <a:solidFill>
-            <a:srgbClr val="00B0F0"/>
-          </a:solidFill>
-          <a:ln w="9525" cap="flat" cmpd="sng">
-            <a:solidFill>
-              <a:schemeClr val="dk1"/>
-            </a:solidFill>
-            <a:prstDash val="solid"/>
-            <a:miter/>
-            <a:headEnd type="none" w="med" len="med"/>
-            <a:tailEnd type="none" w="med" len="med"/>
-          </a:ln>
-        </p:spPr>
-        <p:txBody>
-          <a:bodyPr lIns="68569" tIns="34275" rIns="68569" bIns="34275" anchor="t" anchorCtr="0">
-            <a:noAutofit/>
-          </a:bodyPr>
-          <a:lstStyle/>
-          <a:p>
-            <a:pPr algn="ctr">
-              <a:buSzPct val="25000"/>
-            </a:pPr>
-            <a:r>
-              <a:rPr lang="en-US" sz="1800">
-                <a:solidFill>
-                  <a:schemeClr val="dk1"/>
-                </a:solidFill>
-                <a:latin typeface="Times New Roman"/>
-                <a:ea typeface="Times New Roman"/>
-                <a:cs typeface="Times New Roman"/>
-                <a:sym typeface="Times New Roman"/>
-              </a:rPr>
-              <a:t>Machine Code</a:t>
-            </a:r>
-          </a:p>
-        </p:txBody>
-      </p:sp>
-      <p:sp>
-        <p:nvSpPr>
-          <p:cNvPr id="213" name="Shape 213"/>
-          <p:cNvSpPr txBox="1"/>
-          <p:nvPr/>
-        </p:nvSpPr>
-        <p:spPr>
-          <a:xfrm>
-            <a:off x="2657476" y="3939778"/>
-            <a:ext cx="1028699" cy="350044"/>
-          </a:xfrm>
-          <a:prstGeom prst="rect">
-            <a:avLst/>
-          </a:prstGeom>
-          <a:solidFill>
-            <a:srgbClr val="00B0F0"/>
-          </a:solidFill>
-          <a:ln w="9525" cap="flat" cmpd="sng">
-            <a:solidFill>
-              <a:schemeClr val="dk1"/>
-            </a:solidFill>
-            <a:prstDash val="solid"/>
-            <a:miter/>
-            <a:headEnd type="none" w="med" len="med"/>
-            <a:tailEnd type="none" w="med" len="med"/>
-          </a:ln>
-        </p:spPr>
-        <p:txBody>
-          <a:bodyPr lIns="68569" tIns="34275" rIns="68569" bIns="34275" anchor="t" anchorCtr="0">
-            <a:noAutofit/>
-          </a:bodyPr>
-          <a:lstStyle/>
-          <a:p>
-            <a:pPr algn="ctr">
-              <a:buSzPct val="25000"/>
-            </a:pPr>
-            <a:r>
-              <a:rPr lang="en-US" sz="1800">
-                <a:solidFill>
-                  <a:schemeClr val="dk1"/>
-                </a:solidFill>
-                <a:latin typeface="Times New Roman"/>
-                <a:ea typeface="Times New Roman"/>
-                <a:cs typeface="Times New Roman"/>
-                <a:sym typeface="Times New Roman"/>
-              </a:rPr>
-              <a:t>Runtime</a:t>
-            </a:r>
-          </a:p>
-        </p:txBody>
-      </p:sp>
-      <p:cxnSp>
-        <p:nvCxnSpPr>
-          <p:cNvPr id="214" name="Shape 214"/>
-          <p:cNvCxnSpPr>
-            <a:stCxn id="211" idx="2"/>
-            <a:endCxn id="210" idx="0"/>
-          </p:cNvCxnSpPr>
-          <p:nvPr/>
-        </p:nvCxnSpPr>
-        <p:spPr>
-          <a:xfrm>
-            <a:off x="3171824" y="1260872"/>
-            <a:ext cx="0" cy="567900"/>
-          </a:xfrm>
-          <a:prstGeom prst="straightConnector1">
-            <a:avLst/>
-          </a:prstGeom>
-          <a:noFill/>
-          <a:ln w="9525" cap="flat" cmpd="sng">
-            <a:solidFill>
-              <a:schemeClr val="dk1"/>
-            </a:solidFill>
-            <a:prstDash val="solid"/>
-            <a:round/>
-            <a:headEnd type="none" w="med" len="med"/>
-            <a:tailEnd type="triangle" w="lg" len="lg"/>
-          </a:ln>
-        </p:spPr>
-      </p:cxnSp>
-      <p:cxnSp>
-        <p:nvCxnSpPr>
-          <p:cNvPr id="215" name="Shape 215"/>
-          <p:cNvCxnSpPr>
-            <a:stCxn id="210" idx="2"/>
-            <a:endCxn id="212" idx="0"/>
-          </p:cNvCxnSpPr>
-          <p:nvPr/>
-        </p:nvCxnSpPr>
-        <p:spPr>
-          <a:xfrm>
-            <a:off x="3171824" y="2178844"/>
-            <a:ext cx="0" cy="567899"/>
-          </a:xfrm>
-          <a:prstGeom prst="straightConnector1">
-            <a:avLst/>
-          </a:prstGeom>
-          <a:noFill/>
-          <a:ln w="9525" cap="flat" cmpd="sng">
-            <a:solidFill>
-              <a:schemeClr val="dk1"/>
-            </a:solidFill>
-            <a:prstDash val="solid"/>
-            <a:round/>
-            <a:headEnd type="none" w="med" len="med"/>
-            <a:tailEnd type="triangle" w="lg" len="lg"/>
-          </a:ln>
-        </p:spPr>
-      </p:cxnSp>
-      <p:cxnSp>
-        <p:nvCxnSpPr>
-          <p:cNvPr id="216" name="Shape 216"/>
-          <p:cNvCxnSpPr>
-            <a:stCxn id="212" idx="2"/>
-            <a:endCxn id="213" idx="0"/>
-          </p:cNvCxnSpPr>
-          <p:nvPr/>
-        </p:nvCxnSpPr>
-        <p:spPr>
-          <a:xfrm>
-            <a:off x="3171824" y="3370659"/>
-            <a:ext cx="0" cy="569025"/>
-          </a:xfrm>
-          <a:prstGeom prst="straightConnector1">
-            <a:avLst/>
-          </a:prstGeom>
-          <a:noFill/>
-          <a:ln w="9525" cap="flat" cmpd="sng">
-            <a:solidFill>
-              <a:schemeClr val="dk1"/>
-            </a:solidFill>
-            <a:prstDash val="solid"/>
-            <a:round/>
-            <a:headEnd type="none" w="med" len="med"/>
-            <a:tailEnd type="triangle" w="lg" len="lg"/>
-          </a:ln>
-        </p:spPr>
-      </p:cxnSp>
-      <p:sp>
-        <p:nvSpPr>
-          <p:cNvPr id="217" name="Shape 217"/>
-          <p:cNvSpPr txBox="1"/>
-          <p:nvPr/>
-        </p:nvSpPr>
-        <p:spPr>
-          <a:xfrm>
-            <a:off x="1314450" y="3943350"/>
-            <a:ext cx="620316" cy="342900"/>
-          </a:xfrm>
-          <a:prstGeom prst="rect">
-            <a:avLst/>
-          </a:prstGeom>
-          <a:noFill/>
-          <a:ln>
-            <a:noFill/>
-          </a:ln>
-        </p:spPr>
-        <p:txBody>
-          <a:bodyPr lIns="68569" tIns="34275" rIns="68569" bIns="34275" anchor="t" anchorCtr="0">
-            <a:noAutofit/>
-          </a:bodyPr>
-          <a:lstStyle/>
-          <a:p>
-            <a:pPr>
-              <a:buSzPct val="25000"/>
-            </a:pPr>
-            <a:r>
-              <a:rPr lang="en-US" sz="1800">
-                <a:solidFill>
-                  <a:schemeClr val="dk1"/>
-                </a:solidFill>
-                <a:latin typeface="Times New Roman"/>
-                <a:ea typeface="Times New Roman"/>
-                <a:cs typeface="Times New Roman"/>
-                <a:sym typeface="Times New Roman"/>
-              </a:rPr>
-              <a:t>Input</a:t>
-            </a:r>
-          </a:p>
-        </p:txBody>
-      </p:sp>
-      <p:sp>
-        <p:nvSpPr>
-          <p:cNvPr id="218" name="Shape 218"/>
-          <p:cNvSpPr txBox="1"/>
-          <p:nvPr/>
-        </p:nvSpPr>
-        <p:spPr>
-          <a:xfrm>
-            <a:off x="4286251" y="3943350"/>
-            <a:ext cx="772715" cy="342900"/>
-          </a:xfrm>
-          <a:prstGeom prst="rect">
-            <a:avLst/>
-          </a:prstGeom>
-          <a:noFill/>
-          <a:ln>
-            <a:noFill/>
-          </a:ln>
-        </p:spPr>
-        <p:txBody>
-          <a:bodyPr lIns="68569" tIns="34275" rIns="68569" bIns="34275" anchor="t" anchorCtr="0">
-            <a:noAutofit/>
-          </a:bodyPr>
-          <a:lstStyle/>
-          <a:p>
-            <a:pPr>
-              <a:buSzPct val="25000"/>
-            </a:pPr>
-            <a:r>
-              <a:rPr lang="en-US" sz="1800">
-                <a:solidFill>
-                  <a:schemeClr val="dk1"/>
-                </a:solidFill>
-                <a:latin typeface="Times New Roman"/>
-                <a:ea typeface="Times New Roman"/>
-                <a:cs typeface="Times New Roman"/>
-                <a:sym typeface="Times New Roman"/>
-              </a:rPr>
-              <a:t>Output</a:t>
-            </a:r>
-          </a:p>
-        </p:txBody>
-      </p:sp>
-      <p:cxnSp>
-        <p:nvCxnSpPr>
-          <p:cNvPr id="219" name="Shape 219"/>
-          <p:cNvCxnSpPr>
-            <a:stCxn id="217" idx="3"/>
-            <a:endCxn id="213" idx="1"/>
-          </p:cNvCxnSpPr>
-          <p:nvPr/>
-        </p:nvCxnSpPr>
-        <p:spPr>
-          <a:xfrm>
-            <a:off x="1934766" y="4114800"/>
-            <a:ext cx="722700" cy="0"/>
-          </a:xfrm>
-          <a:prstGeom prst="straightConnector1">
-            <a:avLst/>
-          </a:prstGeom>
-          <a:noFill/>
-          <a:ln w="9525" cap="flat" cmpd="sng">
-            <a:solidFill>
-              <a:schemeClr val="dk1"/>
-            </a:solidFill>
-            <a:prstDash val="solid"/>
-            <a:round/>
-            <a:headEnd type="none" w="med" len="med"/>
-            <a:tailEnd type="triangle" w="lg" len="lg"/>
-          </a:ln>
-        </p:spPr>
-      </p:cxnSp>
-      <p:cxnSp>
-        <p:nvCxnSpPr>
-          <p:cNvPr id="220" name="Shape 220"/>
-          <p:cNvCxnSpPr>
-            <a:stCxn id="213" idx="3"/>
-            <a:endCxn id="218" idx="1"/>
-          </p:cNvCxnSpPr>
-          <p:nvPr/>
-        </p:nvCxnSpPr>
-        <p:spPr>
-          <a:xfrm>
-            <a:off x="3686174" y="4114800"/>
-            <a:ext cx="600075" cy="0"/>
-          </a:xfrm>
-          <a:prstGeom prst="straightConnector1">
-            <a:avLst/>
-          </a:prstGeom>
-          <a:noFill/>
-          <a:ln w="9525" cap="flat" cmpd="sng">
-            <a:solidFill>
-              <a:schemeClr val="dk1"/>
-            </a:solidFill>
-            <a:prstDash val="solid"/>
-            <a:round/>
-            <a:headEnd type="none" w="med" len="med"/>
-            <a:tailEnd type="triangle" w="lg" len="lg"/>
-          </a:ln>
-        </p:spPr>
-      </p:cxnSp>
-      <p:sp>
-        <p:nvSpPr>
-          <p:cNvPr id="221" name="Shape 221"/>
-          <p:cNvSpPr txBox="1"/>
-          <p:nvPr/>
-        </p:nvSpPr>
-        <p:spPr>
-          <a:xfrm>
-            <a:off x="5314951" y="2171700"/>
-            <a:ext cx="1257299" cy="350044"/>
-          </a:xfrm>
-          <a:prstGeom prst="rect">
-            <a:avLst/>
-          </a:prstGeom>
-          <a:solidFill>
-            <a:srgbClr val="00B0F0"/>
-          </a:solidFill>
-          <a:ln w="9525" cap="flat" cmpd="sng">
-            <a:solidFill>
-              <a:schemeClr val="dk1"/>
-            </a:solidFill>
-            <a:prstDash val="solid"/>
-            <a:miter/>
-            <a:headEnd type="none" w="med" len="med"/>
-            <a:tailEnd type="none" w="med" len="med"/>
-          </a:ln>
-        </p:spPr>
-        <p:txBody>
-          <a:bodyPr lIns="68569" tIns="34275" rIns="68569" bIns="34275" anchor="t" anchorCtr="0">
-            <a:noAutofit/>
-          </a:bodyPr>
-          <a:lstStyle/>
-          <a:p>
-            <a:pPr algn="ctr">
-              <a:buSzPct val="25000"/>
-            </a:pPr>
-            <a:r>
-              <a:rPr lang="en-US" sz="1800">
-                <a:solidFill>
-                  <a:schemeClr val="dk1"/>
-                </a:solidFill>
-                <a:latin typeface="Times New Roman"/>
-                <a:ea typeface="Times New Roman"/>
-                <a:cs typeface="Times New Roman"/>
-                <a:sym typeface="Times New Roman"/>
-              </a:rPr>
-              <a:t>Interpreter</a:t>
-            </a:r>
-          </a:p>
-        </p:txBody>
-      </p:sp>
-      <p:sp>
-        <p:nvSpPr>
-          <p:cNvPr id="222" name="Shape 222"/>
-          <p:cNvSpPr txBox="1"/>
-          <p:nvPr/>
-        </p:nvSpPr>
-        <p:spPr>
-          <a:xfrm>
-            <a:off x="5429251" y="1257300"/>
-            <a:ext cx="1028699" cy="350044"/>
-          </a:xfrm>
-          <a:prstGeom prst="rect">
-            <a:avLst/>
-          </a:prstGeom>
-          <a:solidFill>
-            <a:srgbClr val="00B0F0"/>
-          </a:solidFill>
-          <a:ln w="9525" cap="flat" cmpd="sng">
-            <a:solidFill>
-              <a:schemeClr val="dk1"/>
-            </a:solidFill>
-            <a:prstDash val="solid"/>
-            <a:miter/>
-            <a:headEnd type="none" w="med" len="med"/>
-            <a:tailEnd type="none" w="med" len="med"/>
-          </a:ln>
-        </p:spPr>
-        <p:txBody>
-          <a:bodyPr lIns="68569" tIns="34275" rIns="68569" bIns="34275" anchor="t" anchorCtr="0">
-            <a:noAutofit/>
-          </a:bodyPr>
-          <a:lstStyle/>
-          <a:p>
-            <a:pPr algn="ctr">
-              <a:buSzPct val="25000"/>
-            </a:pPr>
-            <a:r>
-              <a:rPr lang="en-US" sz="1800" dirty="0">
-                <a:solidFill>
-                  <a:schemeClr val="dk1"/>
-                </a:solidFill>
-                <a:latin typeface="Times New Roman"/>
-                <a:ea typeface="Times New Roman"/>
-                <a:cs typeface="Times New Roman"/>
-                <a:sym typeface="Times New Roman"/>
-              </a:rPr>
-              <a:t>Program</a:t>
-            </a:r>
-          </a:p>
-        </p:txBody>
-      </p:sp>
-      <p:cxnSp>
-        <p:nvCxnSpPr>
-          <p:cNvPr id="223" name="Shape 223"/>
-          <p:cNvCxnSpPr>
-            <a:stCxn id="222" idx="2"/>
-          </p:cNvCxnSpPr>
-          <p:nvPr/>
-        </p:nvCxnSpPr>
-        <p:spPr>
-          <a:xfrm>
-            <a:off x="5943599" y="1607344"/>
-            <a:ext cx="0" cy="567900"/>
-          </a:xfrm>
-          <a:prstGeom prst="straightConnector1">
-            <a:avLst/>
-          </a:prstGeom>
-          <a:noFill/>
-          <a:ln w="9525" cap="flat" cmpd="sng">
-            <a:solidFill>
-              <a:schemeClr val="dk1"/>
-            </a:solidFill>
-            <a:prstDash val="solid"/>
-            <a:round/>
-            <a:headEnd type="none" w="med" len="med"/>
-            <a:tailEnd type="triangle" w="lg" len="lg"/>
-          </a:ln>
-        </p:spPr>
-      </p:cxnSp>
-      <p:sp>
-        <p:nvSpPr>
-          <p:cNvPr id="224" name="Shape 224"/>
-          <p:cNvSpPr txBox="1"/>
-          <p:nvPr/>
-        </p:nvSpPr>
-        <p:spPr>
-          <a:xfrm>
-            <a:off x="4229100" y="2175272"/>
-            <a:ext cx="620316" cy="342900"/>
-          </a:xfrm>
-          <a:prstGeom prst="rect">
-            <a:avLst/>
-          </a:prstGeom>
-          <a:noFill/>
-          <a:ln>
-            <a:noFill/>
-          </a:ln>
-        </p:spPr>
-        <p:txBody>
-          <a:bodyPr lIns="68569" tIns="34275" rIns="68569" bIns="34275" anchor="t" anchorCtr="0">
-            <a:noAutofit/>
-          </a:bodyPr>
-          <a:lstStyle/>
-          <a:p>
-            <a:pPr>
-              <a:buSzPct val="25000"/>
-            </a:pPr>
-            <a:r>
-              <a:rPr lang="en-US" sz="1800">
-                <a:solidFill>
-                  <a:schemeClr val="dk1"/>
-                </a:solidFill>
-                <a:latin typeface="Times New Roman"/>
-                <a:ea typeface="Times New Roman"/>
-                <a:cs typeface="Times New Roman"/>
-                <a:sym typeface="Times New Roman"/>
-              </a:rPr>
-              <a:t>Input</a:t>
-            </a:r>
-          </a:p>
-        </p:txBody>
-      </p:sp>
-      <p:cxnSp>
-        <p:nvCxnSpPr>
-          <p:cNvPr id="225" name="Shape 225"/>
-          <p:cNvCxnSpPr>
-            <a:stCxn id="224" idx="3"/>
-            <a:endCxn id="221" idx="1"/>
-          </p:cNvCxnSpPr>
-          <p:nvPr/>
-        </p:nvCxnSpPr>
-        <p:spPr>
-          <a:xfrm>
-            <a:off x="4849416" y="2346722"/>
-            <a:ext cx="465525" cy="0"/>
-          </a:xfrm>
-          <a:prstGeom prst="straightConnector1">
-            <a:avLst/>
-          </a:prstGeom>
-          <a:noFill/>
-          <a:ln w="9525" cap="flat" cmpd="sng">
-            <a:solidFill>
-              <a:schemeClr val="dk1"/>
-            </a:solidFill>
-            <a:prstDash val="solid"/>
-            <a:round/>
-            <a:headEnd type="none" w="med" len="med"/>
-            <a:tailEnd type="triangle" w="lg" len="lg"/>
-          </a:ln>
-        </p:spPr>
-      </p:cxnSp>
-      <p:sp>
-        <p:nvSpPr>
-          <p:cNvPr id="226" name="Shape 226"/>
-          <p:cNvSpPr txBox="1"/>
-          <p:nvPr/>
-        </p:nvSpPr>
-        <p:spPr>
-          <a:xfrm>
-            <a:off x="7029451" y="2175272"/>
-            <a:ext cx="772715" cy="342900"/>
-          </a:xfrm>
-          <a:prstGeom prst="rect">
-            <a:avLst/>
-          </a:prstGeom>
-          <a:noFill/>
-          <a:ln>
-            <a:noFill/>
-          </a:ln>
-        </p:spPr>
-        <p:txBody>
-          <a:bodyPr lIns="68569" tIns="34275" rIns="68569" bIns="34275" anchor="t" anchorCtr="0">
-            <a:noAutofit/>
-          </a:bodyPr>
-          <a:lstStyle/>
-          <a:p>
-            <a:pPr>
-              <a:buSzPct val="25000"/>
-            </a:pPr>
-            <a:r>
-              <a:rPr lang="en-US" sz="1800">
-                <a:solidFill>
-                  <a:schemeClr val="dk1"/>
-                </a:solidFill>
-                <a:latin typeface="Times New Roman"/>
-                <a:ea typeface="Times New Roman"/>
-                <a:cs typeface="Times New Roman"/>
-                <a:sym typeface="Times New Roman"/>
-              </a:rPr>
-              <a:t>Output</a:t>
-            </a:r>
-          </a:p>
-        </p:txBody>
-      </p:sp>
-      <p:cxnSp>
-        <p:nvCxnSpPr>
-          <p:cNvPr id="227" name="Shape 227"/>
-          <p:cNvCxnSpPr>
-            <a:stCxn id="221" idx="3"/>
-            <a:endCxn id="226" idx="1"/>
-          </p:cNvCxnSpPr>
-          <p:nvPr/>
-        </p:nvCxnSpPr>
-        <p:spPr>
-          <a:xfrm>
-            <a:off x="6572249" y="2346722"/>
-            <a:ext cx="457200" cy="0"/>
-          </a:xfrm>
-          <a:prstGeom prst="straightConnector1">
-            <a:avLst/>
-          </a:prstGeom>
-          <a:noFill/>
-          <a:ln w="9525" cap="flat" cmpd="sng">
-            <a:solidFill>
-              <a:schemeClr val="dk1"/>
-            </a:solidFill>
-            <a:prstDash val="solid"/>
-            <a:round/>
-            <a:headEnd type="none" w="med" len="med"/>
-            <a:tailEnd type="triangle" w="lg" len="lg"/>
-          </a:ln>
-        </p:spPr>
-      </p:cxnSp>
-      <p:sp>
-        <p:nvSpPr>
-          <p:cNvPr id="228" name="Shape 228"/>
-          <p:cNvSpPr txBox="1"/>
-          <p:nvPr/>
-        </p:nvSpPr>
-        <p:spPr>
-          <a:xfrm>
-            <a:off x="2842023" y="4457700"/>
-            <a:ext cx="658415" cy="342900"/>
-          </a:xfrm>
-          <a:prstGeom prst="rect">
-            <a:avLst/>
-          </a:prstGeom>
-          <a:noFill/>
-          <a:ln>
-            <a:noFill/>
-          </a:ln>
-        </p:spPr>
-        <p:txBody>
-          <a:bodyPr lIns="68569" tIns="34275" rIns="68569" bIns="34275" anchor="t" anchorCtr="0">
-            <a:noAutofit/>
-          </a:bodyPr>
-          <a:lstStyle/>
-          <a:p>
-            <a:pPr>
-              <a:buSzPct val="25000"/>
-            </a:pPr>
-            <a:r>
-              <a:rPr lang="en-US" sz="1800" u="sng">
-                <a:solidFill>
-                  <a:schemeClr val="dk1"/>
-                </a:solidFill>
-                <a:latin typeface="Times New Roman"/>
-                <a:ea typeface="Times New Roman"/>
-                <a:cs typeface="Times New Roman"/>
-                <a:sym typeface="Times New Roman"/>
-              </a:rPr>
-              <a:t>Static</a:t>
-            </a:r>
-          </a:p>
-        </p:txBody>
-      </p:sp>
-      <p:sp>
-        <p:nvSpPr>
-          <p:cNvPr id="229" name="Shape 229"/>
-          <p:cNvSpPr txBox="1"/>
-          <p:nvPr/>
-        </p:nvSpPr>
-        <p:spPr>
-          <a:xfrm>
-            <a:off x="5455444" y="2857500"/>
-            <a:ext cx="976312" cy="342900"/>
-          </a:xfrm>
-          <a:prstGeom prst="rect">
-            <a:avLst/>
-          </a:prstGeom>
-          <a:noFill/>
-          <a:ln>
-            <a:noFill/>
-          </a:ln>
-        </p:spPr>
-        <p:txBody>
-          <a:bodyPr lIns="68569" tIns="34275" rIns="68569" bIns="34275" anchor="t" anchorCtr="0">
-            <a:noAutofit/>
-          </a:bodyPr>
-          <a:lstStyle/>
-          <a:p>
-            <a:pPr>
-              <a:buSzPct val="25000"/>
-            </a:pPr>
-            <a:r>
-              <a:rPr lang="en-US" sz="1800" u="sng">
-                <a:solidFill>
-                  <a:schemeClr val="dk1"/>
-                </a:solidFill>
-                <a:latin typeface="Times New Roman"/>
-                <a:ea typeface="Times New Roman"/>
-                <a:cs typeface="Times New Roman"/>
-                <a:sym typeface="Times New Roman"/>
-              </a:rPr>
-              <a:t>Dynamic</a:t>
-            </a:r>
-          </a:p>
-        </p:txBody>
-      </p:sp>
-    </p:spTree>
-  </p:cSld>
-  <p:clrMapOvr>
-    <a:masterClrMapping/>
-  </p:clrMapOvr>
-</p:sld>
-</file>
-
-<file path=ppt/slides/slide6.xml><?xml version="1.0" encoding="utf-8"?>
-<p:sld xmlns:a="http://schemas.openxmlformats.org/drawingml/2006/main" xmlns:r="http://schemas.openxmlformats.org/officeDocument/2006/relationships" xmlns:p="http://schemas.openxmlformats.org/presentationml/2006/main">
-  <p:cSld>
-    <p:spTree>
-      <p:nvGrpSpPr>
-        <p:cNvPr id="1" name="Shape 235"/>
-        <p:cNvGrpSpPr/>
-        <p:nvPr/>
-      </p:nvGrpSpPr>
-      <p:grpSpPr>
-        <a:xfrm>
-          <a:off x="0" y="0"/>
-          <a:ext cx="0" cy="0"/>
-          <a:chOff x="0" y="0"/>
-          <a:chExt cx="0" cy="0"/>
-        </a:xfrm>
-      </p:grpSpPr>
-      <p:sp>
-        <p:nvSpPr>
-          <p:cNvPr id="236" name="Shape 236"/>
-          <p:cNvSpPr txBox="1">
-            <a:spLocks noGrp="1"/>
-          </p:cNvSpPr>
-          <p:nvPr>
-            <p:ph type="sldNum" sz="quarter" idx="12"/>
-          </p:nvPr>
-        </p:nvSpPr>
-        <p:spPr>
-          <a:xfrm>
-            <a:off x="7497343" y="4663217"/>
-            <a:ext cx="411525" cy="393525"/>
-          </a:xfrm>
-          <a:prstGeom prst="rect">
-            <a:avLst/>
-          </a:prstGeom>
-          <a:noFill/>
-          <a:ln>
-            <a:noFill/>
-          </a:ln>
-        </p:spPr>
-        <p:txBody>
-          <a:bodyPr lIns="68569" tIns="34275" rIns="68569" bIns="34275" anchor="t" anchorCtr="0">
-            <a:noAutofit/>
-          </a:bodyPr>
-          <a:lstStyle/>
-          <a:p>
-            <a:fld id="{00000000-1234-1234-1234-123412341234}" type="slidenum">
-              <a:rPr lang="en-US">
-                <a:solidFill>
-                  <a:schemeClr val="dk2"/>
-                </a:solidFill>
-              </a:rPr>
-              <a:pPr/>
-              <a:t>6</a:t>
-            </a:fld>
-            <a:endParaRPr lang="en-US">
-              <a:solidFill>
-                <a:schemeClr val="dk2"/>
-              </a:solidFill>
-            </a:endParaRPr>
-          </a:p>
-        </p:txBody>
-      </p:sp>
-      <p:sp>
-        <p:nvSpPr>
-          <p:cNvPr id="237" name="Shape 237"/>
-          <p:cNvSpPr txBox="1"/>
-          <p:nvPr/>
-        </p:nvSpPr>
-        <p:spPr>
-          <a:xfrm>
-            <a:off x="3695866" y="3967701"/>
-            <a:ext cx="1559719" cy="342900"/>
-          </a:xfrm>
-          <a:prstGeom prst="rect">
-            <a:avLst/>
-          </a:prstGeom>
-          <a:noFill/>
-          <a:ln>
-            <a:noFill/>
-          </a:ln>
-        </p:spPr>
-        <p:txBody>
-          <a:bodyPr lIns="68569" tIns="34275" rIns="68569" bIns="34275" anchor="t" anchorCtr="0">
-            <a:noAutofit/>
-          </a:bodyPr>
-          <a:lstStyle/>
-          <a:p>
-            <a:pPr>
-              <a:buSzPct val="25000"/>
-            </a:pPr>
-            <a:r>
-              <a:rPr lang="en-US" sz="1800" u="sng">
-                <a:solidFill>
-                  <a:schemeClr val="dk1"/>
-                </a:solidFill>
-                <a:latin typeface="Times New Roman"/>
-                <a:ea typeface="Times New Roman"/>
-                <a:cs typeface="Times New Roman"/>
-                <a:sym typeface="Times New Roman"/>
-              </a:rPr>
-              <a:t>Static/Dynamic</a:t>
-            </a:r>
-          </a:p>
-        </p:txBody>
-      </p:sp>
-      <p:sp>
-        <p:nvSpPr>
-          <p:cNvPr id="238" name="Shape 238"/>
-          <p:cNvSpPr txBox="1"/>
-          <p:nvPr/>
-        </p:nvSpPr>
-        <p:spPr>
-          <a:xfrm>
-            <a:off x="3901844" y="1624551"/>
-            <a:ext cx="1148953" cy="350044"/>
-          </a:xfrm>
-          <a:prstGeom prst="rect">
-            <a:avLst/>
-          </a:prstGeom>
-          <a:solidFill>
-            <a:srgbClr val="00B0F0"/>
-          </a:solidFill>
-          <a:ln w="9525" cap="flat" cmpd="sng">
-            <a:solidFill>
-              <a:schemeClr val="dk1"/>
-            </a:solidFill>
-            <a:prstDash val="solid"/>
-            <a:miter/>
-            <a:headEnd type="none" w="med" len="med"/>
-            <a:tailEnd type="none" w="med" len="med"/>
-          </a:ln>
-        </p:spPr>
-        <p:txBody>
-          <a:bodyPr lIns="68569" tIns="34275" rIns="68569" bIns="34275" anchor="t" anchorCtr="0">
-            <a:noAutofit/>
-          </a:bodyPr>
-          <a:lstStyle/>
-          <a:p>
-            <a:pPr algn="ctr">
-              <a:buSzPct val="25000"/>
-            </a:pPr>
-            <a:r>
-              <a:rPr lang="en-US" sz="1800">
-                <a:solidFill>
-                  <a:schemeClr val="dk1"/>
-                </a:solidFill>
-                <a:latin typeface="Times New Roman"/>
-                <a:ea typeface="Times New Roman"/>
-                <a:cs typeface="Times New Roman"/>
-                <a:sym typeface="Times New Roman"/>
-              </a:rPr>
-              <a:t>Translator</a:t>
-            </a:r>
-          </a:p>
-        </p:txBody>
-      </p:sp>
-      <p:sp>
-        <p:nvSpPr>
-          <p:cNvPr id="239" name="Shape 239"/>
-          <p:cNvSpPr txBox="1"/>
-          <p:nvPr/>
-        </p:nvSpPr>
-        <p:spPr>
-          <a:xfrm>
-            <a:off x="3961376" y="881601"/>
-            <a:ext cx="1028699" cy="350044"/>
-          </a:xfrm>
-          <a:prstGeom prst="rect">
-            <a:avLst/>
-          </a:prstGeom>
-          <a:solidFill>
-            <a:srgbClr val="00B0F0"/>
-          </a:solidFill>
-          <a:ln w="9525" cap="flat" cmpd="sng">
-            <a:solidFill>
-              <a:schemeClr val="dk1"/>
-            </a:solidFill>
-            <a:prstDash val="solid"/>
-            <a:miter/>
-            <a:headEnd type="none" w="med" len="med"/>
-            <a:tailEnd type="none" w="med" len="med"/>
-          </a:ln>
-        </p:spPr>
-        <p:txBody>
-          <a:bodyPr lIns="68569" tIns="34275" rIns="68569" bIns="34275" anchor="t" anchorCtr="0">
-            <a:noAutofit/>
-          </a:bodyPr>
-          <a:lstStyle/>
-          <a:p>
-            <a:pPr algn="ctr">
-              <a:buSzPct val="25000"/>
-            </a:pPr>
-            <a:r>
-              <a:rPr lang="en-US" sz="1800" dirty="0">
-                <a:solidFill>
-                  <a:schemeClr val="dk1"/>
-                </a:solidFill>
-                <a:latin typeface="Times New Roman"/>
-                <a:ea typeface="Times New Roman"/>
-                <a:cs typeface="Times New Roman"/>
-                <a:sym typeface="Times New Roman"/>
-              </a:rPr>
-              <a:t>Program</a:t>
-            </a:r>
-          </a:p>
-        </p:txBody>
-      </p:sp>
-      <p:sp>
-        <p:nvSpPr>
-          <p:cNvPr id="240" name="Shape 240"/>
-          <p:cNvSpPr txBox="1"/>
-          <p:nvPr/>
-        </p:nvSpPr>
-        <p:spPr>
-          <a:xfrm>
-            <a:off x="3961376" y="2367501"/>
-            <a:ext cx="1028699" cy="350044"/>
-          </a:xfrm>
-          <a:prstGeom prst="rect">
-            <a:avLst/>
-          </a:prstGeom>
-          <a:solidFill>
-            <a:srgbClr val="00B0F0"/>
-          </a:solidFill>
-          <a:ln w="9525" cap="flat" cmpd="sng">
-            <a:solidFill>
-              <a:schemeClr val="dk1"/>
-            </a:solidFill>
-            <a:prstDash val="solid"/>
-            <a:miter/>
-            <a:headEnd type="none" w="med" len="med"/>
-            <a:tailEnd type="none" w="med" len="med"/>
-          </a:ln>
-        </p:spPr>
-        <p:txBody>
-          <a:bodyPr lIns="68569" tIns="34275" rIns="68569" bIns="34275" anchor="t" anchorCtr="0">
-            <a:noAutofit/>
-          </a:bodyPr>
-          <a:lstStyle/>
-          <a:p>
-            <a:pPr algn="ctr">
-              <a:buSzPct val="25000"/>
-            </a:pPr>
-            <a:r>
-              <a:rPr lang="en-US" sz="1800">
-                <a:solidFill>
-                  <a:schemeClr val="dk1"/>
-                </a:solidFill>
-                <a:latin typeface="Times New Roman"/>
-                <a:ea typeface="Times New Roman"/>
-                <a:cs typeface="Times New Roman"/>
-                <a:sym typeface="Times New Roman"/>
-              </a:rPr>
-              <a:t>Bytecode</a:t>
-            </a:r>
-          </a:p>
-        </p:txBody>
-      </p:sp>
-      <p:sp>
-        <p:nvSpPr>
-          <p:cNvPr id="241" name="Shape 241"/>
-          <p:cNvSpPr txBox="1"/>
-          <p:nvPr/>
-        </p:nvSpPr>
-        <p:spPr>
-          <a:xfrm>
-            <a:off x="3589901" y="3164029"/>
-            <a:ext cx="1771650" cy="350044"/>
-          </a:xfrm>
-          <a:prstGeom prst="rect">
-            <a:avLst/>
-          </a:prstGeom>
-          <a:solidFill>
-            <a:srgbClr val="00B0F0"/>
-          </a:solidFill>
-          <a:ln w="9525" cap="flat" cmpd="sng">
-            <a:solidFill>
-              <a:schemeClr val="dk1"/>
-            </a:solidFill>
-            <a:prstDash val="solid"/>
-            <a:miter/>
-            <a:headEnd type="none" w="med" len="med"/>
-            <a:tailEnd type="none" w="med" len="med"/>
-          </a:ln>
-        </p:spPr>
-        <p:txBody>
-          <a:bodyPr lIns="68569" tIns="34275" rIns="68569" bIns="34275" anchor="t" anchorCtr="0">
-            <a:noAutofit/>
-          </a:bodyPr>
-          <a:lstStyle/>
-          <a:p>
-            <a:pPr algn="ctr">
-              <a:buSzPct val="25000"/>
-            </a:pPr>
-            <a:r>
-              <a:rPr lang="en-US" sz="1800">
-                <a:solidFill>
-                  <a:schemeClr val="dk1"/>
-                </a:solidFill>
-                <a:latin typeface="Times New Roman"/>
-                <a:ea typeface="Times New Roman"/>
-                <a:cs typeface="Times New Roman"/>
-                <a:sym typeface="Times New Roman"/>
-              </a:rPr>
-              <a:t>Virtual Machine</a:t>
-            </a:r>
-          </a:p>
-        </p:txBody>
-      </p:sp>
-      <p:cxnSp>
-        <p:nvCxnSpPr>
-          <p:cNvPr id="242" name="Shape 242"/>
-          <p:cNvCxnSpPr>
-            <a:stCxn id="239" idx="2"/>
-            <a:endCxn id="238" idx="0"/>
-          </p:cNvCxnSpPr>
-          <p:nvPr/>
-        </p:nvCxnSpPr>
-        <p:spPr>
-          <a:xfrm>
-            <a:off x="4475725" y="1231645"/>
-            <a:ext cx="675" cy="392850"/>
-          </a:xfrm>
-          <a:prstGeom prst="straightConnector1">
-            <a:avLst/>
-          </a:prstGeom>
-          <a:noFill/>
-          <a:ln w="9525" cap="flat" cmpd="sng">
-            <a:solidFill>
-              <a:schemeClr val="dk1"/>
-            </a:solidFill>
-            <a:prstDash val="solid"/>
-            <a:round/>
-            <a:headEnd type="none" w="med" len="med"/>
-            <a:tailEnd type="triangle" w="lg" len="lg"/>
-          </a:ln>
-        </p:spPr>
-      </p:cxnSp>
-      <p:cxnSp>
-        <p:nvCxnSpPr>
-          <p:cNvPr id="243" name="Shape 243"/>
-          <p:cNvCxnSpPr>
-            <a:stCxn id="238" idx="2"/>
-            <a:endCxn id="240" idx="0"/>
-          </p:cNvCxnSpPr>
-          <p:nvPr/>
-        </p:nvCxnSpPr>
-        <p:spPr>
-          <a:xfrm flipH="1">
-            <a:off x="4475646" y="1974595"/>
-            <a:ext cx="675" cy="392850"/>
-          </a:xfrm>
-          <a:prstGeom prst="straightConnector1">
-            <a:avLst/>
-          </a:prstGeom>
-          <a:noFill/>
-          <a:ln w="9525" cap="flat" cmpd="sng">
-            <a:solidFill>
-              <a:schemeClr val="dk1"/>
-            </a:solidFill>
-            <a:prstDash val="solid"/>
-            <a:round/>
-            <a:headEnd type="none" w="med" len="med"/>
-            <a:tailEnd type="triangle" w="lg" len="lg"/>
-          </a:ln>
-        </p:spPr>
-      </p:cxnSp>
-      <p:cxnSp>
-        <p:nvCxnSpPr>
-          <p:cNvPr id="244" name="Shape 244"/>
-          <p:cNvCxnSpPr>
-            <a:stCxn id="240" idx="2"/>
-            <a:endCxn id="241" idx="0"/>
-          </p:cNvCxnSpPr>
-          <p:nvPr/>
-        </p:nvCxnSpPr>
-        <p:spPr>
-          <a:xfrm>
-            <a:off x="4475725" y="2717545"/>
-            <a:ext cx="0" cy="446399"/>
-          </a:xfrm>
-          <a:prstGeom prst="straightConnector1">
-            <a:avLst/>
-          </a:prstGeom>
-          <a:noFill/>
-          <a:ln w="9525" cap="flat" cmpd="sng">
-            <a:solidFill>
-              <a:schemeClr val="dk1"/>
-            </a:solidFill>
-            <a:prstDash val="solid"/>
-            <a:round/>
-            <a:headEnd type="none" w="med" len="med"/>
-            <a:tailEnd type="triangle" w="lg" len="lg"/>
-          </a:ln>
-        </p:spPr>
-      </p:cxnSp>
-      <p:sp>
-        <p:nvSpPr>
-          <p:cNvPr id="245" name="Shape 245"/>
-          <p:cNvSpPr txBox="1"/>
-          <p:nvPr/>
-        </p:nvSpPr>
-        <p:spPr>
-          <a:xfrm>
-            <a:off x="2481429" y="3167601"/>
-            <a:ext cx="620316" cy="342900"/>
-          </a:xfrm>
-          <a:prstGeom prst="rect">
-            <a:avLst/>
-          </a:prstGeom>
-          <a:noFill/>
-          <a:ln>
-            <a:noFill/>
-          </a:ln>
-        </p:spPr>
-        <p:txBody>
-          <a:bodyPr lIns="68569" tIns="34275" rIns="68569" bIns="34275" anchor="t" anchorCtr="0">
-            <a:noAutofit/>
-          </a:bodyPr>
-          <a:lstStyle/>
-          <a:p>
-            <a:pPr>
-              <a:buSzPct val="25000"/>
-            </a:pPr>
-            <a:r>
-              <a:rPr lang="en-US" sz="1800">
-                <a:solidFill>
-                  <a:schemeClr val="dk1"/>
-                </a:solidFill>
-                <a:latin typeface="Times New Roman"/>
-                <a:ea typeface="Times New Roman"/>
-                <a:cs typeface="Times New Roman"/>
-                <a:sym typeface="Times New Roman"/>
-              </a:rPr>
-              <a:t>Input</a:t>
-            </a:r>
-          </a:p>
-        </p:txBody>
-      </p:sp>
-      <p:sp>
-        <p:nvSpPr>
-          <p:cNvPr id="246" name="Shape 246"/>
-          <p:cNvSpPr txBox="1"/>
-          <p:nvPr/>
-        </p:nvSpPr>
-        <p:spPr>
-          <a:xfrm>
-            <a:off x="5567529" y="3167601"/>
-            <a:ext cx="772715" cy="342900"/>
-          </a:xfrm>
-          <a:prstGeom prst="rect">
-            <a:avLst/>
-          </a:prstGeom>
-          <a:noFill/>
-          <a:ln>
-            <a:noFill/>
-          </a:ln>
-        </p:spPr>
-        <p:txBody>
-          <a:bodyPr lIns="68569" tIns="34275" rIns="68569" bIns="34275" anchor="t" anchorCtr="0">
-            <a:noAutofit/>
-          </a:bodyPr>
-          <a:lstStyle/>
-          <a:p>
-            <a:pPr>
-              <a:buSzPct val="25000"/>
-            </a:pPr>
-            <a:r>
-              <a:rPr lang="en-US" sz="1800">
-                <a:solidFill>
-                  <a:schemeClr val="dk1"/>
-                </a:solidFill>
-                <a:latin typeface="Times New Roman"/>
-                <a:ea typeface="Times New Roman"/>
-                <a:cs typeface="Times New Roman"/>
-                <a:sym typeface="Times New Roman"/>
-              </a:rPr>
-              <a:t>Output</a:t>
-            </a:r>
-          </a:p>
-        </p:txBody>
-      </p:sp>
-      <p:cxnSp>
-        <p:nvCxnSpPr>
-          <p:cNvPr id="247" name="Shape 247"/>
-          <p:cNvCxnSpPr>
-            <a:stCxn id="245" idx="3"/>
-            <a:endCxn id="241" idx="1"/>
-          </p:cNvCxnSpPr>
-          <p:nvPr/>
-        </p:nvCxnSpPr>
-        <p:spPr>
-          <a:xfrm>
-            <a:off x="3101745" y="3339051"/>
-            <a:ext cx="488250" cy="0"/>
-          </a:xfrm>
-          <a:prstGeom prst="straightConnector1">
-            <a:avLst/>
-          </a:prstGeom>
-          <a:noFill/>
-          <a:ln w="9525" cap="flat" cmpd="sng">
-            <a:solidFill>
-              <a:schemeClr val="dk1"/>
-            </a:solidFill>
-            <a:prstDash val="solid"/>
-            <a:round/>
-            <a:headEnd type="none" w="med" len="med"/>
-            <a:tailEnd type="triangle" w="lg" len="lg"/>
-          </a:ln>
-        </p:spPr>
-      </p:cxnSp>
-      <p:cxnSp>
-        <p:nvCxnSpPr>
-          <p:cNvPr id="248" name="Shape 248"/>
-          <p:cNvCxnSpPr>
-            <a:stCxn id="241" idx="3"/>
-            <a:endCxn id="246" idx="1"/>
-          </p:cNvCxnSpPr>
-          <p:nvPr/>
-        </p:nvCxnSpPr>
-        <p:spPr>
-          <a:xfrm>
-            <a:off x="5361551" y="3339051"/>
-            <a:ext cx="205875" cy="0"/>
-          </a:xfrm>
-          <a:prstGeom prst="straightConnector1">
-            <a:avLst/>
-          </a:prstGeom>
-          <a:noFill/>
-          <a:ln w="9525" cap="flat" cmpd="sng">
-            <a:solidFill>
-              <a:schemeClr val="dk1"/>
-            </a:solidFill>
-            <a:prstDash val="solid"/>
-            <a:round/>
-            <a:headEnd type="none" w="med" len="med"/>
-            <a:tailEnd type="triangle" w="lg" len="lg"/>
-          </a:ln>
-        </p:spPr>
-      </p:cxnSp>
-    </p:spTree>
-  </p:cSld>
-  <p:clrMapOvr>
-    <a:masterClrMapping/>
-  </p:clrMapOvr>
-</p:sld>
-</file>
-
-<file path=ppt/slides/slide7.xml><?xml version="1.0" encoding="utf-8"?>
-<p:sld xmlns:a="http://schemas.openxmlformats.org/drawingml/2006/main" xmlns:r="http://schemas.openxmlformats.org/officeDocument/2006/relationships" xmlns:p="http://schemas.openxmlformats.org/presentationml/2006/main">
-  <p:cSld>
-    <p:spTree>
-      <p:nvGrpSpPr>
-        <p:cNvPr id="1" name="Shape 254"/>
-        <p:cNvGrpSpPr/>
-        <p:nvPr/>
-      </p:nvGrpSpPr>
-      <p:grpSpPr>
-        <a:xfrm>
-          <a:off x="0" y="0"/>
-          <a:ext cx="0" cy="0"/>
-          <a:chOff x="0" y="0"/>
-          <a:chExt cx="0" cy="0"/>
-        </a:xfrm>
-      </p:grpSpPr>
-      <p:sp>
-        <p:nvSpPr>
-          <p:cNvPr id="255" name="Shape 255"/>
-          <p:cNvSpPr txBox="1">
-            <a:spLocks noGrp="1"/>
-          </p:cNvSpPr>
-          <p:nvPr>
-            <p:ph type="sldNum" sz="quarter" idx="12"/>
-          </p:nvPr>
-        </p:nvSpPr>
-        <p:spPr>
-          <a:xfrm>
-            <a:off x="7497343" y="4663217"/>
-            <a:ext cx="411525" cy="393525"/>
-          </a:xfrm>
-          <a:prstGeom prst="rect">
-            <a:avLst/>
-          </a:prstGeom>
-          <a:noFill/>
-          <a:ln>
-            <a:noFill/>
-          </a:ln>
-        </p:spPr>
-        <p:txBody>
-          <a:bodyPr lIns="68569" tIns="34275" rIns="68569" bIns="34275" anchor="t" anchorCtr="0">
-            <a:noAutofit/>
-          </a:bodyPr>
-          <a:lstStyle/>
-          <a:p>
-            <a:fld id="{00000000-1234-1234-1234-123412341234}" type="slidenum">
-              <a:rPr lang="en-US">
-                <a:solidFill>
-                  <a:schemeClr val="dk2"/>
-                </a:solidFill>
-              </a:rPr>
-              <a:pPr/>
-              <a:t>7</a:t>
-            </a:fld>
-            <a:endParaRPr lang="en-US">
-              <a:solidFill>
-                <a:schemeClr val="dk2"/>
-              </a:solidFill>
-            </a:endParaRPr>
-          </a:p>
-        </p:txBody>
-      </p:sp>
-      <p:pic>
-        <p:nvPicPr>
-          <p:cNvPr id="256" name="Shape 256"/>
-          <p:cNvPicPr preferRelativeResize="0"/>
-          <p:nvPr/>
-        </p:nvPicPr>
-        <p:blipFill rotWithShape="1">
-          <a:blip r:embed="rId3">
-            <a:alphaModFix/>
-          </a:blip>
-          <a:srcRect/>
-          <a:stretch/>
-        </p:blipFill>
-        <p:spPr>
-          <a:xfrm>
-            <a:off x="957138" y="1564419"/>
-            <a:ext cx="7229723" cy="2014662"/>
-          </a:xfrm>
-          <a:prstGeom prst="rect">
-            <a:avLst/>
-          </a:prstGeom>
-          <a:noFill/>
-          <a:ln>
-            <a:noFill/>
-          </a:ln>
-        </p:spPr>
-      </p:pic>
-    </p:spTree>
-  </p:cSld>
-  <p:clrMapOvr>
-    <a:masterClrMapping/>
-  </p:clrMapOvr>
-</p:sld>
-</file>
-
-<file path=ppt/slides/slide8.xml><?xml version="1.0" encoding="utf-8"?>
 <p:sld xmlns:a="http://schemas.openxmlformats.org/drawingml/2006/main" xmlns:r="http://schemas.openxmlformats.org/officeDocument/2006/relationships" xmlns:p="http://schemas.openxmlformats.org/presentationml/2006/main">
   <p:cSld>
     <p:spTree>
@@ -9133,7 +9330,7 @@
                 </a:solidFill>
               </a:rPr>
               <a:pPr/>
-              <a:t>8</a:t>
+              <a:t>5</a:t>
             </a:fld>
             <a:endParaRPr lang="en-US">
               <a:solidFill>
@@ -9172,117 +9369,58 @@
       </p:pic>
       <p:sp>
         <p:nvSpPr>
-          <p:cNvPr id="2" name="TextBox 1">
+          <p:cNvPr id="3" name="Rounded Rectangular Callout 2">
             <a:extLst>
               <a:ext uri="{FF2B5EF4-FFF2-40B4-BE49-F238E27FC236}">
-                <a16:creationId xmlns:a16="http://schemas.microsoft.com/office/drawing/2014/main" id="{EC186DD3-601D-694A-B36A-261CF3169DC1}"/>
+                <a16:creationId xmlns:a16="http://schemas.microsoft.com/office/drawing/2014/main" id="{CC9A5A2C-EF2A-DC49-9223-1FA99ECFD90E}"/>
               </a:ext>
             </a:extLst>
           </p:cNvPr>
-          <p:cNvSpPr txBox="1"/>
+          <p:cNvSpPr/>
           <p:nvPr/>
         </p:nvSpPr>
         <p:spPr>
           <a:xfrm>
-            <a:off x="2544040" y="1044253"/>
-            <a:ext cx="4055919" cy="461665"/>
+            <a:off x="6304157" y="2148468"/>
+            <a:ext cx="906965" cy="475785"/>
           </a:xfrm>
-          <a:prstGeom prst="rect">
-            <a:avLst/>
+          <a:prstGeom prst="wedgeRoundRectCallout">
+            <a:avLst>
+              <a:gd name="adj1" fmla="val -40505"/>
+              <a:gd name="adj2" fmla="val 78125"/>
+              <a:gd name="adj3" fmla="val 16667"/>
+            </a:avLst>
           </a:prstGeom>
-          <a:noFill/>
         </p:spPr>
+        <p:style>
+          <a:lnRef idx="2">
+            <a:schemeClr val="accent1">
+              <a:shade val="50000"/>
+            </a:schemeClr>
+          </a:lnRef>
+          <a:fillRef idx="1">
+            <a:schemeClr val="accent1"/>
+          </a:fillRef>
+          <a:effectRef idx="0">
+            <a:schemeClr val="accent1"/>
+          </a:effectRef>
+          <a:fontRef idx="minor">
+            <a:schemeClr val="lt1"/>
+          </a:fontRef>
+        </p:style>
         <p:txBody>
-          <a:bodyPr wrap="none" rtlCol="0">
-            <a:spAutoFit/>
-          </a:bodyPr>
+          <a:bodyPr rtlCol="0" anchor="ctr"/>
           <a:lstStyle/>
           <a:p>
+            <a:pPr algn="ctr"/>
             <a:r>
-              <a:rPr lang="en-US" sz="2400" dirty="0">
-                <a:solidFill>
-                  <a:schemeClr val="dk2"/>
-                </a:solidFill>
-                <a:latin typeface="Courier New"/>
-                <a:ea typeface="Courier New"/>
-                <a:cs typeface="Courier New"/>
-                <a:sym typeface="Courier New"/>
-              </a:rPr>
-              <a:t>as, </a:t>
+              <a:rPr lang="en-US" dirty="0" err="1"/>
+              <a:t>dylib.zip</a:t>
             </a:r>
             <a:r>
-              <a:rPr lang="en-US" sz="2400" dirty="0" err="1">
-                <a:solidFill>
-                  <a:schemeClr val="dk2"/>
-                </a:solidFill>
-                <a:latin typeface="Courier New"/>
-                <a:ea typeface="Courier New"/>
-                <a:cs typeface="Courier New"/>
-                <a:sym typeface="Courier New"/>
-              </a:rPr>
-              <a:t>ar</a:t>
+              <a:rPr lang="en-US" dirty="0"/>
+              <a:t> demo</a:t>
             </a:r>
-            <a:r>
-              <a:rPr lang="en-US" sz="2400" dirty="0">
-                <a:solidFill>
-                  <a:schemeClr val="dk2"/>
-                </a:solidFill>
-                <a:latin typeface="Courier New"/>
-                <a:ea typeface="Courier New"/>
-                <a:cs typeface="Courier New"/>
-                <a:sym typeface="Courier New"/>
-              </a:rPr>
-              <a:t>, </a:t>
-            </a:r>
-            <a:r>
-              <a:rPr lang="en-US" sz="2400" dirty="0" err="1">
-                <a:solidFill>
-                  <a:schemeClr val="dk2"/>
-                </a:solidFill>
-                <a:latin typeface="Courier New"/>
-                <a:ea typeface="Courier New"/>
-                <a:cs typeface="Courier New"/>
-                <a:sym typeface="Courier New"/>
-              </a:rPr>
-              <a:t>ranlib</a:t>
-            </a:r>
-            <a:r>
-              <a:rPr lang="en-US" sz="2400" dirty="0">
-                <a:solidFill>
-                  <a:schemeClr val="dk2"/>
-                </a:solidFill>
-                <a:latin typeface="Courier New"/>
-                <a:ea typeface="Courier New"/>
-                <a:cs typeface="Courier New"/>
-                <a:sym typeface="Courier New"/>
-              </a:rPr>
-              <a:t>, </a:t>
-            </a:r>
-            <a:r>
-              <a:rPr lang="en-US" sz="2400" dirty="0" err="1">
-                <a:solidFill>
-                  <a:schemeClr val="dk2"/>
-                </a:solidFill>
-                <a:latin typeface="Courier New"/>
-                <a:ea typeface="Courier New"/>
-                <a:cs typeface="Courier New"/>
-                <a:sym typeface="Courier New"/>
-              </a:rPr>
-              <a:t>ld</a:t>
-            </a:r>
-            <a:r>
-              <a:rPr lang="en-US" sz="2400" dirty="0">
-                <a:solidFill>
-                  <a:schemeClr val="dk2"/>
-                </a:solidFill>
-                <a:latin typeface="Courier New"/>
-                <a:ea typeface="Courier New"/>
-                <a:cs typeface="Courier New"/>
-                <a:sym typeface="Courier New"/>
-              </a:rPr>
-              <a:t>, …</a:t>
-            </a:r>
-            <a:endParaRPr lang="en-US" sz="2400" dirty="0"/>
           </a:p>
         </p:txBody>
       </p:sp>
@@ -9291,10 +9429,88 @@
   <p:clrMapOvr>
     <a:masterClrMapping/>
   </p:clrMapOvr>
+  <p:timing>
+    <p:tnLst>
+      <p:par>
+        <p:cTn id="1" dur="indefinite" restart="never" nodeType="tmRoot">
+          <p:childTnLst>
+            <p:seq concurrent="1" nextAc="seek">
+              <p:cTn id="2" dur="indefinite" nodeType="mainSeq">
+                <p:childTnLst>
+                  <p:par>
+                    <p:cTn id="3" fill="hold">
+                      <p:stCondLst>
+                        <p:cond delay="indefinite"/>
+                      </p:stCondLst>
+                      <p:childTnLst>
+                        <p:par>
+                          <p:cTn id="4" fill="hold">
+                            <p:stCondLst>
+                              <p:cond delay="0"/>
+                            </p:stCondLst>
+                            <p:childTnLst>
+                              <p:par>
+                                <p:cTn id="5" presetID="1" presetClass="entr" presetSubtype="0" fill="hold" grpId="0" nodeType="clickEffect">
+                                  <p:stCondLst>
+                                    <p:cond delay="0"/>
+                                  </p:stCondLst>
+                                  <p:childTnLst>
+                                    <p:set>
+                                      <p:cBhvr>
+                                        <p:cTn id="6" dur="1" fill="hold">
+                                          <p:stCondLst>
+                                            <p:cond delay="0"/>
+                                          </p:stCondLst>
+                                        </p:cTn>
+                                        <p:tgtEl>
+                                          <p:spTgt spid="3"/>
+                                        </p:tgtEl>
+                                        <p:attrNameLst>
+                                          <p:attrName>style.visibility</p:attrName>
+                                        </p:attrNameLst>
+                                      </p:cBhvr>
+                                      <p:to>
+                                        <p:strVal val="visible"/>
+                                      </p:to>
+                                    </p:set>
+                                  </p:childTnLst>
+                                </p:cTn>
+                              </p:par>
+                            </p:childTnLst>
+                          </p:cTn>
+                        </p:par>
+                      </p:childTnLst>
+                    </p:cTn>
+                  </p:par>
+                </p:childTnLst>
+              </p:cTn>
+              <p:prevCondLst>
+                <p:cond evt="onPrev" delay="0">
+                  <p:tgtEl>
+                    <p:sldTgt/>
+                  </p:tgtEl>
+                </p:cond>
+              </p:prevCondLst>
+              <p:nextCondLst>
+                <p:cond evt="onNext" delay="0">
+                  <p:tgtEl>
+                    <p:sldTgt/>
+                  </p:tgtEl>
+                </p:cond>
+              </p:nextCondLst>
+            </p:seq>
+          </p:childTnLst>
+        </p:cTn>
+      </p:par>
+    </p:tnLst>
+    <p:bldLst>
+      <p:bldP spid="3" grpId="0" animBg="1"/>
+    </p:bldLst>
+  </p:timing>
 </p:sld>
 </file>
 
-<file path=ppt/slides/slide9.xml><?xml version="1.0" encoding="utf-8"?>
+<file path=ppt/slides/slide6.xml><?xml version="1.0" encoding="utf-8"?>
 <p:sld xmlns:a="http://schemas.openxmlformats.org/drawingml/2006/main" xmlns:r="http://schemas.openxmlformats.org/officeDocument/2006/relationships" xmlns:p="http://schemas.openxmlformats.org/presentationml/2006/main">
   <p:cSld>
     <p:spTree>
@@ -9369,45 +9585,87 @@
               <a:rPr lang="en-US" dirty="0"/>
               <a:t>Machine code at the beginning</a:t>
             </a:r>
-          </a:p>
-          <a:p>
-            <a:pPr indent="-257175"/>
+            <a:endParaRPr lang="en-CA" dirty="0"/>
+          </a:p>
+          <a:p>
+            <a:pPr indent="-257175">
+              <a:spcBef>
+                <a:spcPts val="0"/>
+              </a:spcBef>
+            </a:pPr>
             <a:r>
               <a:rPr lang="en-US" dirty="0"/>
               <a:t>Make a simple subset of the language, write a compiler for it</a:t>
             </a:r>
-          </a:p>
-          <a:p>
-            <a:pPr indent="-257175"/>
+            <a:endParaRPr lang="en-CA" dirty="0"/>
+          </a:p>
+          <a:p>
+            <a:pPr indent="-257175">
+              <a:spcBef>
+                <a:spcPts val="0"/>
+              </a:spcBef>
+            </a:pPr>
             <a:r>
               <a:rPr lang="en-US" dirty="0"/>
               <a:t>Use that subset for the rest of the language definition</a:t>
             </a:r>
-          </a:p>
-          <a:p>
-            <a:pPr indent="-257175"/>
+            <a:endParaRPr lang="en-CA" dirty="0"/>
+          </a:p>
+          <a:p>
+            <a:pPr indent="-257175">
+              <a:spcBef>
+                <a:spcPts val="0"/>
+              </a:spcBef>
+            </a:pPr>
             <a:r>
               <a:rPr lang="en-US" dirty="0"/>
               <a:t>Bootstrap from a simpler language</a:t>
             </a:r>
-          </a:p>
-          <a:p>
-            <a:pPr>
+            <a:endParaRPr lang="en-CA" dirty="0"/>
+          </a:p>
+          <a:p>
+            <a:pPr indent="-257175">
               <a:spcBef>
-                <a:spcPts val="420"/>
+                <a:spcPts val="0"/>
               </a:spcBef>
-              <a:buSzPct val="87500"/>
             </a:pPr>
             <a:r>
               <a:rPr lang="en-US" dirty="0"/>
-              <a:t>Interpreters</a:t>
+              <a:t>Interpreters: write it in a lower level language, </a:t>
             </a:r>
           </a:p>
           <a:p>
-            <a:pPr indent="-257175"/>
+            <a:pPr lvl="1" indent="-257175">
+              <a:spcBef>
+                <a:spcPts val="0"/>
+              </a:spcBef>
+            </a:pPr>
+            <a:r>
+              <a:rPr lang="en-US" dirty="0"/>
+              <a:t>e.g. Python interpreter is written in C</a:t>
+            </a:r>
+            <a:endParaRPr lang="en-CA" dirty="0"/>
+          </a:p>
+          <a:p>
+            <a:pPr indent="-257175">
+              <a:spcBef>
+                <a:spcPts val="0"/>
+              </a:spcBef>
+            </a:pPr>
             <a:r>
               <a:rPr lang="en-US" dirty="0"/>
               <a:t>Cross compilation</a:t>
+            </a:r>
+          </a:p>
+          <a:p>
+            <a:pPr lvl="1" indent="-257175">
+              <a:spcBef>
+                <a:spcPts val="0"/>
+              </a:spcBef>
+            </a:pPr>
+            <a:r>
+              <a:rPr lang="en-US" dirty="0"/>
+              <a:t>generate ARM executables with compiler running on x86</a:t>
             </a:r>
           </a:p>
         </p:txBody>
@@ -9435,7 +9693,7 @@
           <a:p>
             <a:fld id="{7B252BF6-6A9C-D04A-BBE8-37A07D64A1C3}" type="slidenum">
               <a:rPr lang="en-US" smtClean="0"/>
-              <a:t>9</a:t>
+              <a:t>6</a:t>
             </a:fld>
             <a:endParaRPr lang="en-US"/>
           </a:p>
@@ -9451,6 +9709,947 @@
   <p:clrMapOvr>
     <a:masterClrMapping/>
   </p:clrMapOvr>
+  <p:timing>
+    <p:tnLst>
+      <p:par>
+        <p:cTn id="1" dur="indefinite" restart="never" nodeType="tmRoot">
+          <p:childTnLst>
+            <p:seq concurrent="1" nextAc="seek">
+              <p:cTn id="2" dur="indefinite" nodeType="mainSeq">
+                <p:childTnLst>
+                  <p:par>
+                    <p:cTn id="3" fill="hold">
+                      <p:stCondLst>
+                        <p:cond delay="indefinite"/>
+                      </p:stCondLst>
+                      <p:childTnLst>
+                        <p:par>
+                          <p:cTn id="4" fill="hold">
+                            <p:stCondLst>
+                              <p:cond delay="0"/>
+                            </p:stCondLst>
+                            <p:childTnLst>
+                              <p:par>
+                                <p:cTn id="5" presetID="1" presetClass="entr" presetSubtype="0" fill="hold" grpId="0" nodeType="clickEffect">
+                                  <p:stCondLst>
+                                    <p:cond delay="0"/>
+                                  </p:stCondLst>
+                                  <p:childTnLst>
+                                    <p:set>
+                                      <p:cBhvr>
+                                        <p:cTn id="6" dur="1" fill="hold">
+                                          <p:stCondLst>
+                                            <p:cond delay="0"/>
+                                          </p:stCondLst>
+                                        </p:cTn>
+                                        <p:tgtEl>
+                                          <p:spTgt spid="3">
+                                            <p:txEl>
+                                              <p:pRg st="0" end="0"/>
+                                            </p:txEl>
+                                          </p:spTgt>
+                                        </p:tgtEl>
+                                        <p:attrNameLst>
+                                          <p:attrName>style.visibility</p:attrName>
+                                        </p:attrNameLst>
+                                      </p:cBhvr>
+                                      <p:to>
+                                        <p:strVal val="visible"/>
+                                      </p:to>
+                                    </p:set>
+                                  </p:childTnLst>
+                                </p:cTn>
+                              </p:par>
+                            </p:childTnLst>
+                          </p:cTn>
+                        </p:par>
+                      </p:childTnLst>
+                    </p:cTn>
+                  </p:par>
+                  <p:par>
+                    <p:cTn id="7" fill="hold">
+                      <p:stCondLst>
+                        <p:cond delay="indefinite"/>
+                      </p:stCondLst>
+                      <p:childTnLst>
+                        <p:par>
+                          <p:cTn id="8" fill="hold">
+                            <p:stCondLst>
+                              <p:cond delay="0"/>
+                            </p:stCondLst>
+                            <p:childTnLst>
+                              <p:par>
+                                <p:cTn id="9" presetID="1" presetClass="entr" presetSubtype="0" fill="hold" grpId="0" nodeType="clickEffect">
+                                  <p:stCondLst>
+                                    <p:cond delay="0"/>
+                                  </p:stCondLst>
+                                  <p:childTnLst>
+                                    <p:set>
+                                      <p:cBhvr>
+                                        <p:cTn id="10" dur="1" fill="hold">
+                                          <p:stCondLst>
+                                            <p:cond delay="0"/>
+                                          </p:stCondLst>
+                                        </p:cTn>
+                                        <p:tgtEl>
+                                          <p:spTgt spid="3">
+                                            <p:txEl>
+                                              <p:pRg st="1" end="1"/>
+                                            </p:txEl>
+                                          </p:spTgt>
+                                        </p:tgtEl>
+                                        <p:attrNameLst>
+                                          <p:attrName>style.visibility</p:attrName>
+                                        </p:attrNameLst>
+                                      </p:cBhvr>
+                                      <p:to>
+                                        <p:strVal val="visible"/>
+                                      </p:to>
+                                    </p:set>
+                                  </p:childTnLst>
+                                </p:cTn>
+                              </p:par>
+                            </p:childTnLst>
+                          </p:cTn>
+                        </p:par>
+                      </p:childTnLst>
+                    </p:cTn>
+                  </p:par>
+                  <p:par>
+                    <p:cTn id="11" fill="hold">
+                      <p:stCondLst>
+                        <p:cond delay="indefinite"/>
+                      </p:stCondLst>
+                      <p:childTnLst>
+                        <p:par>
+                          <p:cTn id="12" fill="hold">
+                            <p:stCondLst>
+                              <p:cond delay="0"/>
+                            </p:stCondLst>
+                            <p:childTnLst>
+                              <p:par>
+                                <p:cTn id="13" presetID="1" presetClass="entr" presetSubtype="0" fill="hold" grpId="0" nodeType="clickEffect">
+                                  <p:stCondLst>
+                                    <p:cond delay="0"/>
+                                  </p:stCondLst>
+                                  <p:childTnLst>
+                                    <p:set>
+                                      <p:cBhvr>
+                                        <p:cTn id="14" dur="1" fill="hold">
+                                          <p:stCondLst>
+                                            <p:cond delay="0"/>
+                                          </p:stCondLst>
+                                        </p:cTn>
+                                        <p:tgtEl>
+                                          <p:spTgt spid="3">
+                                            <p:txEl>
+                                              <p:pRg st="2" end="2"/>
+                                            </p:txEl>
+                                          </p:spTgt>
+                                        </p:tgtEl>
+                                        <p:attrNameLst>
+                                          <p:attrName>style.visibility</p:attrName>
+                                        </p:attrNameLst>
+                                      </p:cBhvr>
+                                      <p:to>
+                                        <p:strVal val="visible"/>
+                                      </p:to>
+                                    </p:set>
+                                  </p:childTnLst>
+                                </p:cTn>
+                              </p:par>
+                            </p:childTnLst>
+                          </p:cTn>
+                        </p:par>
+                      </p:childTnLst>
+                    </p:cTn>
+                  </p:par>
+                  <p:par>
+                    <p:cTn id="15" fill="hold">
+                      <p:stCondLst>
+                        <p:cond delay="indefinite"/>
+                      </p:stCondLst>
+                      <p:childTnLst>
+                        <p:par>
+                          <p:cTn id="16" fill="hold">
+                            <p:stCondLst>
+                              <p:cond delay="0"/>
+                            </p:stCondLst>
+                            <p:childTnLst>
+                              <p:par>
+                                <p:cTn id="17" presetID="1" presetClass="entr" presetSubtype="0" fill="hold" grpId="0" nodeType="clickEffect">
+                                  <p:stCondLst>
+                                    <p:cond delay="0"/>
+                                  </p:stCondLst>
+                                  <p:childTnLst>
+                                    <p:set>
+                                      <p:cBhvr>
+                                        <p:cTn id="18" dur="1" fill="hold">
+                                          <p:stCondLst>
+                                            <p:cond delay="0"/>
+                                          </p:stCondLst>
+                                        </p:cTn>
+                                        <p:tgtEl>
+                                          <p:spTgt spid="3">
+                                            <p:txEl>
+                                              <p:pRg st="3" end="3"/>
+                                            </p:txEl>
+                                          </p:spTgt>
+                                        </p:tgtEl>
+                                        <p:attrNameLst>
+                                          <p:attrName>style.visibility</p:attrName>
+                                        </p:attrNameLst>
+                                      </p:cBhvr>
+                                      <p:to>
+                                        <p:strVal val="visible"/>
+                                      </p:to>
+                                    </p:set>
+                                  </p:childTnLst>
+                                </p:cTn>
+                              </p:par>
+                            </p:childTnLst>
+                          </p:cTn>
+                        </p:par>
+                      </p:childTnLst>
+                    </p:cTn>
+                  </p:par>
+                  <p:par>
+                    <p:cTn id="19" fill="hold">
+                      <p:stCondLst>
+                        <p:cond delay="indefinite"/>
+                      </p:stCondLst>
+                      <p:childTnLst>
+                        <p:par>
+                          <p:cTn id="20" fill="hold">
+                            <p:stCondLst>
+                              <p:cond delay="0"/>
+                            </p:stCondLst>
+                            <p:childTnLst>
+                              <p:par>
+                                <p:cTn id="21" presetID="1" presetClass="entr" presetSubtype="0" fill="hold" grpId="0" nodeType="clickEffect">
+                                  <p:stCondLst>
+                                    <p:cond delay="0"/>
+                                  </p:stCondLst>
+                                  <p:childTnLst>
+                                    <p:set>
+                                      <p:cBhvr>
+                                        <p:cTn id="22" dur="1" fill="hold">
+                                          <p:stCondLst>
+                                            <p:cond delay="0"/>
+                                          </p:stCondLst>
+                                        </p:cTn>
+                                        <p:tgtEl>
+                                          <p:spTgt spid="3">
+                                            <p:txEl>
+                                              <p:pRg st="4" end="4"/>
+                                            </p:txEl>
+                                          </p:spTgt>
+                                        </p:tgtEl>
+                                        <p:attrNameLst>
+                                          <p:attrName>style.visibility</p:attrName>
+                                        </p:attrNameLst>
+                                      </p:cBhvr>
+                                      <p:to>
+                                        <p:strVal val="visible"/>
+                                      </p:to>
+                                    </p:set>
+                                  </p:childTnLst>
+                                </p:cTn>
+                              </p:par>
+                              <p:par>
+                                <p:cTn id="23" presetID="1" presetClass="entr" presetSubtype="0" fill="hold" grpId="0" nodeType="withEffect">
+                                  <p:stCondLst>
+                                    <p:cond delay="0"/>
+                                  </p:stCondLst>
+                                  <p:childTnLst>
+                                    <p:set>
+                                      <p:cBhvr>
+                                        <p:cTn id="24" dur="1" fill="hold">
+                                          <p:stCondLst>
+                                            <p:cond delay="0"/>
+                                          </p:stCondLst>
+                                        </p:cTn>
+                                        <p:tgtEl>
+                                          <p:spTgt spid="3">
+                                            <p:txEl>
+                                              <p:pRg st="5" end="5"/>
+                                            </p:txEl>
+                                          </p:spTgt>
+                                        </p:tgtEl>
+                                        <p:attrNameLst>
+                                          <p:attrName>style.visibility</p:attrName>
+                                        </p:attrNameLst>
+                                      </p:cBhvr>
+                                      <p:to>
+                                        <p:strVal val="visible"/>
+                                      </p:to>
+                                    </p:set>
+                                  </p:childTnLst>
+                                </p:cTn>
+                              </p:par>
+                            </p:childTnLst>
+                          </p:cTn>
+                        </p:par>
+                      </p:childTnLst>
+                    </p:cTn>
+                  </p:par>
+                  <p:par>
+                    <p:cTn id="25" fill="hold">
+                      <p:stCondLst>
+                        <p:cond delay="indefinite"/>
+                      </p:stCondLst>
+                      <p:childTnLst>
+                        <p:par>
+                          <p:cTn id="26" fill="hold">
+                            <p:stCondLst>
+                              <p:cond delay="0"/>
+                            </p:stCondLst>
+                            <p:childTnLst>
+                              <p:par>
+                                <p:cTn id="27" presetID="1" presetClass="entr" presetSubtype="0" fill="hold" grpId="0" nodeType="clickEffect">
+                                  <p:stCondLst>
+                                    <p:cond delay="0"/>
+                                  </p:stCondLst>
+                                  <p:childTnLst>
+                                    <p:set>
+                                      <p:cBhvr>
+                                        <p:cTn id="28" dur="1" fill="hold">
+                                          <p:stCondLst>
+                                            <p:cond delay="0"/>
+                                          </p:stCondLst>
+                                        </p:cTn>
+                                        <p:tgtEl>
+                                          <p:spTgt spid="3">
+                                            <p:txEl>
+                                              <p:pRg st="6" end="6"/>
+                                            </p:txEl>
+                                          </p:spTgt>
+                                        </p:tgtEl>
+                                        <p:attrNameLst>
+                                          <p:attrName>style.visibility</p:attrName>
+                                        </p:attrNameLst>
+                                      </p:cBhvr>
+                                      <p:to>
+                                        <p:strVal val="visible"/>
+                                      </p:to>
+                                    </p:set>
+                                  </p:childTnLst>
+                                </p:cTn>
+                              </p:par>
+                              <p:par>
+                                <p:cTn id="29" presetID="1" presetClass="entr" presetSubtype="0" fill="hold" grpId="0" nodeType="withEffect">
+                                  <p:stCondLst>
+                                    <p:cond delay="0"/>
+                                  </p:stCondLst>
+                                  <p:childTnLst>
+                                    <p:set>
+                                      <p:cBhvr>
+                                        <p:cTn id="30" dur="1" fill="hold">
+                                          <p:stCondLst>
+                                            <p:cond delay="0"/>
+                                          </p:stCondLst>
+                                        </p:cTn>
+                                        <p:tgtEl>
+                                          <p:spTgt spid="3">
+                                            <p:txEl>
+                                              <p:pRg st="7" end="7"/>
+                                            </p:txEl>
+                                          </p:spTgt>
+                                        </p:tgtEl>
+                                        <p:attrNameLst>
+                                          <p:attrName>style.visibility</p:attrName>
+                                        </p:attrNameLst>
+                                      </p:cBhvr>
+                                      <p:to>
+                                        <p:strVal val="visible"/>
+                                      </p:to>
+                                    </p:set>
+                                  </p:childTnLst>
+                                </p:cTn>
+                              </p:par>
+                            </p:childTnLst>
+                          </p:cTn>
+                        </p:par>
+                      </p:childTnLst>
+                    </p:cTn>
+                  </p:par>
+                </p:childTnLst>
+              </p:cTn>
+              <p:prevCondLst>
+                <p:cond evt="onPrev" delay="0">
+                  <p:tgtEl>
+                    <p:sldTgt/>
+                  </p:tgtEl>
+                </p:cond>
+              </p:prevCondLst>
+              <p:nextCondLst>
+                <p:cond evt="onNext" delay="0">
+                  <p:tgtEl>
+                    <p:sldTgt/>
+                  </p:tgtEl>
+                </p:cond>
+              </p:nextCondLst>
+            </p:seq>
+          </p:childTnLst>
+        </p:cTn>
+      </p:par>
+    </p:tnLst>
+    <p:bldLst>
+      <p:bldP spid="3" grpId="0" build="p"/>
+    </p:bldLst>
+  </p:timing>
+</p:sld>
+</file>
+
+<file path=ppt/slides/slide7.xml><?xml version="1.0" encoding="utf-8"?>
+<p:sld xmlns:a="http://schemas.openxmlformats.org/drawingml/2006/main" xmlns:r="http://schemas.openxmlformats.org/officeDocument/2006/relationships" xmlns:p="http://schemas.openxmlformats.org/presentationml/2006/main">
+  <p:cSld>
+    <p:spTree>
+      <p:nvGrpSpPr>
+        <p:cNvPr id="1" name=""/>
+        <p:cNvGrpSpPr/>
+        <p:nvPr/>
+      </p:nvGrpSpPr>
+      <p:grpSpPr>
+        <a:xfrm>
+          <a:off x="0" y="0"/>
+          <a:ext cx="0" cy="0"/>
+          <a:chOff x="0" y="0"/>
+          <a:chExt cx="0" cy="0"/>
+        </a:xfrm>
+      </p:grpSpPr>
+      <p:sp>
+        <p:nvSpPr>
+          <p:cNvPr id="2" name="Title 1">
+            <a:extLst>
+              <a:ext uri="{FF2B5EF4-FFF2-40B4-BE49-F238E27FC236}">
+                <a16:creationId xmlns:a16="http://schemas.microsoft.com/office/drawing/2014/main" id="{0552B99F-BCA7-8146-A5AB-B710461C7FA3}"/>
+              </a:ext>
+            </a:extLst>
+          </p:cNvPr>
+          <p:cNvSpPr>
+            <a:spLocks noGrp="1"/>
+          </p:cNvSpPr>
+          <p:nvPr>
+            <p:ph type="title"/>
+          </p:nvPr>
+        </p:nvSpPr>
+        <p:spPr/>
+        <p:txBody>
+          <a:bodyPr/>
+          <a:lstStyle/>
+          <a:p>
+            <a:r>
+              <a:rPr lang="en-US" dirty="0"/>
+              <a:t>Modern challenges</a:t>
+            </a:r>
+          </a:p>
+        </p:txBody>
+      </p:sp>
+      <p:sp>
+        <p:nvSpPr>
+          <p:cNvPr id="3" name="Content Placeholder 2">
+            <a:extLst>
+              <a:ext uri="{FF2B5EF4-FFF2-40B4-BE49-F238E27FC236}">
+                <a16:creationId xmlns:a16="http://schemas.microsoft.com/office/drawing/2014/main" id="{0D8E8CA7-A4C1-DB4E-BED7-F48B04FFB218}"/>
+              </a:ext>
+            </a:extLst>
+          </p:cNvPr>
+          <p:cNvSpPr>
+            <a:spLocks noGrp="1"/>
+          </p:cNvSpPr>
+          <p:nvPr>
+            <p:ph idx="1"/>
+          </p:nvPr>
+        </p:nvSpPr>
+        <p:spPr/>
+        <p:txBody>
+          <a:bodyPr>
+            <a:normAutofit/>
+          </a:bodyPr>
+          <a:lstStyle/>
+          <a:p>
+            <a:pPr indent="-257175">
+              <a:spcBef>
+                <a:spcPts val="0"/>
+              </a:spcBef>
+            </a:pPr>
+            <a:r>
+              <a:rPr lang="en-US" dirty="0"/>
+              <a:t>Instruction Parallelism</a:t>
+            </a:r>
+          </a:p>
+          <a:p>
+            <a:pPr lvl="1" indent="-214313">
+              <a:spcBef>
+                <a:spcPts val="360"/>
+              </a:spcBef>
+            </a:pPr>
+            <a:r>
+              <a:rPr lang="en-US" dirty="0"/>
+              <a:t>Out of order execution; branch prediction</a:t>
+            </a:r>
+          </a:p>
+          <a:p>
+            <a:pPr indent="-257175">
+              <a:spcBef>
+                <a:spcPts val="420"/>
+              </a:spcBef>
+            </a:pPr>
+            <a:r>
+              <a:rPr lang="en-US" dirty="0"/>
+              <a:t>Parallel algorithms:</a:t>
+            </a:r>
+          </a:p>
+          <a:p>
+            <a:pPr lvl="1" indent="-214313">
+              <a:spcBef>
+                <a:spcPts val="360"/>
+              </a:spcBef>
+            </a:pPr>
+            <a:r>
+              <a:rPr lang="en-US" dirty="0"/>
+              <a:t>New programming languages for </a:t>
+            </a:r>
+            <a:r>
+              <a:rPr lang="en-US" dirty="0">
+                <a:solidFill>
+                  <a:srgbClr val="0070C0"/>
+                </a:solidFill>
+              </a:rPr>
+              <a:t>grid computing</a:t>
+            </a:r>
+            <a:r>
+              <a:rPr lang="en-US" dirty="0"/>
+              <a:t>, </a:t>
+            </a:r>
+            <a:r>
+              <a:rPr lang="en-US" dirty="0">
+                <a:solidFill>
+                  <a:srgbClr val="0070C0"/>
+                </a:solidFill>
+              </a:rPr>
+              <a:t>multi-core computers</a:t>
+            </a:r>
+          </a:p>
+          <a:p>
+            <a:pPr indent="-257175">
+              <a:spcBef>
+                <a:spcPts val="420"/>
+              </a:spcBef>
+            </a:pPr>
+            <a:r>
+              <a:rPr lang="en-US" dirty="0"/>
+              <a:t>Memory hierarchy: register, cache, memory</a:t>
+            </a:r>
+          </a:p>
+          <a:p>
+            <a:pPr indent="-257175">
+              <a:spcBef>
+                <a:spcPts val="420"/>
+              </a:spcBef>
+            </a:pPr>
+            <a:r>
+              <a:rPr lang="en-US"/>
+              <a:t>New architectures</a:t>
+            </a:r>
+            <a:r>
+              <a:rPr lang="en-US" dirty="0"/>
+              <a:t>: GPUs, quantum computers, DNA computers</a:t>
+            </a:r>
+          </a:p>
+          <a:p>
+            <a:pPr indent="-257175">
+              <a:spcBef>
+                <a:spcPts val="420"/>
+              </a:spcBef>
+            </a:pPr>
+            <a:r>
+              <a:rPr lang="en-US" dirty="0"/>
+              <a:t>Hardware synthesis (extreme inner loop optimization)</a:t>
+            </a:r>
+          </a:p>
+        </p:txBody>
+      </p:sp>
+      <p:sp>
+        <p:nvSpPr>
+          <p:cNvPr id="4" name="Slide Number Placeholder 3">
+            <a:extLst>
+              <a:ext uri="{FF2B5EF4-FFF2-40B4-BE49-F238E27FC236}">
+                <a16:creationId xmlns:a16="http://schemas.microsoft.com/office/drawing/2014/main" id="{1906B34D-D33C-A340-A762-D6A851AF9689}"/>
+              </a:ext>
+            </a:extLst>
+          </p:cNvPr>
+          <p:cNvSpPr>
+            <a:spLocks noGrp="1"/>
+          </p:cNvSpPr>
+          <p:nvPr>
+            <p:ph type="sldNum" sz="quarter" idx="12"/>
+          </p:nvPr>
+        </p:nvSpPr>
+        <p:spPr/>
+        <p:txBody>
+          <a:bodyPr/>
+          <a:lstStyle/>
+          <a:p>
+            <a:fld id="{7B252BF6-6A9C-D04A-BBE8-37A07D64A1C3}" type="slidenum">
+              <a:rPr lang="en-US" smtClean="0"/>
+              <a:t>7</a:t>
+            </a:fld>
+            <a:endParaRPr lang="en-US"/>
+          </a:p>
+        </p:txBody>
+      </p:sp>
+    </p:spTree>
+    <p:extLst>
+      <p:ext uri="{BB962C8B-B14F-4D97-AF65-F5344CB8AC3E}">
+        <p14:creationId xmlns:p14="http://schemas.microsoft.com/office/powerpoint/2010/main" val="1437125688"/>
+      </p:ext>
+    </p:extLst>
+  </p:cSld>
+  <p:clrMapOvr>
+    <a:masterClrMapping/>
+  </p:clrMapOvr>
+  <p:timing>
+    <p:tnLst>
+      <p:par>
+        <p:cTn id="1" dur="indefinite" restart="never" nodeType="tmRoot">
+          <p:childTnLst>
+            <p:seq concurrent="1" nextAc="seek">
+              <p:cTn id="2" dur="indefinite" nodeType="mainSeq">
+                <p:childTnLst>
+                  <p:par>
+                    <p:cTn id="3" fill="hold">
+                      <p:stCondLst>
+                        <p:cond delay="indefinite"/>
+                      </p:stCondLst>
+                      <p:childTnLst>
+                        <p:par>
+                          <p:cTn id="4" fill="hold">
+                            <p:stCondLst>
+                              <p:cond delay="0"/>
+                            </p:stCondLst>
+                            <p:childTnLst>
+                              <p:par>
+                                <p:cTn id="5" presetID="1" presetClass="entr" presetSubtype="0" fill="hold" grpId="0" nodeType="clickEffect">
+                                  <p:stCondLst>
+                                    <p:cond delay="0"/>
+                                  </p:stCondLst>
+                                  <p:childTnLst>
+                                    <p:set>
+                                      <p:cBhvr>
+                                        <p:cTn id="6" dur="1" fill="hold">
+                                          <p:stCondLst>
+                                            <p:cond delay="0"/>
+                                          </p:stCondLst>
+                                        </p:cTn>
+                                        <p:tgtEl>
+                                          <p:spTgt spid="3">
+                                            <p:txEl>
+                                              <p:pRg st="0" end="0"/>
+                                            </p:txEl>
+                                          </p:spTgt>
+                                        </p:tgtEl>
+                                        <p:attrNameLst>
+                                          <p:attrName>style.visibility</p:attrName>
+                                        </p:attrNameLst>
+                                      </p:cBhvr>
+                                      <p:to>
+                                        <p:strVal val="visible"/>
+                                      </p:to>
+                                    </p:set>
+                                  </p:childTnLst>
+                                </p:cTn>
+                              </p:par>
+                              <p:par>
+                                <p:cTn id="7" presetID="1" presetClass="entr" presetSubtype="0" fill="hold" grpId="0" nodeType="withEffect">
+                                  <p:stCondLst>
+                                    <p:cond delay="0"/>
+                                  </p:stCondLst>
+                                  <p:childTnLst>
+                                    <p:set>
+                                      <p:cBhvr>
+                                        <p:cTn id="8" dur="1" fill="hold">
+                                          <p:stCondLst>
+                                            <p:cond delay="0"/>
+                                          </p:stCondLst>
+                                        </p:cTn>
+                                        <p:tgtEl>
+                                          <p:spTgt spid="3">
+                                            <p:txEl>
+                                              <p:pRg st="1" end="1"/>
+                                            </p:txEl>
+                                          </p:spTgt>
+                                        </p:tgtEl>
+                                        <p:attrNameLst>
+                                          <p:attrName>style.visibility</p:attrName>
+                                        </p:attrNameLst>
+                                      </p:cBhvr>
+                                      <p:to>
+                                        <p:strVal val="visible"/>
+                                      </p:to>
+                                    </p:set>
+                                  </p:childTnLst>
+                                </p:cTn>
+                              </p:par>
+                            </p:childTnLst>
+                          </p:cTn>
+                        </p:par>
+                      </p:childTnLst>
+                    </p:cTn>
+                  </p:par>
+                  <p:par>
+                    <p:cTn id="9" fill="hold">
+                      <p:stCondLst>
+                        <p:cond delay="indefinite"/>
+                      </p:stCondLst>
+                      <p:childTnLst>
+                        <p:par>
+                          <p:cTn id="10" fill="hold">
+                            <p:stCondLst>
+                              <p:cond delay="0"/>
+                            </p:stCondLst>
+                            <p:childTnLst>
+                              <p:par>
+                                <p:cTn id="11" presetID="1" presetClass="entr" presetSubtype="0" fill="hold" grpId="0" nodeType="clickEffect">
+                                  <p:stCondLst>
+                                    <p:cond delay="0"/>
+                                  </p:stCondLst>
+                                  <p:childTnLst>
+                                    <p:set>
+                                      <p:cBhvr>
+                                        <p:cTn id="12" dur="1" fill="hold">
+                                          <p:stCondLst>
+                                            <p:cond delay="0"/>
+                                          </p:stCondLst>
+                                        </p:cTn>
+                                        <p:tgtEl>
+                                          <p:spTgt spid="3">
+                                            <p:txEl>
+                                              <p:pRg st="2" end="2"/>
+                                            </p:txEl>
+                                          </p:spTgt>
+                                        </p:tgtEl>
+                                        <p:attrNameLst>
+                                          <p:attrName>style.visibility</p:attrName>
+                                        </p:attrNameLst>
+                                      </p:cBhvr>
+                                      <p:to>
+                                        <p:strVal val="visible"/>
+                                      </p:to>
+                                    </p:set>
+                                  </p:childTnLst>
+                                </p:cTn>
+                              </p:par>
+                              <p:par>
+                                <p:cTn id="13" presetID="1" presetClass="entr" presetSubtype="0" fill="hold" grpId="0" nodeType="withEffect">
+                                  <p:stCondLst>
+                                    <p:cond delay="0"/>
+                                  </p:stCondLst>
+                                  <p:childTnLst>
+                                    <p:set>
+                                      <p:cBhvr>
+                                        <p:cTn id="14" dur="1" fill="hold">
+                                          <p:stCondLst>
+                                            <p:cond delay="0"/>
+                                          </p:stCondLst>
+                                        </p:cTn>
+                                        <p:tgtEl>
+                                          <p:spTgt spid="3">
+                                            <p:txEl>
+                                              <p:pRg st="3" end="3"/>
+                                            </p:txEl>
+                                          </p:spTgt>
+                                        </p:tgtEl>
+                                        <p:attrNameLst>
+                                          <p:attrName>style.visibility</p:attrName>
+                                        </p:attrNameLst>
+                                      </p:cBhvr>
+                                      <p:to>
+                                        <p:strVal val="visible"/>
+                                      </p:to>
+                                    </p:set>
+                                  </p:childTnLst>
+                                </p:cTn>
+                              </p:par>
+                            </p:childTnLst>
+                          </p:cTn>
+                        </p:par>
+                      </p:childTnLst>
+                    </p:cTn>
+                  </p:par>
+                  <p:par>
+                    <p:cTn id="15" fill="hold">
+                      <p:stCondLst>
+                        <p:cond delay="indefinite"/>
+                      </p:stCondLst>
+                      <p:childTnLst>
+                        <p:par>
+                          <p:cTn id="16" fill="hold">
+                            <p:stCondLst>
+                              <p:cond delay="0"/>
+                            </p:stCondLst>
+                            <p:childTnLst>
+                              <p:par>
+                                <p:cTn id="17" presetID="1" presetClass="entr" presetSubtype="0" fill="hold" grpId="0" nodeType="clickEffect">
+                                  <p:stCondLst>
+                                    <p:cond delay="0"/>
+                                  </p:stCondLst>
+                                  <p:childTnLst>
+                                    <p:set>
+                                      <p:cBhvr>
+                                        <p:cTn id="18" dur="1" fill="hold">
+                                          <p:stCondLst>
+                                            <p:cond delay="0"/>
+                                          </p:stCondLst>
+                                        </p:cTn>
+                                        <p:tgtEl>
+                                          <p:spTgt spid="3">
+                                            <p:txEl>
+                                              <p:pRg st="4" end="4"/>
+                                            </p:txEl>
+                                          </p:spTgt>
+                                        </p:tgtEl>
+                                        <p:attrNameLst>
+                                          <p:attrName>style.visibility</p:attrName>
+                                        </p:attrNameLst>
+                                      </p:cBhvr>
+                                      <p:to>
+                                        <p:strVal val="visible"/>
+                                      </p:to>
+                                    </p:set>
+                                  </p:childTnLst>
+                                </p:cTn>
+                              </p:par>
+                            </p:childTnLst>
+                          </p:cTn>
+                        </p:par>
+                      </p:childTnLst>
+                    </p:cTn>
+                  </p:par>
+                  <p:par>
+                    <p:cTn id="19" fill="hold">
+                      <p:stCondLst>
+                        <p:cond delay="indefinite"/>
+                      </p:stCondLst>
+                      <p:childTnLst>
+                        <p:par>
+                          <p:cTn id="20" fill="hold">
+                            <p:stCondLst>
+                              <p:cond delay="0"/>
+                            </p:stCondLst>
+                            <p:childTnLst>
+                              <p:par>
+                                <p:cTn id="21" presetID="1" presetClass="entr" presetSubtype="0" fill="hold" grpId="0" nodeType="clickEffect">
+                                  <p:stCondLst>
+                                    <p:cond delay="0"/>
+                                  </p:stCondLst>
+                                  <p:childTnLst>
+                                    <p:set>
+                                      <p:cBhvr>
+                                        <p:cTn id="22" dur="1" fill="hold">
+                                          <p:stCondLst>
+                                            <p:cond delay="0"/>
+                                          </p:stCondLst>
+                                        </p:cTn>
+                                        <p:tgtEl>
+                                          <p:spTgt spid="3">
+                                            <p:txEl>
+                                              <p:pRg st="5" end="5"/>
+                                            </p:txEl>
+                                          </p:spTgt>
+                                        </p:tgtEl>
+                                        <p:attrNameLst>
+                                          <p:attrName>style.visibility</p:attrName>
+                                        </p:attrNameLst>
+                                      </p:cBhvr>
+                                      <p:to>
+                                        <p:strVal val="visible"/>
+                                      </p:to>
+                                    </p:set>
+                                  </p:childTnLst>
+                                </p:cTn>
+                              </p:par>
+                            </p:childTnLst>
+                          </p:cTn>
+                        </p:par>
+                      </p:childTnLst>
+                    </p:cTn>
+                  </p:par>
+                  <p:par>
+                    <p:cTn id="23" fill="hold">
+                      <p:stCondLst>
+                        <p:cond delay="indefinite"/>
+                      </p:stCondLst>
+                      <p:childTnLst>
+                        <p:par>
+                          <p:cTn id="24" fill="hold">
+                            <p:stCondLst>
+                              <p:cond delay="0"/>
+                            </p:stCondLst>
+                            <p:childTnLst>
+                              <p:par>
+                                <p:cTn id="25" presetID="1" presetClass="entr" presetSubtype="0" fill="hold" grpId="0" nodeType="clickEffect">
+                                  <p:stCondLst>
+                                    <p:cond delay="0"/>
+                                  </p:stCondLst>
+                                  <p:childTnLst>
+                                    <p:set>
+                                      <p:cBhvr>
+                                        <p:cTn id="26" dur="1" fill="hold">
+                                          <p:stCondLst>
+                                            <p:cond delay="0"/>
+                                          </p:stCondLst>
+                                        </p:cTn>
+                                        <p:tgtEl>
+                                          <p:spTgt spid="3">
+                                            <p:txEl>
+                                              <p:pRg st="6" end="6"/>
+                                            </p:txEl>
+                                          </p:spTgt>
+                                        </p:tgtEl>
+                                        <p:attrNameLst>
+                                          <p:attrName>style.visibility</p:attrName>
+                                        </p:attrNameLst>
+                                      </p:cBhvr>
+                                      <p:to>
+                                        <p:strVal val="visible"/>
+                                      </p:to>
+                                    </p:set>
+                                  </p:childTnLst>
+                                </p:cTn>
+                              </p:par>
+                            </p:childTnLst>
+                          </p:cTn>
+                        </p:par>
+                      </p:childTnLst>
+                    </p:cTn>
+                  </p:par>
+                </p:childTnLst>
+              </p:cTn>
+              <p:prevCondLst>
+                <p:cond evt="onPrev" delay="0">
+                  <p:tgtEl>
+                    <p:sldTgt/>
+                  </p:tgtEl>
+                </p:cond>
+              </p:prevCondLst>
+              <p:nextCondLst>
+                <p:cond evt="onNext" delay="0">
+                  <p:tgtEl>
+                    <p:sldTgt/>
+                  </p:tgtEl>
+                </p:cond>
+              </p:nextCondLst>
+            </p:seq>
+          </p:childTnLst>
+        </p:cTn>
+      </p:par>
+    </p:tnLst>
+    <p:bldLst>
+      <p:bldP spid="3" grpId="0" build="p"/>
+    </p:bldLst>
+  </p:timing>
 </p:sld>
 </file>
 

--- a/assets/ppt/intro/in3-what-is-a-compiler.pptx
+++ b/assets/ppt/intro/in3-what-is-a-compiler.pptx
@@ -1,6 +1,6 @@
 
 <file path=ppt/presentation.xml><?xml version="1.0" encoding="utf-8"?>
-<p:presentation xmlns:a="http://schemas.openxmlformats.org/drawingml/2006/main" xmlns:r="http://schemas.openxmlformats.org/officeDocument/2006/relationships" xmlns:p="http://schemas.openxmlformats.org/presentationml/2006/main" showSpecialPlsOnTitleSld="0" strictFirstAndLastChars="0" embedTrueTypeFonts="1" saveSubsetFonts="1" autoCompressPictures="0">
+<p:presentation xmlns:a="http://schemas.openxmlformats.org/drawingml/2006/main" xmlns:r="http://schemas.openxmlformats.org/officeDocument/2006/relationships" xmlns:p="http://schemas.openxmlformats.org/presentationml/2006/main" showSpecialPlsOnTitleSld="0" strictFirstAndLastChars="0" autoCompressPictures="0">
   <p:sldMasterIdLst>
     <p:sldMasterId id="2147483687" r:id="rId1"/>
   </p:sldMasterIdLst>
@@ -18,24 +18,6 @@
   </p:sldIdLst>
   <p:sldSz cx="9144000" cy="5143500" type="screen16x9"/>
   <p:notesSz cx="6858000" cy="9144000"/>
-  <p:embeddedFontLst>
-    <p:embeddedFont>
-      <p:font typeface="Calibri" panose="020F0502020204030204" pitchFamily="34" charset="0"/>
-      <p:regular r:id="rId10"/>
-      <p:bold r:id="rId11"/>
-      <p:italic r:id="rId12"/>
-      <p:boldItalic r:id="rId13"/>
-    </p:embeddedFont>
-    <p:embeddedFont>
-      <p:font typeface="Calibri Light" panose="020F0302020204030204" pitchFamily="34" charset="0"/>
-      <p:regular r:id="rId14"/>
-      <p:italic r:id="rId15"/>
-    </p:embeddedFont>
-    <p:embeddedFont>
-      <p:font typeface="Galdeano" panose="02000506070000020004" pitchFamily="2" charset="77"/>
-      <p:regular r:id="rId16"/>
-    </p:embeddedFont>
-  </p:embeddedFontLst>
   <p:defaultTextStyle>
     <a:defPPr marR="0" lvl="0" algn="l" rtl="0">
       <a:lnSpc>
@@ -2416,7 +2398,7 @@
           <a:p>
             <a:fld id="{1B6DC762-1116-2146-A47C-D79A5A5DBAFD}" type="datetime1">
               <a:rPr lang="en-CA" smtClean="0"/>
-              <a:t>2020-09-08</a:t>
+              <a:t>2020-09-10</a:t>
             </a:fld>
             <a:endParaRPr lang="en-US"/>
           </a:p>
@@ -2614,7 +2596,7 @@
           <a:p>
             <a:fld id="{725FEDD1-5A1B-2342-BAF0-F7C5511A73CE}" type="datetime1">
               <a:rPr lang="en-CA" smtClean="0"/>
-              <a:t>2020-09-08</a:t>
+              <a:t>2020-09-10</a:t>
             </a:fld>
             <a:endParaRPr lang="en-US"/>
           </a:p>
@@ -2822,7 +2804,7 @@
           <a:p>
             <a:fld id="{F09E59AE-0AE1-4048-8BD6-D39FC0EBB194}" type="datetime1">
               <a:rPr lang="en-CA" smtClean="0"/>
-              <a:t>2020-09-08</a:t>
+              <a:t>2020-09-10</a:t>
             </a:fld>
             <a:endParaRPr lang="en-US"/>
           </a:p>
@@ -3172,7 +3154,7 @@
           <a:p>
             <a:fld id="{A2849525-9B7D-5945-A782-775278635E42}" type="datetime1">
               <a:rPr lang="en-CA" smtClean="0"/>
-              <a:t>2020-09-08</a:t>
+              <a:t>2020-09-10</a:t>
             </a:fld>
             <a:endParaRPr lang="en-US"/>
           </a:p>
@@ -3447,7 +3429,7 @@
           <a:p>
             <a:fld id="{D05E1499-BDD1-6940-8C79-13A8B8E63D57}" type="datetime1">
               <a:rPr lang="en-CA" smtClean="0"/>
-              <a:t>2020-09-08</a:t>
+              <a:t>2020-09-10</a:t>
             </a:fld>
             <a:endParaRPr lang="en-US"/>
           </a:p>
@@ -3712,7 +3694,7 @@
           <a:p>
             <a:fld id="{17E70EF3-18A7-4644-8DA2-1EB9CA66C736}" type="datetime1">
               <a:rPr lang="en-CA" smtClean="0"/>
-              <a:t>2020-09-08</a:t>
+              <a:t>2020-09-10</a:t>
             </a:fld>
             <a:endParaRPr lang="en-US"/>
           </a:p>
@@ -4124,7 +4106,7 @@
           <a:p>
             <a:fld id="{54538FC1-2481-FB4A-91E5-87F3422DE2D5}" type="datetime1">
               <a:rPr lang="en-CA" smtClean="0"/>
-              <a:t>2020-09-08</a:t>
+              <a:t>2020-09-10</a:t>
             </a:fld>
             <a:endParaRPr lang="en-US"/>
           </a:p>
@@ -4265,7 +4247,7 @@
           <a:p>
             <a:fld id="{93D5C515-1622-C840-89B2-A4A55D34866A}" type="datetime1">
               <a:rPr lang="en-CA" smtClean="0"/>
-              <a:t>2020-09-08</a:t>
+              <a:t>2020-09-10</a:t>
             </a:fld>
             <a:endParaRPr lang="en-US"/>
           </a:p>
@@ -4378,7 +4360,7 @@
           <a:p>
             <a:fld id="{B9077E75-6C88-BB47-AC6F-0DCA859E7113}" type="datetime1">
               <a:rPr lang="en-CA" smtClean="0"/>
-              <a:t>2020-09-08</a:t>
+              <a:t>2020-09-10</a:t>
             </a:fld>
             <a:endParaRPr lang="en-US"/>
           </a:p>
@@ -4689,7 +4671,7 @@
           <a:p>
             <a:fld id="{1AD12F8B-7E05-A047-BAC3-EE71BEBBE5BE}" type="datetime1">
               <a:rPr lang="en-CA" smtClean="0"/>
-              <a:t>2020-09-08</a:t>
+              <a:t>2020-09-10</a:t>
             </a:fld>
             <a:endParaRPr lang="en-US"/>
           </a:p>
@@ -4977,7 +4959,7 @@
           <a:p>
             <a:fld id="{C1D9F72A-E93E-B546-8268-6408A6E1DA62}" type="datetime1">
               <a:rPr lang="en-CA" smtClean="0"/>
-              <a:t>2020-09-08</a:t>
+              <a:t>2020-09-10</a:t>
             </a:fld>
             <a:endParaRPr lang="en-US"/>
           </a:p>
@@ -5218,7 +5200,7 @@
           <a:p>
             <a:fld id="{97DF4AC7-DB73-7444-A2A7-FD79FE1A2B2B}" type="datetime1">
               <a:rPr lang="en-CA" smtClean="0"/>
-              <a:t>2020-09-08</a:t>
+              <a:t>2020-09-10</a:t>
             </a:fld>
             <a:endParaRPr lang="en-US"/>
           </a:p>
